--- a/AIM Autonomous Intersection Management.pptx
+++ b/AIM Autonomous Intersection Management.pptx
@@ -11,6 +11,7 @@
     <p:sldId id="259" r:id="rId5"/>
     <p:sldId id="260" r:id="rId6"/>
     <p:sldId id="261" r:id="rId7"/>
+    <p:sldId id="262" r:id="rId8"/>
   </p:sldIdLst>
   <p:sldSz cx="12192000" cy="6858000"/>
   <p:notesSz cx="6858000" cy="9144000"/>
@@ -15973,6 +15974,192 @@
 </p:sld>
 </file>
 
+<file path=ppt/slides/slide7.xml><?xml version="1.0" encoding="utf-8"?>
+<p:sld xmlns:a="http://schemas.openxmlformats.org/drawingml/2006/main" xmlns:r="http://schemas.openxmlformats.org/officeDocument/2006/relationships" xmlns:p="http://schemas.openxmlformats.org/presentationml/2006/main">
+  <p:cSld>
+    <p:bg>
+      <p:bgPr>
+        <a:solidFill>
+          <a:schemeClr val="bg1"/>
+        </a:solidFill>
+        <a:effectLst/>
+      </p:bgPr>
+    </p:bg>
+    <p:spTree>
+      <p:nvGrpSpPr>
+        <p:cNvPr id="1" name=""/>
+        <p:cNvGrpSpPr/>
+        <p:nvPr/>
+      </p:nvGrpSpPr>
+      <p:grpSpPr>
+        <a:xfrm>
+          <a:off x="0" y="0"/>
+          <a:ext cx="0" cy="0"/>
+          <a:chOff x="0" y="0"/>
+          <a:chExt cx="0" cy="0"/>
+        </a:xfrm>
+      </p:grpSpPr>
+      <p:sp>
+        <p:nvSpPr>
+          <p:cNvPr id="10" name="Down Arrow 7">
+            <a:extLst>
+              <a:ext uri="{FF2B5EF4-FFF2-40B4-BE49-F238E27FC236}">
+                <a16:creationId xmlns:a16="http://schemas.microsoft.com/office/drawing/2014/main" id="{D4771268-CB57-404A-9271-370EB28F6090}"/>
+              </a:ext>
+              <a:ext uri="{C183D7F6-B498-43B3-948B-1728B52AA6E4}">
+                <adec:decorative xmlns:adec="http://schemas.microsoft.com/office/drawing/2017/decorative" val="1"/>
+              </a:ext>
+            </a:extLst>
+          </p:cNvPr>
+          <p:cNvSpPr>
+            <a:spLocks noGrp="1" noRot="1" noChangeAspect="1" noMove="1" noResize="1" noEditPoints="1" noAdjustHandles="1" noChangeArrowheads="1" noChangeShapeType="1" noTextEdit="1"/>
+          </p:cNvSpPr>
+          <p:nvPr>
+            <p:extLst>
+              <p:ext uri="{386F3935-93C4-4BCD-93E2-E3B085C9AB24}">
+                <p16:designElem xmlns:p16="http://schemas.microsoft.com/office/powerpoint/2015/main" val="1"/>
+              </p:ext>
+            </p:extLst>
+          </p:nvPr>
+        </p:nvSpPr>
+        <p:spPr>
+          <a:xfrm rot="16200000">
+            <a:off x="800100" y="1491343"/>
+            <a:ext cx="3333749" cy="3499103"/>
+          </a:xfrm>
+          <a:prstGeom prst="downArrow">
+            <a:avLst>
+              <a:gd name="adj1" fmla="val 100000"/>
+              <a:gd name="adj2" fmla="val 15788"/>
+            </a:avLst>
+          </a:prstGeom>
+          <a:solidFill>
+            <a:srgbClr val="404040"/>
+          </a:solidFill>
+          <a:ln w="53975">
+            <a:noFill/>
+          </a:ln>
+        </p:spPr>
+        <p:style>
+          <a:lnRef idx="2">
+            <a:schemeClr val="accent1">
+              <a:shade val="50000"/>
+            </a:schemeClr>
+          </a:lnRef>
+          <a:fillRef idx="1">
+            <a:schemeClr val="accent1"/>
+          </a:fillRef>
+          <a:effectRef idx="0">
+            <a:schemeClr val="accent1"/>
+          </a:effectRef>
+          <a:fontRef idx="minor">
+            <a:schemeClr val="lt1"/>
+          </a:fontRef>
+        </p:style>
+        <p:txBody>
+          <a:bodyPr rtlCol="0" anchor="ctr"/>
+          <a:lstStyle/>
+          <a:p>
+            <a:pPr algn="ctr"/>
+            <a:endParaRPr lang="en-US"/>
+          </a:p>
+        </p:txBody>
+      </p:sp>
+      <p:sp>
+        <p:nvSpPr>
+          <p:cNvPr id="2" name="Title 1">
+            <a:extLst>
+              <a:ext uri="{FF2B5EF4-FFF2-40B4-BE49-F238E27FC236}">
+                <a16:creationId xmlns:a16="http://schemas.microsoft.com/office/drawing/2014/main" id="{9EAD5502-3DB4-4523-8EEB-A424ED2B6075}"/>
+              </a:ext>
+            </a:extLst>
+          </p:cNvPr>
+          <p:cNvSpPr>
+            <a:spLocks noGrp="1"/>
+          </p:cNvSpPr>
+          <p:nvPr>
+            <p:ph type="title"/>
+          </p:nvPr>
+        </p:nvSpPr>
+        <p:spPr>
+          <a:xfrm>
+            <a:off x="1028700" y="1967266"/>
+            <a:ext cx="2628900" cy="2547257"/>
+          </a:xfrm>
+          <a:noFill/>
+        </p:spPr>
+        <p:txBody>
+          <a:bodyPr vert="horz" lIns="91440" tIns="45720" rIns="91440" bIns="45720" rtlCol="0" anchor="ctr">
+            <a:normAutofit/>
+          </a:bodyPr>
+          <a:lstStyle/>
+          <a:p>
+            <a:pPr algn="ctr"/>
+            <a:r>
+              <a:rPr lang="en-US" sz="3600" kern="1200" dirty="0">
+                <a:solidFill>
+                  <a:srgbClr val="FFFFFF"/>
+                </a:solidFill>
+                <a:latin typeface="+mj-lt"/>
+                <a:ea typeface="+mj-ea"/>
+                <a:cs typeface="+mj-cs"/>
+              </a:rPr>
+              <a:t>Requirement Diagram</a:t>
+            </a:r>
+          </a:p>
+        </p:txBody>
+      </p:sp>
+      <p:pic>
+        <p:nvPicPr>
+          <p:cNvPr id="5" name="Content Placeholder 4" descr="Diagram&#10;&#10;Description automatically generated">
+            <a:extLst>
+              <a:ext uri="{FF2B5EF4-FFF2-40B4-BE49-F238E27FC236}">
+                <a16:creationId xmlns:a16="http://schemas.microsoft.com/office/drawing/2014/main" id="{181D3C72-7A57-4CC4-B050-DF00F08B129C}"/>
+              </a:ext>
+            </a:extLst>
+          </p:cNvPr>
+          <p:cNvPicPr>
+            <a:picLocks noGrp="1" noChangeAspect="1"/>
+          </p:cNvPicPr>
+          <p:nvPr>
+            <p:ph idx="1"/>
+          </p:nvPr>
+        </p:nvPicPr>
+        <p:blipFill>
+          <a:blip r:embed="rId2">
+            <a:extLst>
+              <a:ext uri="{28A0092B-C50C-407E-A947-70E740481C1C}">
+                <a14:useLocalDpi xmlns:a14="http://schemas.microsoft.com/office/drawing/2010/main" val="0"/>
+              </a:ext>
+            </a:extLst>
+          </a:blip>
+          <a:stretch>
+            <a:fillRect/>
+          </a:stretch>
+        </p:blipFill>
+        <p:spPr>
+          <a:xfrm>
+            <a:off x="4777316" y="800315"/>
+            <a:ext cx="6780700" cy="5255041"/>
+          </a:xfrm>
+          <a:prstGeom prst="rect">
+            <a:avLst/>
+          </a:prstGeom>
+        </p:spPr>
+      </p:pic>
+    </p:spTree>
+    <p:extLst>
+      <p:ext uri="{BB962C8B-B14F-4D97-AF65-F5344CB8AC3E}">
+        <p14:creationId xmlns:p14="http://schemas.microsoft.com/office/powerpoint/2010/main" val="2202099191"/>
+      </p:ext>
+    </p:extLst>
+  </p:cSld>
+  <p:clrMapOvr>
+    <a:masterClrMapping/>
+  </p:clrMapOvr>
+</p:sld>
+</file>
+
 <file path=ppt/theme/theme1.xml><?xml version="1.0" encoding="utf-8"?>
 <a:theme xmlns:a="http://schemas.openxmlformats.org/drawingml/2006/main" name="Office Theme">
   <a:themeElements>

--- a/AIM Autonomous Intersection Management.pptx
+++ b/AIM Autonomous Intersection Management.pptx
@@ -12,6 +12,7 @@
     <p:sldId id="260" r:id="rId6"/>
     <p:sldId id="261" r:id="rId7"/>
     <p:sldId id="262" r:id="rId8"/>
+    <p:sldId id="263" r:id="rId9"/>
   </p:sldIdLst>
   <p:sldSz cx="12192000" cy="6858000"/>
   <p:notesSz cx="6858000" cy="9144000"/>
@@ -8161,7 +8162,7 @@
           <a:p>
             <a:fld id="{64ECE098-EFD0-4A62-9456-C803EB1DBA7A}" type="datetimeFigureOut">
               <a:rPr lang="en-DE" smtClean="0"/>
-              <a:t>25/04/2022</a:t>
+              <a:t>02/05/2022</a:t>
             </a:fld>
             <a:endParaRPr lang="en-DE"/>
           </a:p>
@@ -8361,7 +8362,7 @@
           <a:p>
             <a:fld id="{64ECE098-EFD0-4A62-9456-C803EB1DBA7A}" type="datetimeFigureOut">
               <a:rPr lang="en-DE" smtClean="0"/>
-              <a:t>25/04/2022</a:t>
+              <a:t>02/05/2022</a:t>
             </a:fld>
             <a:endParaRPr lang="en-DE"/>
           </a:p>
@@ -8571,7 +8572,7 @@
           <a:p>
             <a:fld id="{64ECE098-EFD0-4A62-9456-C803EB1DBA7A}" type="datetimeFigureOut">
               <a:rPr lang="en-DE" smtClean="0"/>
-              <a:t>25/04/2022</a:t>
+              <a:t>02/05/2022</a:t>
             </a:fld>
             <a:endParaRPr lang="en-DE"/>
           </a:p>
@@ -8771,7 +8772,7 @@
           <a:p>
             <a:fld id="{64ECE098-EFD0-4A62-9456-C803EB1DBA7A}" type="datetimeFigureOut">
               <a:rPr lang="en-DE" smtClean="0"/>
-              <a:t>25/04/2022</a:t>
+              <a:t>02/05/2022</a:t>
             </a:fld>
             <a:endParaRPr lang="en-DE"/>
           </a:p>
@@ -9047,7 +9048,7 @@
           <a:p>
             <a:fld id="{64ECE098-EFD0-4A62-9456-C803EB1DBA7A}" type="datetimeFigureOut">
               <a:rPr lang="en-DE" smtClean="0"/>
-              <a:t>25/04/2022</a:t>
+              <a:t>02/05/2022</a:t>
             </a:fld>
             <a:endParaRPr lang="en-DE"/>
           </a:p>
@@ -9315,7 +9316,7 @@
           <a:p>
             <a:fld id="{64ECE098-EFD0-4A62-9456-C803EB1DBA7A}" type="datetimeFigureOut">
               <a:rPr lang="en-DE" smtClean="0"/>
-              <a:t>25/04/2022</a:t>
+              <a:t>02/05/2022</a:t>
             </a:fld>
             <a:endParaRPr lang="en-DE"/>
           </a:p>
@@ -9730,7 +9731,7 @@
           <a:p>
             <a:fld id="{64ECE098-EFD0-4A62-9456-C803EB1DBA7A}" type="datetimeFigureOut">
               <a:rPr lang="en-DE" smtClean="0"/>
-              <a:t>25/04/2022</a:t>
+              <a:t>02/05/2022</a:t>
             </a:fld>
             <a:endParaRPr lang="en-DE"/>
           </a:p>
@@ -9872,7 +9873,7 @@
           <a:p>
             <a:fld id="{64ECE098-EFD0-4A62-9456-C803EB1DBA7A}" type="datetimeFigureOut">
               <a:rPr lang="en-DE" smtClean="0"/>
-              <a:t>25/04/2022</a:t>
+              <a:t>02/05/2022</a:t>
             </a:fld>
             <a:endParaRPr lang="en-DE"/>
           </a:p>
@@ -9985,7 +9986,7 @@
           <a:p>
             <a:fld id="{64ECE098-EFD0-4A62-9456-C803EB1DBA7A}" type="datetimeFigureOut">
               <a:rPr lang="en-DE" smtClean="0"/>
-              <a:t>25/04/2022</a:t>
+              <a:t>02/05/2022</a:t>
             </a:fld>
             <a:endParaRPr lang="en-DE"/>
           </a:p>
@@ -10298,7 +10299,7 @@
           <a:p>
             <a:fld id="{64ECE098-EFD0-4A62-9456-C803EB1DBA7A}" type="datetimeFigureOut">
               <a:rPr lang="en-DE" smtClean="0"/>
-              <a:t>25/04/2022</a:t>
+              <a:t>02/05/2022</a:t>
             </a:fld>
             <a:endParaRPr lang="en-DE"/>
           </a:p>
@@ -10587,7 +10588,7 @@
           <a:p>
             <a:fld id="{64ECE098-EFD0-4A62-9456-C803EB1DBA7A}" type="datetimeFigureOut">
               <a:rPr lang="en-DE" smtClean="0"/>
-              <a:t>25/04/2022</a:t>
+              <a:t>02/05/2022</a:t>
             </a:fld>
             <a:endParaRPr lang="en-DE"/>
           </a:p>
@@ -10830,7 +10831,7 @@
           <a:p>
             <a:fld id="{64ECE098-EFD0-4A62-9456-C803EB1DBA7A}" type="datetimeFigureOut">
               <a:rPr lang="en-DE" smtClean="0"/>
-              <a:t>25/04/2022</a:t>
+              <a:t>02/05/2022</a:t>
             </a:fld>
             <a:endParaRPr lang="en-DE"/>
           </a:p>
@@ -16001,7 +16002,7 @@
       </p:grpSpPr>
       <p:sp>
         <p:nvSpPr>
-          <p:cNvPr id="10" name="Down Arrow 7">
+          <p:cNvPr id="15" name="Down Arrow 7">
             <a:extLst>
               <a:ext uri="{FF2B5EF4-FFF2-40B4-BE49-F238E27FC236}">
                 <a16:creationId xmlns:a16="http://schemas.microsoft.com/office/drawing/2014/main" id="{D4771268-CB57-404A-9271-370EB28F6090}"/>
@@ -16111,10 +16112,10 @@
       </p:sp>
       <p:pic>
         <p:nvPicPr>
-          <p:cNvPr id="5" name="Content Placeholder 4" descr="Diagram&#10;&#10;Description automatically generated">
+          <p:cNvPr id="7" name="Content Placeholder 6" descr="Diagram, schematic&#10;&#10;Description automatically generated">
             <a:extLst>
               <a:ext uri="{FF2B5EF4-FFF2-40B4-BE49-F238E27FC236}">
-                <a16:creationId xmlns:a16="http://schemas.microsoft.com/office/drawing/2014/main" id="{181D3C72-7A57-4CC4-B050-DF00F08B129C}"/>
+                <a16:creationId xmlns:a16="http://schemas.microsoft.com/office/drawing/2014/main" id="{A59C9755-5158-299F-DF62-F5EF5365340B}"/>
               </a:ext>
             </a:extLst>
           </p:cNvPr>
@@ -16139,8 +16140,8 @@
         </p:blipFill>
         <p:spPr>
           <a:xfrm>
-            <a:off x="4777316" y="800315"/>
-            <a:ext cx="6780700" cy="5255041"/>
+            <a:off x="4823078" y="643466"/>
+            <a:ext cx="6689175" cy="5568739"/>
           </a:xfrm>
           <a:prstGeom prst="rect">
             <a:avLst/>
@@ -16151,6 +16152,210 @@
     <p:extLst>
       <p:ext uri="{BB962C8B-B14F-4D97-AF65-F5344CB8AC3E}">
         <p14:creationId xmlns:p14="http://schemas.microsoft.com/office/powerpoint/2010/main" val="2202099191"/>
+      </p:ext>
+    </p:extLst>
+  </p:cSld>
+  <p:clrMapOvr>
+    <a:masterClrMapping/>
+  </p:clrMapOvr>
+</p:sld>
+</file>
+
+<file path=ppt/slides/slide8.xml><?xml version="1.0" encoding="utf-8"?>
+<p:sld xmlns:a="http://schemas.openxmlformats.org/drawingml/2006/main" xmlns:r="http://schemas.openxmlformats.org/officeDocument/2006/relationships" xmlns:p="http://schemas.openxmlformats.org/presentationml/2006/main">
+  <p:cSld>
+    <p:bg>
+      <p:bgPr>
+        <a:solidFill>
+          <a:schemeClr val="bg1"/>
+        </a:solidFill>
+        <a:effectLst/>
+      </p:bgPr>
+    </p:bg>
+    <p:spTree>
+      <p:nvGrpSpPr>
+        <p:cNvPr id="1" name=""/>
+        <p:cNvGrpSpPr/>
+        <p:nvPr/>
+      </p:nvGrpSpPr>
+      <p:grpSpPr>
+        <a:xfrm>
+          <a:off x="0" y="0"/>
+          <a:ext cx="0" cy="0"/>
+          <a:chOff x="0" y="0"/>
+          <a:chExt cx="0" cy="0"/>
+        </a:xfrm>
+      </p:grpSpPr>
+      <p:sp>
+        <p:nvSpPr>
+          <p:cNvPr id="15" name="Down Arrow 7">
+            <a:extLst>
+              <a:ext uri="{FF2B5EF4-FFF2-40B4-BE49-F238E27FC236}">
+                <a16:creationId xmlns:a16="http://schemas.microsoft.com/office/drawing/2014/main" id="{D4771268-CB57-404A-9271-370EB28F6090}"/>
+              </a:ext>
+              <a:ext uri="{C183D7F6-B498-43B3-948B-1728B52AA6E4}">
+                <adec:decorative xmlns:adec="http://schemas.microsoft.com/office/drawing/2017/decorative" val="1"/>
+              </a:ext>
+            </a:extLst>
+          </p:cNvPr>
+          <p:cNvSpPr>
+            <a:spLocks noGrp="1" noRot="1" noChangeAspect="1" noMove="1" noResize="1" noEditPoints="1" noAdjustHandles="1" noChangeArrowheads="1" noChangeShapeType="1" noTextEdit="1"/>
+          </p:cNvSpPr>
+          <p:nvPr>
+            <p:extLst>
+              <p:ext uri="{386F3935-93C4-4BCD-93E2-E3B085C9AB24}">
+                <p16:designElem xmlns:p16="http://schemas.microsoft.com/office/powerpoint/2015/main" val="1"/>
+              </p:ext>
+            </p:extLst>
+          </p:nvPr>
+        </p:nvSpPr>
+        <p:spPr>
+          <a:xfrm rot="16200000">
+            <a:off x="800100" y="1491343"/>
+            <a:ext cx="3333749" cy="3499103"/>
+          </a:xfrm>
+          <a:prstGeom prst="downArrow">
+            <a:avLst>
+              <a:gd name="adj1" fmla="val 100000"/>
+              <a:gd name="adj2" fmla="val 15788"/>
+            </a:avLst>
+          </a:prstGeom>
+          <a:solidFill>
+            <a:srgbClr val="404040"/>
+          </a:solidFill>
+          <a:ln w="53975">
+            <a:noFill/>
+          </a:ln>
+        </p:spPr>
+        <p:style>
+          <a:lnRef idx="2">
+            <a:schemeClr val="accent1">
+              <a:shade val="50000"/>
+            </a:schemeClr>
+          </a:lnRef>
+          <a:fillRef idx="1">
+            <a:schemeClr val="accent1"/>
+          </a:fillRef>
+          <a:effectRef idx="0">
+            <a:schemeClr val="accent1"/>
+          </a:effectRef>
+          <a:fontRef idx="minor">
+            <a:schemeClr val="lt1"/>
+          </a:fontRef>
+        </p:style>
+        <p:txBody>
+          <a:bodyPr rtlCol="0" anchor="ctr"/>
+          <a:lstStyle/>
+          <a:p>
+            <a:pPr algn="ctr"/>
+            <a:endParaRPr lang="en-US"/>
+          </a:p>
+        </p:txBody>
+      </p:sp>
+      <p:sp>
+        <p:nvSpPr>
+          <p:cNvPr id="2" name="Title 1">
+            <a:extLst>
+              <a:ext uri="{FF2B5EF4-FFF2-40B4-BE49-F238E27FC236}">
+                <a16:creationId xmlns:a16="http://schemas.microsoft.com/office/drawing/2014/main" id="{3B18C25E-4B73-5DB3-7602-4A623356E73D}"/>
+              </a:ext>
+            </a:extLst>
+          </p:cNvPr>
+          <p:cNvSpPr>
+            <a:spLocks noGrp="1"/>
+          </p:cNvSpPr>
+          <p:nvPr>
+            <p:ph type="title"/>
+          </p:nvPr>
+        </p:nvSpPr>
+        <p:spPr>
+          <a:xfrm>
+            <a:off x="1028700" y="1967266"/>
+            <a:ext cx="2628900" cy="2547257"/>
+          </a:xfrm>
+          <a:noFill/>
+        </p:spPr>
+        <p:txBody>
+          <a:bodyPr vert="horz" lIns="91440" tIns="45720" rIns="91440" bIns="45720" rtlCol="0" anchor="ctr">
+            <a:normAutofit/>
+          </a:bodyPr>
+          <a:lstStyle/>
+          <a:p>
+            <a:pPr algn="ctr"/>
+            <a:r>
+              <a:rPr lang="en-US" sz="3600" kern="1200">
+                <a:solidFill>
+                  <a:srgbClr val="FFFFFF"/>
+                </a:solidFill>
+                <a:latin typeface="+mj-lt"/>
+                <a:ea typeface="+mj-ea"/>
+                <a:cs typeface="+mj-cs"/>
+              </a:rPr>
+              <a:t>Sequence Diagram</a:t>
+            </a:r>
+            <a:br>
+              <a:rPr lang="en-US" sz="3600" kern="1200">
+                <a:solidFill>
+                  <a:srgbClr val="FFFFFF"/>
+                </a:solidFill>
+                <a:latin typeface="+mj-lt"/>
+                <a:ea typeface="+mj-ea"/>
+                <a:cs typeface="+mj-cs"/>
+              </a:rPr>
+            </a:br>
+            <a:endParaRPr lang="en-US" sz="3600" kern="1200">
+              <a:solidFill>
+                <a:srgbClr val="FFFFFF"/>
+              </a:solidFill>
+              <a:latin typeface="+mj-lt"/>
+              <a:ea typeface="+mj-ea"/>
+              <a:cs typeface="+mj-cs"/>
+            </a:endParaRPr>
+          </a:p>
+        </p:txBody>
+      </p:sp>
+      <p:pic>
+        <p:nvPicPr>
+          <p:cNvPr id="9" name="Content Placeholder 8" descr="Diagram&#10;&#10;Description automatically generated with medium confidence">
+            <a:extLst>
+              <a:ext uri="{FF2B5EF4-FFF2-40B4-BE49-F238E27FC236}">
+                <a16:creationId xmlns:a16="http://schemas.microsoft.com/office/drawing/2014/main" id="{4B92FDB8-2D32-EBCA-43E9-33779886016C}"/>
+              </a:ext>
+            </a:extLst>
+          </p:cNvPr>
+          <p:cNvPicPr>
+            <a:picLocks noGrp="1" noChangeAspect="1"/>
+          </p:cNvPicPr>
+          <p:nvPr>
+            <p:ph idx="1"/>
+          </p:nvPr>
+        </p:nvPicPr>
+        <p:blipFill>
+          <a:blip r:embed="rId2">
+            <a:extLst>
+              <a:ext uri="{28A0092B-C50C-407E-A947-70E740481C1C}">
+                <a14:useLocalDpi xmlns:a14="http://schemas.microsoft.com/office/drawing/2010/main" val="0"/>
+              </a:ext>
+            </a:extLst>
+          </a:blip>
+          <a:stretch>
+            <a:fillRect/>
+          </a:stretch>
+        </p:blipFill>
+        <p:spPr>
+          <a:xfrm>
+            <a:off x="5213427" y="643466"/>
+            <a:ext cx="5908477" cy="5568739"/>
+          </a:xfrm>
+          <a:prstGeom prst="rect">
+            <a:avLst/>
+          </a:prstGeom>
+        </p:spPr>
+      </p:pic>
+    </p:spTree>
+    <p:extLst>
+      <p:ext uri="{BB962C8B-B14F-4D97-AF65-F5344CB8AC3E}">
+        <p14:creationId xmlns:p14="http://schemas.microsoft.com/office/powerpoint/2010/main" val="4254531621"/>
       </p:ext>
     </p:extLst>
   </p:cSld>

--- a/AIM Autonomous Intersection Management.pptx
+++ b/AIM Autonomous Intersection Management.pptx
@@ -13,6 +13,7 @@
     <p:sldId id="261" r:id="rId7"/>
     <p:sldId id="262" r:id="rId8"/>
     <p:sldId id="263" r:id="rId9"/>
+    <p:sldId id="265" r:id="rId10"/>
   </p:sldIdLst>
   <p:sldSz cx="12192000" cy="6858000"/>
   <p:notesSz cx="6858000" cy="9144000"/>
@@ -15738,44 +15739,31 @@
           </a:p>
         </p:txBody>
       </p:sp>
-      <p:pic>
-        <p:nvPicPr>
-          <p:cNvPr id="5" name="Content Placeholder 4" descr="Diagram&#10;&#10;Description automatically generated">
+      <p:sp>
+        <p:nvSpPr>
+          <p:cNvPr id="4" name="Content Placeholder 3">
             <a:extLst>
               <a:ext uri="{FF2B5EF4-FFF2-40B4-BE49-F238E27FC236}">
-                <a16:creationId xmlns:a16="http://schemas.microsoft.com/office/drawing/2014/main" id="{168EFE4A-8D97-4932-B270-D04EA635455A}"/>
+                <a16:creationId xmlns:a16="http://schemas.microsoft.com/office/drawing/2014/main" id="{26BAFC59-BB2B-45FC-EB74-DA63DF1BEDA5}"/>
               </a:ext>
             </a:extLst>
           </p:cNvPr>
-          <p:cNvPicPr>
-            <a:picLocks noGrp="1" noChangeAspect="1"/>
-          </p:cNvPicPr>
+          <p:cNvSpPr>
+            <a:spLocks noGrp="1"/>
+          </p:cNvSpPr>
           <p:nvPr>
             <p:ph idx="1"/>
           </p:nvPr>
-        </p:nvPicPr>
-        <p:blipFill>
-          <a:blip r:embed="rId2">
-            <a:extLst>
-              <a:ext uri="{28A0092B-C50C-407E-A947-70E740481C1C}">
-                <a14:useLocalDpi xmlns:a14="http://schemas.microsoft.com/office/drawing/2010/main" val="0"/>
-              </a:ext>
-            </a:extLst>
-          </a:blip>
-          <a:stretch>
-            <a:fillRect/>
-          </a:stretch>
-        </p:blipFill>
-        <p:spPr>
-          <a:xfrm>
-            <a:off x="6002819" y="643466"/>
-            <a:ext cx="4329694" cy="5568739"/>
-          </a:xfrm>
-          <a:prstGeom prst="rect">
-            <a:avLst/>
-          </a:prstGeom>
-        </p:spPr>
-      </p:pic>
+        </p:nvSpPr>
+        <p:spPr/>
+        <p:txBody>
+          <a:bodyPr/>
+          <a:lstStyle/>
+          <a:p>
+            <a:endParaRPr lang="en-DE"/>
+          </a:p>
+        </p:txBody>
+      </p:sp>
     </p:spTree>
     <p:extLst>
       <p:ext uri="{BB962C8B-B14F-4D97-AF65-F5344CB8AC3E}">
@@ -15816,7 +15804,7 @@
       </p:grpSpPr>
       <p:sp>
         <p:nvSpPr>
-          <p:cNvPr id="9" name="Down Arrow 7">
+          <p:cNvPr id="14" name="Down Arrow 7">
             <a:extLst>
               <a:ext uri="{FF2B5EF4-FFF2-40B4-BE49-F238E27FC236}">
                 <a16:creationId xmlns:a16="http://schemas.microsoft.com/office/drawing/2014/main" id="{D4771268-CB57-404A-9271-370EB28F6090}"/>
@@ -15926,10 +15914,10 @@
       </p:sp>
       <p:pic>
         <p:nvPicPr>
-          <p:cNvPr id="4" name="Content Placeholder 3" descr="Diagram&#10;&#10;Description automatically generated">
+          <p:cNvPr id="7" name="Content Placeholder 6" descr="Diagram&#10;&#10;Description automatically generated">
             <a:extLst>
               <a:ext uri="{FF2B5EF4-FFF2-40B4-BE49-F238E27FC236}">
-                <a16:creationId xmlns:a16="http://schemas.microsoft.com/office/drawing/2014/main" id="{F335F5CE-9AF2-4198-B133-18A73209847C}"/>
+                <a16:creationId xmlns:a16="http://schemas.microsoft.com/office/drawing/2014/main" id="{0553184A-638D-9535-C980-3C57942F324E}"/>
               </a:ext>
             </a:extLst>
           </p:cNvPr>
@@ -15954,8 +15942,8 @@
         </p:blipFill>
         <p:spPr>
           <a:xfrm>
-            <a:off x="6016741" y="643466"/>
-            <a:ext cx="4301850" cy="5568739"/>
+            <a:off x="4777316" y="1359722"/>
+            <a:ext cx="6780700" cy="4136226"/>
           </a:xfrm>
           <a:prstGeom prst="rect">
             <a:avLst/>
@@ -16365,6 +16353,221 @@
 </p:sld>
 </file>
 
+<file path=ppt/slides/slide9.xml><?xml version="1.0" encoding="utf-8"?>
+<p:sld xmlns:a="http://schemas.openxmlformats.org/drawingml/2006/main" xmlns:r="http://schemas.openxmlformats.org/officeDocument/2006/relationships" xmlns:p="http://schemas.openxmlformats.org/presentationml/2006/main">
+  <p:cSld>
+    <p:bg>
+      <p:bgPr>
+        <a:solidFill>
+          <a:schemeClr val="bg1"/>
+        </a:solidFill>
+        <a:effectLst/>
+      </p:bgPr>
+    </p:bg>
+    <p:spTree>
+      <p:nvGrpSpPr>
+        <p:cNvPr id="1" name=""/>
+        <p:cNvGrpSpPr/>
+        <p:nvPr/>
+      </p:nvGrpSpPr>
+      <p:grpSpPr>
+        <a:xfrm>
+          <a:off x="0" y="0"/>
+          <a:ext cx="0" cy="0"/>
+          <a:chOff x="0" y="0"/>
+          <a:chExt cx="0" cy="0"/>
+        </a:xfrm>
+      </p:grpSpPr>
+      <p:sp>
+        <p:nvSpPr>
+          <p:cNvPr id="10" name="Down Arrow 7">
+            <a:extLst>
+              <a:ext uri="{FF2B5EF4-FFF2-40B4-BE49-F238E27FC236}">
+                <a16:creationId xmlns:a16="http://schemas.microsoft.com/office/drawing/2014/main" id="{D4771268-CB57-404A-9271-370EB28F6090}"/>
+              </a:ext>
+              <a:ext uri="{C183D7F6-B498-43B3-948B-1728B52AA6E4}">
+                <adec:decorative xmlns:adec="http://schemas.microsoft.com/office/drawing/2017/decorative" val="1"/>
+              </a:ext>
+            </a:extLst>
+          </p:cNvPr>
+          <p:cNvSpPr>
+            <a:spLocks noGrp="1" noRot="1" noChangeAspect="1" noMove="1" noResize="1" noEditPoints="1" noAdjustHandles="1" noChangeArrowheads="1" noChangeShapeType="1" noTextEdit="1"/>
+          </p:cNvSpPr>
+          <p:nvPr>
+            <p:extLst>
+              <p:ext uri="{386F3935-93C4-4BCD-93E2-E3B085C9AB24}">
+                <p16:designElem xmlns:p16="http://schemas.microsoft.com/office/powerpoint/2015/main" val="1"/>
+              </p:ext>
+            </p:extLst>
+          </p:nvPr>
+        </p:nvSpPr>
+        <p:spPr>
+          <a:xfrm rot="16200000">
+            <a:off x="800100" y="1491343"/>
+            <a:ext cx="3333749" cy="3499103"/>
+          </a:xfrm>
+          <a:prstGeom prst="downArrow">
+            <a:avLst>
+              <a:gd name="adj1" fmla="val 100000"/>
+              <a:gd name="adj2" fmla="val 15788"/>
+            </a:avLst>
+          </a:prstGeom>
+          <a:solidFill>
+            <a:srgbClr val="404040"/>
+          </a:solidFill>
+          <a:ln w="53975">
+            <a:noFill/>
+          </a:ln>
+        </p:spPr>
+        <p:style>
+          <a:lnRef idx="2">
+            <a:schemeClr val="accent1">
+              <a:shade val="50000"/>
+            </a:schemeClr>
+          </a:lnRef>
+          <a:fillRef idx="1">
+            <a:schemeClr val="accent1"/>
+          </a:fillRef>
+          <a:effectRef idx="0">
+            <a:schemeClr val="accent1"/>
+          </a:effectRef>
+          <a:fontRef idx="minor">
+            <a:schemeClr val="lt1"/>
+          </a:fontRef>
+        </p:style>
+        <p:txBody>
+          <a:bodyPr rtlCol="0" anchor="ctr"/>
+          <a:lstStyle/>
+          <a:p>
+            <a:pPr marL="0" marR="0" lvl="0" indent="0" algn="ctr" defTabSz="914400" rtl="0" eaLnBrk="1" fontAlgn="auto" latinLnBrk="0" hangingPunct="1">
+              <a:lnSpc>
+                <a:spcPct val="100000"/>
+              </a:lnSpc>
+              <a:spcBef>
+                <a:spcPts val="0"/>
+              </a:spcBef>
+              <a:spcAft>
+                <a:spcPts val="0"/>
+              </a:spcAft>
+              <a:buClrTx/>
+              <a:buSzTx/>
+              <a:buFontTx/>
+              <a:buNone/>
+              <a:tabLst/>
+              <a:defRPr/>
+            </a:pPr>
+            <a:endParaRPr kumimoji="0" lang="en-US" sz="1800" b="0" i="0" u="none" strike="noStrike" kern="1200" cap="none" spc="0" normalizeH="0" baseline="0" noProof="0">
+              <a:ln>
+                <a:noFill/>
+              </a:ln>
+              <a:solidFill>
+                <a:prstClr val="white"/>
+              </a:solidFill>
+              <a:effectLst/>
+              <a:uLnTx/>
+              <a:uFillTx/>
+              <a:latin typeface="Calibri" panose="020F0502020204030204"/>
+              <a:ea typeface="+mn-ea"/>
+              <a:cs typeface="+mn-cs"/>
+            </a:endParaRPr>
+          </a:p>
+        </p:txBody>
+      </p:sp>
+      <p:sp>
+        <p:nvSpPr>
+          <p:cNvPr id="2" name="Title 1">
+            <a:extLst>
+              <a:ext uri="{FF2B5EF4-FFF2-40B4-BE49-F238E27FC236}">
+                <a16:creationId xmlns:a16="http://schemas.microsoft.com/office/drawing/2014/main" id="{3351F8E8-FA51-4855-908E-846E50BF4D8D}"/>
+              </a:ext>
+            </a:extLst>
+          </p:cNvPr>
+          <p:cNvSpPr>
+            <a:spLocks noGrp="1"/>
+          </p:cNvSpPr>
+          <p:nvPr>
+            <p:ph type="title"/>
+          </p:nvPr>
+        </p:nvSpPr>
+        <p:spPr>
+          <a:xfrm>
+            <a:off x="1028700" y="1967266"/>
+            <a:ext cx="2628900" cy="2547257"/>
+          </a:xfrm>
+          <a:noFill/>
+        </p:spPr>
+        <p:txBody>
+          <a:bodyPr vert="horz" lIns="91440" tIns="45720" rIns="91440" bIns="45720" rtlCol="0" anchor="ctr">
+            <a:normAutofit/>
+          </a:bodyPr>
+          <a:lstStyle/>
+          <a:p>
+            <a:pPr algn="ctr"/>
+            <a:r>
+              <a:rPr lang="en-US" sz="3600" dirty="0">
+                <a:solidFill>
+                  <a:srgbClr val="FFFFFF"/>
+                </a:solidFill>
+              </a:rPr>
+              <a:t>State Machine</a:t>
+            </a:r>
+            <a:r>
+              <a:rPr lang="en-US" sz="3600" kern="1200" dirty="0">
+                <a:solidFill>
+                  <a:srgbClr val="FFFFFF"/>
+                </a:solidFill>
+                <a:latin typeface="+mj-lt"/>
+                <a:ea typeface="+mj-ea"/>
+                <a:cs typeface="+mj-cs"/>
+              </a:rPr>
+              <a:t> Diagram</a:t>
+            </a:r>
+          </a:p>
+        </p:txBody>
+      </p:sp>
+      <p:sp>
+        <p:nvSpPr>
+          <p:cNvPr id="4" name="Content Placeholder 3">
+            <a:extLst>
+              <a:ext uri="{FF2B5EF4-FFF2-40B4-BE49-F238E27FC236}">
+                <a16:creationId xmlns:a16="http://schemas.microsoft.com/office/drawing/2014/main" id="{26BAFC59-BB2B-45FC-EB74-DA63DF1BEDA5}"/>
+              </a:ext>
+            </a:extLst>
+          </p:cNvPr>
+          <p:cNvSpPr>
+            <a:spLocks noGrp="1"/>
+          </p:cNvSpPr>
+          <p:nvPr>
+            <p:ph idx="1"/>
+          </p:nvPr>
+        </p:nvSpPr>
+        <p:spPr>
+          <a:xfrm>
+            <a:off x="5037220" y="1825625"/>
+            <a:ext cx="6316579" cy="4351338"/>
+          </a:xfrm>
+        </p:spPr>
+        <p:txBody>
+          <a:bodyPr/>
+          <a:lstStyle/>
+          <a:p>
+            <a:endParaRPr lang="en-DE" dirty="0"/>
+          </a:p>
+        </p:txBody>
+      </p:sp>
+    </p:spTree>
+    <p:extLst>
+      <p:ext uri="{BB962C8B-B14F-4D97-AF65-F5344CB8AC3E}">
+        <p14:creationId xmlns:p14="http://schemas.microsoft.com/office/powerpoint/2010/main" val="175119516"/>
+      </p:ext>
+    </p:extLst>
+  </p:cSld>
+  <p:clrMapOvr>
+    <a:masterClrMapping/>
+  </p:clrMapOvr>
+</p:sld>
+</file>
+
 <file path=ppt/theme/theme1.xml><?xml version="1.0" encoding="utf-8"?>
 <a:theme xmlns:a="http://schemas.openxmlformats.org/drawingml/2006/main" name="Office Theme">
   <a:themeElements>

--- a/AIM Autonomous Intersection Management.pptx
+++ b/AIM Autonomous Intersection Management.pptx
@@ -10,10 +10,11 @@
     <p:sldId id="258" r:id="rId4"/>
     <p:sldId id="259" r:id="rId5"/>
     <p:sldId id="260" r:id="rId6"/>
-    <p:sldId id="261" r:id="rId7"/>
-    <p:sldId id="262" r:id="rId8"/>
-    <p:sldId id="263" r:id="rId9"/>
-    <p:sldId id="265" r:id="rId10"/>
+    <p:sldId id="267" r:id="rId7"/>
+    <p:sldId id="261" r:id="rId8"/>
+    <p:sldId id="262" r:id="rId9"/>
+    <p:sldId id="263" r:id="rId10"/>
+    <p:sldId id="265" r:id="rId11"/>
   </p:sldIdLst>
   <p:sldSz cx="12192000" cy="6858000"/>
   <p:notesSz cx="6858000" cy="9144000"/>
@@ -2923,7 +2924,7 @@
 <dgm:dataModel xmlns:dgm="http://schemas.openxmlformats.org/drawingml/2006/diagram" xmlns:a="http://schemas.openxmlformats.org/drawingml/2006/main">
   <dgm:ptLst>
     <dgm:pt modelId="{3A7DD713-97CA-497F-8F07-1313F00F219B}" type="doc">
-      <dgm:prSet loTypeId="urn:microsoft.com/office/officeart/2005/8/layout/hierarchy1" loCatId="hierarchy" qsTypeId="urn:microsoft.com/office/officeart/2005/8/quickstyle/simple1" qsCatId="simple" csTypeId="urn:microsoft.com/office/officeart/2005/8/colors/accent2_2" csCatId="accent2"/>
+      <dgm:prSet loTypeId="urn:microsoft.com/office/officeart/2011/layout/RadialPictureList" loCatId="picture" qsTypeId="urn:microsoft.com/office/officeart/2005/8/quickstyle/3d3" qsCatId="3D" csTypeId="urn:microsoft.com/office/officeart/2005/8/colors/accent2_2" csCatId="accent2"/>
       <dgm:spPr/>
       <dgm:t>
         <a:bodyPr/>
@@ -2933,155 +2934,20 @@
         </a:p>
       </dgm:t>
     </dgm:pt>
-    <dgm:pt modelId="{57A0490C-BD86-48CF-8920-DA4DC5716DDF}">
-      <dgm:prSet/>
-      <dgm:spPr/>
-      <dgm:t>
-        <a:bodyPr/>
-        <a:lstStyle/>
-        <a:p>
-          <a:r>
-            <a:rPr lang="en-US"/>
-            <a:t>Use Case Diagram</a:t>
-          </a:r>
-        </a:p>
-      </dgm:t>
-    </dgm:pt>
-    <dgm:pt modelId="{61FD7F63-D4FB-4E61-8247-5AD9F3C38819}" type="parTrans" cxnId="{739DA035-4517-439B-BF4C-82183A8AEE0F}">
-      <dgm:prSet/>
-      <dgm:spPr/>
-      <dgm:t>
-        <a:bodyPr/>
-        <a:lstStyle/>
-        <a:p>
-          <a:endParaRPr lang="en-US"/>
-        </a:p>
-      </dgm:t>
-    </dgm:pt>
-    <dgm:pt modelId="{8EA56D93-9003-430C-AABA-821BABD920EB}" type="sibTrans" cxnId="{739DA035-4517-439B-BF4C-82183A8AEE0F}">
-      <dgm:prSet/>
-      <dgm:spPr/>
-      <dgm:t>
-        <a:bodyPr/>
-        <a:lstStyle/>
-        <a:p>
-          <a:endParaRPr lang="en-US"/>
-        </a:p>
-      </dgm:t>
-    </dgm:pt>
-    <dgm:pt modelId="{A9D8BB04-C65A-401E-868B-25E995D32073}">
-      <dgm:prSet/>
-      <dgm:spPr/>
-      <dgm:t>
-        <a:bodyPr/>
-        <a:lstStyle/>
-        <a:p>
-          <a:r>
-            <a:rPr lang="en-US"/>
-            <a:t>Activity Diagram</a:t>
-          </a:r>
-        </a:p>
-      </dgm:t>
-    </dgm:pt>
-    <dgm:pt modelId="{12A0FC65-DDFB-49D4-AE5F-AE0B9FB7691E}" type="parTrans" cxnId="{920F61E6-45BC-4A2E-A8CB-8EAFE334538E}">
-      <dgm:prSet/>
-      <dgm:spPr/>
-      <dgm:t>
-        <a:bodyPr/>
-        <a:lstStyle/>
-        <a:p>
-          <a:endParaRPr lang="en-US"/>
-        </a:p>
-      </dgm:t>
-    </dgm:pt>
-    <dgm:pt modelId="{9EF71DEE-F26A-45F4-BB96-2B588D0352E1}" type="sibTrans" cxnId="{920F61E6-45BC-4A2E-A8CB-8EAFE334538E}">
-      <dgm:prSet/>
-      <dgm:spPr/>
-      <dgm:t>
-        <a:bodyPr/>
-        <a:lstStyle/>
-        <a:p>
-          <a:endParaRPr lang="en-US"/>
-        </a:p>
-      </dgm:t>
-    </dgm:pt>
-    <dgm:pt modelId="{9F0DBFD5-9E09-4E3D-AB5B-3930999CBF95}" type="pres">
-      <dgm:prSet presAssocID="{3A7DD713-97CA-497F-8F07-1313F00F219B}" presName="hierChild1" presStyleCnt="0">
+    <dgm:pt modelId="{DF56F405-E861-4AAC-963E-0FA2003F4E26}" type="pres">
+      <dgm:prSet presAssocID="{3A7DD713-97CA-497F-8F07-1313F00F219B}" presName="Name0" presStyleCnt="0">
         <dgm:presLayoutVars>
+          <dgm:chMax val="1"/>
           <dgm:chPref val="1"/>
           <dgm:dir/>
-          <dgm:animOne val="branch"/>
-          <dgm:animLvl val="lvl"/>
           <dgm:resizeHandles/>
         </dgm:presLayoutVars>
       </dgm:prSet>
       <dgm:spPr/>
     </dgm:pt>
-    <dgm:pt modelId="{47FA59DA-C408-4998-AE2E-B8CA095924CD}" type="pres">
-      <dgm:prSet presAssocID="{57A0490C-BD86-48CF-8920-DA4DC5716DDF}" presName="hierRoot1" presStyleCnt="0"/>
-      <dgm:spPr/>
-    </dgm:pt>
-    <dgm:pt modelId="{77312A6C-871D-49C0-A2EA-E14D78CF4402}" type="pres">
-      <dgm:prSet presAssocID="{57A0490C-BD86-48CF-8920-DA4DC5716DDF}" presName="composite" presStyleCnt="0"/>
-      <dgm:spPr/>
-    </dgm:pt>
-    <dgm:pt modelId="{9EC95091-0B08-4099-B07A-66FC5D4C0B7B}" type="pres">
-      <dgm:prSet presAssocID="{57A0490C-BD86-48CF-8920-DA4DC5716DDF}" presName="background" presStyleLbl="node0" presStyleIdx="0" presStyleCnt="2"/>
-      <dgm:spPr/>
-    </dgm:pt>
-    <dgm:pt modelId="{B7E31C7B-1AEC-42FF-B266-0FC0F6527621}" type="pres">
-      <dgm:prSet presAssocID="{57A0490C-BD86-48CF-8920-DA4DC5716DDF}" presName="text" presStyleLbl="fgAcc0" presStyleIdx="0" presStyleCnt="2">
-        <dgm:presLayoutVars>
-          <dgm:chPref val="3"/>
-        </dgm:presLayoutVars>
-      </dgm:prSet>
-      <dgm:spPr/>
-    </dgm:pt>
-    <dgm:pt modelId="{DD0D157D-9BD4-4D69-8A24-1DA71F25B9D9}" type="pres">
-      <dgm:prSet presAssocID="{57A0490C-BD86-48CF-8920-DA4DC5716DDF}" presName="hierChild2" presStyleCnt="0"/>
-      <dgm:spPr/>
-    </dgm:pt>
-    <dgm:pt modelId="{9E4ACA10-A373-46C4-AE1C-8E47AB4E962D}" type="pres">
-      <dgm:prSet presAssocID="{A9D8BB04-C65A-401E-868B-25E995D32073}" presName="hierRoot1" presStyleCnt="0"/>
-      <dgm:spPr/>
-    </dgm:pt>
-    <dgm:pt modelId="{4C38D5B6-F8B7-4AEF-8AED-1334388E65CE}" type="pres">
-      <dgm:prSet presAssocID="{A9D8BB04-C65A-401E-868B-25E995D32073}" presName="composite" presStyleCnt="0"/>
-      <dgm:spPr/>
-    </dgm:pt>
-    <dgm:pt modelId="{55E00DDF-31C3-45F7-9088-526538BC61B6}" type="pres">
-      <dgm:prSet presAssocID="{A9D8BB04-C65A-401E-868B-25E995D32073}" presName="background" presStyleLbl="node0" presStyleIdx="1" presStyleCnt="2"/>
-      <dgm:spPr/>
-    </dgm:pt>
-    <dgm:pt modelId="{3783FA96-C191-4300-A45B-395DE5E48A7D}" type="pres">
-      <dgm:prSet presAssocID="{A9D8BB04-C65A-401E-868B-25E995D32073}" presName="text" presStyleLbl="fgAcc0" presStyleIdx="1" presStyleCnt="2">
-        <dgm:presLayoutVars>
-          <dgm:chPref val="3"/>
-        </dgm:presLayoutVars>
-      </dgm:prSet>
-      <dgm:spPr/>
-    </dgm:pt>
-    <dgm:pt modelId="{8D697C79-ABEA-41C7-9CAA-D99EBE3293B9}" type="pres">
-      <dgm:prSet presAssocID="{A9D8BB04-C65A-401E-868B-25E995D32073}" presName="hierChild2" presStyleCnt="0"/>
-      <dgm:spPr/>
-    </dgm:pt>
   </dgm:ptLst>
   <dgm:cxnLst>
-    <dgm:cxn modelId="{739DA035-4517-439B-BF4C-82183A8AEE0F}" srcId="{3A7DD713-97CA-497F-8F07-1313F00F219B}" destId="{57A0490C-BD86-48CF-8920-DA4DC5716DDF}" srcOrd="0" destOrd="0" parTransId="{61FD7F63-D4FB-4E61-8247-5AD9F3C38819}" sibTransId="{8EA56D93-9003-430C-AABA-821BABD920EB}"/>
-    <dgm:cxn modelId="{BC3B7363-A73C-49C6-8634-7DF8DD9B7E0C}" type="presOf" srcId="{A9D8BB04-C65A-401E-868B-25E995D32073}" destId="{3783FA96-C191-4300-A45B-395DE5E48A7D}" srcOrd="0" destOrd="0" presId="urn:microsoft.com/office/officeart/2005/8/layout/hierarchy1"/>
-    <dgm:cxn modelId="{3796B58C-4DF2-4D8D-AD7F-1462206B88C1}" type="presOf" srcId="{3A7DD713-97CA-497F-8F07-1313F00F219B}" destId="{9F0DBFD5-9E09-4E3D-AB5B-3930999CBF95}" srcOrd="0" destOrd="0" presId="urn:microsoft.com/office/officeart/2005/8/layout/hierarchy1"/>
-    <dgm:cxn modelId="{DEE865CE-9554-494C-A708-1DD9993F5C36}" type="presOf" srcId="{57A0490C-BD86-48CF-8920-DA4DC5716DDF}" destId="{B7E31C7B-1AEC-42FF-B266-0FC0F6527621}" srcOrd="0" destOrd="0" presId="urn:microsoft.com/office/officeart/2005/8/layout/hierarchy1"/>
-    <dgm:cxn modelId="{920F61E6-45BC-4A2E-A8CB-8EAFE334538E}" srcId="{3A7DD713-97CA-497F-8F07-1313F00F219B}" destId="{A9D8BB04-C65A-401E-868B-25E995D32073}" srcOrd="1" destOrd="0" parTransId="{12A0FC65-DDFB-49D4-AE5F-AE0B9FB7691E}" sibTransId="{9EF71DEE-F26A-45F4-BB96-2B588D0352E1}"/>
-    <dgm:cxn modelId="{33EADA42-5D66-4497-BE80-85CDD45180EF}" type="presParOf" srcId="{9F0DBFD5-9E09-4E3D-AB5B-3930999CBF95}" destId="{47FA59DA-C408-4998-AE2E-B8CA095924CD}" srcOrd="0" destOrd="0" presId="urn:microsoft.com/office/officeart/2005/8/layout/hierarchy1"/>
-    <dgm:cxn modelId="{5A6B2D57-80C0-4E30-AE03-D10CEDCBB93C}" type="presParOf" srcId="{47FA59DA-C408-4998-AE2E-B8CA095924CD}" destId="{77312A6C-871D-49C0-A2EA-E14D78CF4402}" srcOrd="0" destOrd="0" presId="urn:microsoft.com/office/officeart/2005/8/layout/hierarchy1"/>
-    <dgm:cxn modelId="{3F22C65E-EBA1-4619-9185-954A8358D366}" type="presParOf" srcId="{77312A6C-871D-49C0-A2EA-E14D78CF4402}" destId="{9EC95091-0B08-4099-B07A-66FC5D4C0B7B}" srcOrd="0" destOrd="0" presId="urn:microsoft.com/office/officeart/2005/8/layout/hierarchy1"/>
-    <dgm:cxn modelId="{5DD31F14-2B49-4622-A6B7-0D1CFE1B9912}" type="presParOf" srcId="{77312A6C-871D-49C0-A2EA-E14D78CF4402}" destId="{B7E31C7B-1AEC-42FF-B266-0FC0F6527621}" srcOrd="1" destOrd="0" presId="urn:microsoft.com/office/officeart/2005/8/layout/hierarchy1"/>
-    <dgm:cxn modelId="{D8CCAA82-FD07-4FAA-B9E2-F706C2EBFC98}" type="presParOf" srcId="{47FA59DA-C408-4998-AE2E-B8CA095924CD}" destId="{DD0D157D-9BD4-4D69-8A24-1DA71F25B9D9}" srcOrd="1" destOrd="0" presId="urn:microsoft.com/office/officeart/2005/8/layout/hierarchy1"/>
-    <dgm:cxn modelId="{CE0ED57F-50DF-49D1-AC9A-AF06BD9DC754}" type="presParOf" srcId="{9F0DBFD5-9E09-4E3D-AB5B-3930999CBF95}" destId="{9E4ACA10-A373-46C4-AE1C-8E47AB4E962D}" srcOrd="1" destOrd="0" presId="urn:microsoft.com/office/officeart/2005/8/layout/hierarchy1"/>
-    <dgm:cxn modelId="{02AFD304-9D7B-4074-AFC8-2CFD9FA4F792}" type="presParOf" srcId="{9E4ACA10-A373-46C4-AE1C-8E47AB4E962D}" destId="{4C38D5B6-F8B7-4AEF-8AED-1334388E65CE}" srcOrd="0" destOrd="0" presId="urn:microsoft.com/office/officeart/2005/8/layout/hierarchy1"/>
-    <dgm:cxn modelId="{7BE11730-E962-47C8-8012-809922E33936}" type="presParOf" srcId="{4C38D5B6-F8B7-4AEF-8AED-1334388E65CE}" destId="{55E00DDF-31C3-45F7-9088-526538BC61B6}" srcOrd="0" destOrd="0" presId="urn:microsoft.com/office/officeart/2005/8/layout/hierarchy1"/>
-    <dgm:cxn modelId="{BF7ECB8A-6E0A-461B-BC58-FF60D681DFB8}" type="presParOf" srcId="{4C38D5B6-F8B7-4AEF-8AED-1334388E65CE}" destId="{3783FA96-C191-4300-A45B-395DE5E48A7D}" srcOrd="1" destOrd="0" presId="urn:microsoft.com/office/officeart/2005/8/layout/hierarchy1"/>
-    <dgm:cxn modelId="{3057E048-15B6-4A7E-88CC-0FC24B889905}" type="presParOf" srcId="{9E4ACA10-A373-46C4-AE1C-8E47AB4E962D}" destId="{8D697C79-ABEA-41C7-9CAA-D99EBE3293B9}" srcOrd="1" destOrd="0" presId="urn:microsoft.com/office/officeart/2005/8/layout/hierarchy1"/>
+    <dgm:cxn modelId="{868F3C3A-0561-45D7-9D8E-3179CEBB2339}" type="presOf" srcId="{3A7DD713-97CA-497F-8F07-1313F00F219B}" destId="{DF56F405-E861-4AAC-963E-0FA2003F4E26}" srcOrd="0" destOrd="0" presId="urn:microsoft.com/office/officeart/2011/layout/RadialPictureList"/>
   </dgm:cxnLst>
   <dgm:bg/>
   <dgm:whole/>
@@ -3749,268 +3615,6 @@
       <dsp:cNvGrpSpPr/>
     </dsp:nvGrpSpPr>
     <dsp:grpSpPr/>
-    <dsp:sp modelId="{9EC95091-0B08-4099-B07A-66FC5D4C0B7B}">
-      <dsp:nvSpPr>
-        <dsp:cNvPr id="0" name=""/>
-        <dsp:cNvSpPr/>
-      </dsp:nvSpPr>
-      <dsp:spPr>
-        <a:xfrm>
-          <a:off x="1333" y="110983"/>
-          <a:ext cx="4682211" cy="2973204"/>
-        </a:xfrm>
-        <a:prstGeom prst="roundRect">
-          <a:avLst>
-            <a:gd name="adj" fmla="val 10000"/>
-          </a:avLst>
-        </a:prstGeom>
-        <a:solidFill>
-          <a:schemeClr val="accent2">
-            <a:hueOff val="0"/>
-            <a:satOff val="0"/>
-            <a:lumOff val="0"/>
-            <a:alphaOff val="0"/>
-          </a:schemeClr>
-        </a:solidFill>
-        <a:ln w="12700" cap="flat" cmpd="sng" algn="ctr">
-          <a:solidFill>
-            <a:schemeClr val="lt1">
-              <a:hueOff val="0"/>
-              <a:satOff val="0"/>
-              <a:lumOff val="0"/>
-              <a:alphaOff val="0"/>
-            </a:schemeClr>
-          </a:solidFill>
-          <a:prstDash val="solid"/>
-          <a:miter lim="800000"/>
-        </a:ln>
-        <a:effectLst/>
-      </dsp:spPr>
-      <dsp:style>
-        <a:lnRef idx="2">
-          <a:scrgbClr r="0" g="0" b="0"/>
-        </a:lnRef>
-        <a:fillRef idx="1">
-          <a:scrgbClr r="0" g="0" b="0"/>
-        </a:fillRef>
-        <a:effectRef idx="0">
-          <a:scrgbClr r="0" g="0" b="0"/>
-        </a:effectRef>
-        <a:fontRef idx="minor">
-          <a:schemeClr val="lt1"/>
-        </a:fontRef>
-      </dsp:style>
-    </dsp:sp>
-    <dsp:sp modelId="{B7E31C7B-1AEC-42FF-B266-0FC0F6527621}">
-      <dsp:nvSpPr>
-        <dsp:cNvPr id="0" name=""/>
-        <dsp:cNvSpPr/>
-      </dsp:nvSpPr>
-      <dsp:spPr>
-        <a:xfrm>
-          <a:off x="521579" y="605216"/>
-          <a:ext cx="4682211" cy="2973204"/>
-        </a:xfrm>
-        <a:prstGeom prst="roundRect">
-          <a:avLst>
-            <a:gd name="adj" fmla="val 10000"/>
-          </a:avLst>
-        </a:prstGeom>
-        <a:solidFill>
-          <a:schemeClr val="lt1">
-            <a:alpha val="90000"/>
-            <a:hueOff val="0"/>
-            <a:satOff val="0"/>
-            <a:lumOff val="0"/>
-            <a:alphaOff val="0"/>
-          </a:schemeClr>
-        </a:solidFill>
-        <a:ln w="12700" cap="flat" cmpd="sng" algn="ctr">
-          <a:solidFill>
-            <a:schemeClr val="accent2">
-              <a:hueOff val="0"/>
-              <a:satOff val="0"/>
-              <a:lumOff val="0"/>
-              <a:alphaOff val="0"/>
-            </a:schemeClr>
-          </a:solidFill>
-          <a:prstDash val="solid"/>
-          <a:miter lim="800000"/>
-        </a:ln>
-        <a:effectLst/>
-      </dsp:spPr>
-      <dsp:style>
-        <a:lnRef idx="2">
-          <a:scrgbClr r="0" g="0" b="0"/>
-        </a:lnRef>
-        <a:fillRef idx="1">
-          <a:scrgbClr r="0" g="0" b="0"/>
-        </a:fillRef>
-        <a:effectRef idx="0">
-          <a:scrgbClr r="0" g="0" b="0"/>
-        </a:effectRef>
-        <a:fontRef idx="minor"/>
-      </dsp:style>
-      <dsp:txBody>
-        <a:bodyPr spcFirstLastPara="0" vert="horz" wrap="square" lIns="247650" tIns="247650" rIns="247650" bIns="247650" numCol="1" spcCol="1270" anchor="ctr" anchorCtr="0">
-          <a:noAutofit/>
-        </a:bodyPr>
-        <a:lstStyle/>
-        <a:p>
-          <a:pPr marL="0" lvl="0" indent="0" algn="ctr" defTabSz="2889250">
-            <a:lnSpc>
-              <a:spcPct val="90000"/>
-            </a:lnSpc>
-            <a:spcBef>
-              <a:spcPct val="0"/>
-            </a:spcBef>
-            <a:spcAft>
-              <a:spcPct val="35000"/>
-            </a:spcAft>
-            <a:buNone/>
-          </a:pPr>
-          <a:r>
-            <a:rPr lang="en-US" sz="6500" kern="1200"/>
-            <a:t>Use Case Diagram</a:t>
-          </a:r>
-        </a:p>
-      </dsp:txBody>
-      <dsp:txXfrm>
-        <a:off x="608661" y="692298"/>
-        <a:ext cx="4508047" cy="2799040"/>
-      </dsp:txXfrm>
-    </dsp:sp>
-    <dsp:sp modelId="{55E00DDF-31C3-45F7-9088-526538BC61B6}">
-      <dsp:nvSpPr>
-        <dsp:cNvPr id="0" name=""/>
-        <dsp:cNvSpPr/>
-      </dsp:nvSpPr>
-      <dsp:spPr>
-        <a:xfrm>
-          <a:off x="5724037" y="110983"/>
-          <a:ext cx="4682211" cy="2973204"/>
-        </a:xfrm>
-        <a:prstGeom prst="roundRect">
-          <a:avLst>
-            <a:gd name="adj" fmla="val 10000"/>
-          </a:avLst>
-        </a:prstGeom>
-        <a:solidFill>
-          <a:schemeClr val="accent2">
-            <a:hueOff val="0"/>
-            <a:satOff val="0"/>
-            <a:lumOff val="0"/>
-            <a:alphaOff val="0"/>
-          </a:schemeClr>
-        </a:solidFill>
-        <a:ln w="12700" cap="flat" cmpd="sng" algn="ctr">
-          <a:solidFill>
-            <a:schemeClr val="lt1">
-              <a:hueOff val="0"/>
-              <a:satOff val="0"/>
-              <a:lumOff val="0"/>
-              <a:alphaOff val="0"/>
-            </a:schemeClr>
-          </a:solidFill>
-          <a:prstDash val="solid"/>
-          <a:miter lim="800000"/>
-        </a:ln>
-        <a:effectLst/>
-      </dsp:spPr>
-      <dsp:style>
-        <a:lnRef idx="2">
-          <a:scrgbClr r="0" g="0" b="0"/>
-        </a:lnRef>
-        <a:fillRef idx="1">
-          <a:scrgbClr r="0" g="0" b="0"/>
-        </a:fillRef>
-        <a:effectRef idx="0">
-          <a:scrgbClr r="0" g="0" b="0"/>
-        </a:effectRef>
-        <a:fontRef idx="minor">
-          <a:schemeClr val="lt1"/>
-        </a:fontRef>
-      </dsp:style>
-    </dsp:sp>
-    <dsp:sp modelId="{3783FA96-C191-4300-A45B-395DE5E48A7D}">
-      <dsp:nvSpPr>
-        <dsp:cNvPr id="0" name=""/>
-        <dsp:cNvSpPr/>
-      </dsp:nvSpPr>
-      <dsp:spPr>
-        <a:xfrm>
-          <a:off x="6244283" y="605216"/>
-          <a:ext cx="4682211" cy="2973204"/>
-        </a:xfrm>
-        <a:prstGeom prst="roundRect">
-          <a:avLst>
-            <a:gd name="adj" fmla="val 10000"/>
-          </a:avLst>
-        </a:prstGeom>
-        <a:solidFill>
-          <a:schemeClr val="lt1">
-            <a:alpha val="90000"/>
-            <a:hueOff val="0"/>
-            <a:satOff val="0"/>
-            <a:lumOff val="0"/>
-            <a:alphaOff val="0"/>
-          </a:schemeClr>
-        </a:solidFill>
-        <a:ln w="12700" cap="flat" cmpd="sng" algn="ctr">
-          <a:solidFill>
-            <a:schemeClr val="accent2">
-              <a:hueOff val="0"/>
-              <a:satOff val="0"/>
-              <a:lumOff val="0"/>
-              <a:alphaOff val="0"/>
-            </a:schemeClr>
-          </a:solidFill>
-          <a:prstDash val="solid"/>
-          <a:miter lim="800000"/>
-        </a:ln>
-        <a:effectLst/>
-      </dsp:spPr>
-      <dsp:style>
-        <a:lnRef idx="2">
-          <a:scrgbClr r="0" g="0" b="0"/>
-        </a:lnRef>
-        <a:fillRef idx="1">
-          <a:scrgbClr r="0" g="0" b="0"/>
-        </a:fillRef>
-        <a:effectRef idx="0">
-          <a:scrgbClr r="0" g="0" b="0"/>
-        </a:effectRef>
-        <a:fontRef idx="minor"/>
-      </dsp:style>
-      <dsp:txBody>
-        <a:bodyPr spcFirstLastPara="0" vert="horz" wrap="square" lIns="247650" tIns="247650" rIns="247650" bIns="247650" numCol="1" spcCol="1270" anchor="ctr" anchorCtr="0">
-          <a:noAutofit/>
-        </a:bodyPr>
-        <a:lstStyle/>
-        <a:p>
-          <a:pPr marL="0" lvl="0" indent="0" algn="ctr" defTabSz="2889250">
-            <a:lnSpc>
-              <a:spcPct val="90000"/>
-            </a:lnSpc>
-            <a:spcBef>
-              <a:spcPct val="0"/>
-            </a:spcBef>
-            <a:spcAft>
-              <a:spcPct val="35000"/>
-            </a:spcAft>
-            <a:buNone/>
-          </a:pPr>
-          <a:r>
-            <a:rPr lang="en-US" sz="6500" kern="1200"/>
-            <a:t>Activity Diagram</a:t>
-          </a:r>
-        </a:p>
-      </dsp:txBody>
-      <dsp:txXfrm>
-        <a:off x="6331365" y="692298"/>
-        <a:ext cx="4508047" cy="2799040"/>
-      </dsp:txXfrm>
-    </dsp:sp>
   </dsp:spTree>
 </dsp:drawing>
 </file>
@@ -4350,42 +3954,35 @@
 </file>
 
 <file path=ppt/diagrams/layout3.xml><?xml version="1.0" encoding="utf-8"?>
-<dgm:layoutDef xmlns:dgm="http://schemas.openxmlformats.org/drawingml/2006/diagram" xmlns:a="http://schemas.openxmlformats.org/drawingml/2006/main" uniqueId="urn:microsoft.com/office/officeart/2005/8/layout/hierarchy1">
-  <dgm:title val=""/>
-  <dgm:desc val=""/>
+<dgm:layoutDef xmlns:dgm="http://schemas.openxmlformats.org/drawingml/2006/diagram" xmlns:a="http://schemas.openxmlformats.org/drawingml/2006/main" uniqueId="urn:microsoft.com/office/officeart/2011/layout/RadialPictureList">
+  <dgm:title val="Radial Picture List"/>
+  <dgm:desc val="Use to show relationships to a central idea. The Level 1 shape contains text and all Level 2 shapes contain a picture with corresponding text. Limited to four Level 2 pictures.  Unused pictures do not appear, but remain available if you switch layouts. Works best with a small amount of Level 2 text."/>
   <dgm:catLst>
-    <dgm:cat type="hierarchy" pri="2000"/>
+    <dgm:cat type="picture" pri="2500"/>
+    <dgm:cat type="officeonline" pri="2500"/>
   </dgm:catLst>
   <dgm:sampData>
     <dgm:dataModel>
       <dgm:ptLst>
         <dgm:pt modelId="0" type="doc"/>
-        <dgm:pt modelId="1">
+        <dgm:pt modelId="10">
           <dgm:prSet phldr="1"/>
         </dgm:pt>
-        <dgm:pt modelId="2">
+        <dgm:pt modelId="11">
           <dgm:prSet phldr="1"/>
         </dgm:pt>
-        <dgm:pt modelId="21">
+        <dgm:pt modelId="12">
           <dgm:prSet phldr="1"/>
         </dgm:pt>
-        <dgm:pt modelId="22">
-          <dgm:prSet phldr="1"/>
-        </dgm:pt>
-        <dgm:pt modelId="3">
-          <dgm:prSet phldr="1"/>
-        </dgm:pt>
-        <dgm:pt modelId="31">
+        <dgm:pt modelId="13">
           <dgm:prSet phldr="1"/>
         </dgm:pt>
       </dgm:ptLst>
       <dgm:cxnLst>
-        <dgm:cxn modelId="4" srcId="0" destId="1" srcOrd="0" destOrd="0"/>
-        <dgm:cxn modelId="5" srcId="1" destId="2" srcOrd="0" destOrd="0"/>
-        <dgm:cxn modelId="6" srcId="1" destId="3" srcOrd="1" destOrd="0"/>
-        <dgm:cxn modelId="23" srcId="2" destId="21" srcOrd="0" destOrd="0"/>
-        <dgm:cxn modelId="24" srcId="2" destId="22" srcOrd="1" destOrd="0"/>
-        <dgm:cxn modelId="33" srcId="3" destId="31" srcOrd="0" destOrd="0"/>
+        <dgm:cxn modelId="1" srcId="0" destId="10" srcOrd="0" destOrd="0"/>
+        <dgm:cxn modelId="2" srcId="10" destId="11" srcOrd="0" destOrd="0"/>
+        <dgm:cxn modelId="3" srcId="10" destId="12" srcOrd="1" destOrd="0"/>
+        <dgm:cxn modelId="4" srcId="10" destId="13" srcOrd="2" destOrd="0"/>
       </dgm:cxnLst>
       <dgm:bg/>
       <dgm:whole/>
@@ -4395,14 +3992,20 @@
     <dgm:dataModel>
       <dgm:ptLst>
         <dgm:pt modelId="0" type="doc"/>
-        <dgm:pt modelId="1"/>
-        <dgm:pt modelId="11"/>
-        <dgm:pt modelId="12"/>
+        <dgm:pt modelId="10">
+          <dgm:prSet phldr="1"/>
+        </dgm:pt>
+        <dgm:pt modelId="11">
+          <dgm:prSet phldr="1"/>
+        </dgm:pt>
+        <dgm:pt modelId="12">
+          <dgm:prSet phldr="1"/>
+        </dgm:pt>
       </dgm:ptLst>
       <dgm:cxnLst>
-        <dgm:cxn modelId="2" srcId="0" destId="1" srcOrd="0" destOrd="0"/>
-        <dgm:cxn modelId="13" srcId="1" destId="11" srcOrd="0" destOrd="0"/>
-        <dgm:cxn modelId="14" srcId="1" destId="12" srcOrd="1" destOrd="0"/>
+        <dgm:cxn modelId="1" srcId="0" destId="10" srcOrd="0" destOrd="0"/>
+        <dgm:cxn modelId="2" srcId="10" destId="11" srcOrd="0" destOrd="0"/>
+        <dgm:cxn modelId="3" srcId="10" destId="12" srcOrd="1" destOrd="0"/>
       </dgm:cxnLst>
       <dgm:bg/>
       <dgm:whole/>
@@ -4412,501 +4015,725 @@
     <dgm:dataModel>
       <dgm:ptLst>
         <dgm:pt modelId="0" type="doc"/>
-        <dgm:pt modelId="1"/>
-        <dgm:pt modelId="2"/>
-        <dgm:pt modelId="21"/>
-        <dgm:pt modelId="211"/>
-        <dgm:pt modelId="3"/>
-        <dgm:pt modelId="31"/>
-        <dgm:pt modelId="311"/>
+        <dgm:pt modelId="10">
+          <dgm:prSet phldr="1"/>
+        </dgm:pt>
+        <dgm:pt modelId="11">
+          <dgm:prSet phldr="1"/>
+        </dgm:pt>
+        <dgm:pt modelId="12">
+          <dgm:prSet phldr="1"/>
+        </dgm:pt>
+        <dgm:pt modelId="13">
+          <dgm:prSet phldr="1"/>
+        </dgm:pt>
+        <dgm:pt modelId="14">
+          <dgm:prSet phldr="1"/>
+        </dgm:pt>
       </dgm:ptLst>
       <dgm:cxnLst>
-        <dgm:cxn modelId="4" srcId="0" destId="1" srcOrd="0" destOrd="0"/>
-        <dgm:cxn modelId="5" srcId="1" destId="2" srcOrd="0" destOrd="0"/>
-        <dgm:cxn modelId="6" srcId="1" destId="3" srcOrd="1" destOrd="0"/>
-        <dgm:cxn modelId="23" srcId="2" destId="21" srcOrd="0" destOrd="0"/>
-        <dgm:cxn modelId="24" srcId="21" destId="211" srcOrd="0" destOrd="0"/>
-        <dgm:cxn modelId="33" srcId="3" destId="31" srcOrd="0" destOrd="0"/>
-        <dgm:cxn modelId="34" srcId="31" destId="311" srcOrd="0" destOrd="0"/>
+        <dgm:cxn modelId="1" srcId="0" destId="10" srcOrd="0" destOrd="0"/>
+        <dgm:cxn modelId="2" srcId="10" destId="11" srcOrd="0" destOrd="0"/>
+        <dgm:cxn modelId="3" srcId="10" destId="12" srcOrd="1" destOrd="0"/>
+        <dgm:cxn modelId="4" srcId="10" destId="13" srcOrd="2" destOrd="0"/>
+        <dgm:cxn modelId="5" srcId="10" destId="14" srcOrd="3" destOrd="0"/>
       </dgm:cxnLst>
       <dgm:bg/>
       <dgm:whole/>
     </dgm:dataModel>
   </dgm:clrData>
-  <dgm:layoutNode name="hierChild1">
+  <dgm:layoutNode name="Name0">
     <dgm:varLst>
+      <dgm:chMax val="1"/>
       <dgm:chPref val="1"/>
       <dgm:dir/>
-      <dgm:animOne val="branch"/>
-      <dgm:animLvl val="lvl"/>
       <dgm:resizeHandles/>
     </dgm:varLst>
-    <dgm:choose name="Name0">
-      <dgm:if name="Name1" func="var" arg="dir" op="equ" val="norm">
-        <dgm:alg type="hierChild">
-          <dgm:param type="linDir" val="fromL"/>
-        </dgm:alg>
-      </dgm:if>
-      <dgm:else name="Name2">
-        <dgm:alg type="hierChild">
-          <dgm:param type="linDir" val="fromR"/>
-        </dgm:alg>
-      </dgm:else>
-    </dgm:choose>
     <dgm:shape xmlns:r="http://schemas.openxmlformats.org/officeDocument/2006/relationships" r:blip="">
       <dgm:adjLst/>
     </dgm:shape>
-    <dgm:presOf/>
-    <dgm:constrLst>
-      <dgm:constr type="primFontSz" for="des" ptType="node" op="equ" val="65"/>
-      <dgm:constr type="w" for="des" forName="composite" refType="w"/>
-      <dgm:constr type="h" for="des" forName="composite" refType="w" refFor="des" refForName="composite" fact="0.667"/>
-      <dgm:constr type="w" for="des" forName="composite2" refType="w" refFor="des" refForName="composite"/>
-      <dgm:constr type="h" for="des" forName="composite2" refType="h" refFor="des" refForName="composite"/>
-      <dgm:constr type="w" for="des" forName="composite3" refType="w" refFor="des" refForName="composite"/>
-      <dgm:constr type="h" for="des" forName="composite3" refType="h" refFor="des" refForName="composite"/>
-      <dgm:constr type="w" for="des" forName="composite4" refType="w" refFor="des" refForName="composite"/>
-      <dgm:constr type="h" for="des" forName="composite4" refType="h" refFor="des" refForName="composite"/>
-      <dgm:constr type="w" for="des" forName="composite5" refType="w" refFor="des" refForName="composite"/>
-      <dgm:constr type="h" for="des" forName="composite5" refType="h" refFor="des" refForName="composite"/>
-      <dgm:constr type="sibSp" refType="w" refFor="des" refForName="composite" fact="0.1"/>
-      <dgm:constr type="sibSp" for="des" forName="hierChild2" refType="sibSp"/>
-      <dgm:constr type="sibSp" for="des" forName="hierChild3" refType="sibSp"/>
-      <dgm:constr type="sibSp" for="des" forName="hierChild4" refType="sibSp"/>
-      <dgm:constr type="sibSp" for="des" forName="hierChild5" refType="sibSp"/>
-      <dgm:constr type="sibSp" for="des" forName="hierChild6" refType="sibSp"/>
-      <dgm:constr type="sp" for="des" forName="hierRoot1" refType="h" refFor="des" refForName="composite" fact="0.25"/>
-      <dgm:constr type="sp" for="des" forName="hierRoot2" refType="sp" refFor="des" refForName="hierRoot1"/>
-      <dgm:constr type="sp" for="des" forName="hierRoot3" refType="sp" refFor="des" refForName="hierRoot1"/>
-      <dgm:constr type="sp" for="des" forName="hierRoot4" refType="sp" refFor="des" refForName="hierRoot1"/>
-      <dgm:constr type="sp" for="des" forName="hierRoot5" refType="sp" refFor="des" refForName="hierRoot1"/>
-    </dgm:constrLst>
-    <dgm:ruleLst/>
-    <dgm:forEach name="Name3" axis="ch">
-      <dgm:forEach name="Name4" axis="self" ptType="node">
-        <dgm:layoutNode name="hierRoot1">
-          <dgm:alg type="hierRoot"/>
-          <dgm:shape xmlns:r="http://schemas.openxmlformats.org/officeDocument/2006/relationships" r:blip="">
+    <dgm:choose name="Name1">
+      <dgm:if name="Name2" func="var" arg="dir" op="equ" val="norm">
+        <dgm:choose name="Name3">
+          <dgm:if name="Name4" axis="ch ch" ptType="node node" st="1 1" cnt="1 0" func="cnt" op="equ" val="0">
+            <dgm:alg type="composite">
+              <dgm:param type="ar" val="1"/>
+            </dgm:alg>
+            <dgm:constrLst>
+              <dgm:constr type="primFontSz" for="des" forName="Parent" val="65"/>
+              <dgm:constr type="l" for="ch" forName="Parent" refType="w" fact="0"/>
+              <dgm:constr type="t" for="ch" forName="Parent" refType="h" fact="0"/>
+              <dgm:constr type="w" for="ch" forName="Parent" refType="w"/>
+              <dgm:constr type="h" for="ch" forName="Parent" refType="h"/>
+            </dgm:constrLst>
+          </dgm:if>
+          <dgm:if name="Name5" axis="ch ch" ptType="node node" st="1 1" cnt="1 0" func="cnt" op="equ" val="1">
+            <dgm:alg type="composite">
+              <dgm:param type="ar" val="1.4218"/>
+            </dgm:alg>
+            <dgm:constrLst>
+              <dgm:constr type="primFontSz" for="des" forName="Child1" val="65"/>
+              <dgm:constr type="primFontSz" for="des" forName="Parent" val="65"/>
+              <dgm:constr type="primFontSz" for="des" forName="Child1" refType="primFontSz" refFor="des" refForName="Parent" op="lte"/>
+              <dgm:constr type="l" for="ch" forName="Accent" refType="w" fact="0"/>
+              <dgm:constr type="t" for="ch" forName="Accent" refType="h" fact="0"/>
+              <dgm:constr type="w" for="ch" forName="Accent" refType="w" fact="0.6747"/>
+              <dgm:constr type="h" for="ch" forName="Accent" refType="h"/>
+              <dgm:constr type="l" for="ch" forName="Child1" refType="w" fact="0.76"/>
+              <dgm:constr type="t" for="ch" forName="Child1" refType="h" fact="0.3739"/>
+              <dgm:constr type="w" for="ch" forName="Child1" refType="w" fact="0.24"/>
+              <dgm:constr type="h" for="ch" forName="Child1" refType="h" fact="0.255"/>
+              <dgm:constr type="l" for="ch" forName="Parent" refType="w" fact="0.1726"/>
+              <dgm:constr type="t" for="ch" forName="Parent" refType="h" fact="0.2646"/>
+              <dgm:constr type="w" for="ch" forName="Parent" refType="w" fact="0.3347"/>
+              <dgm:constr type="h" for="ch" forName="Parent" refType="h" fact="0.4759"/>
+              <dgm:constr type="l" for="ch" forName="Image1" refType="w" fact="0.5661"/>
+              <dgm:constr type="t" for="ch" forName="Image1" refType="h" fact="0.3744"/>
+              <dgm:constr type="w" for="ch" forName="Image1" refType="w" fact="0.1793"/>
+              <dgm:constr type="h" for="ch" forName="Image1" refType="h" fact="0.255"/>
+            </dgm:constrLst>
+          </dgm:if>
+          <dgm:if name="Name6" axis="ch ch" ptType="node node" st="1 1" cnt="1 0" func="cnt" op="equ" val="2">
+            <dgm:alg type="composite">
+              <dgm:param type="ar" val="1.381"/>
+            </dgm:alg>
+            <dgm:constrLst>
+              <dgm:constr type="primFontSz" for="des" forName="Child1" val="65"/>
+              <dgm:constr type="primFontSz" for="des" forName="Parent" val="65"/>
+              <dgm:constr type="primFontSz" for="des" forName="Child1" refType="primFontSz" refFor="des" refForName="Parent" op="lte"/>
+              <dgm:constr type="primFontSz" for="des" forName="Child2" refType="primFontSz" refFor="des" refForName="Parent" op="lte"/>
+              <dgm:constr type="primFontSz" for="des" forName="Child2" refType="primFontSz" refFor="des" refForName="Child1" op="equ"/>
+              <dgm:constr type="l" for="ch" forName="Accent" refType="w" fact="0"/>
+              <dgm:constr type="t" for="ch" forName="Accent" refType="h" fact="0"/>
+              <dgm:constr type="w" for="ch" forName="Accent" refType="w" fact="0.6946"/>
+              <dgm:constr type="h" for="ch" forName="Accent" refType="h"/>
+              <dgm:constr type="l" for="ch" forName="Parent" refType="w" fact="0.1777"/>
+              <dgm:constr type="t" for="ch" forName="Parent" refType="h" fact="0.2646"/>
+              <dgm:constr type="w" for="ch" forName="Parent" refType="w" fact="0.3446"/>
+              <dgm:constr type="h" for="ch" forName="Parent" refType="h" fact="0.4759"/>
+              <dgm:constr type="l" for="ch" forName="Image1" refType="w" fact="0.5531"/>
+              <dgm:constr type="t" for="ch" forName="Image1" refType="h" fact="0.1585"/>
+              <dgm:constr type="w" for="ch" forName="Image1" refType="w" fact="0.1846"/>
+              <dgm:constr type="h" for="ch" forName="Image1" refType="h" fact="0.255"/>
+              <dgm:constr type="l" for="ch" forName="Image2" refType="w" fact="0.5531"/>
+              <dgm:constr type="t" for="ch" forName="Image2" refType="h" fact="0.5624"/>
+              <dgm:constr type="w" for="ch" forName="Image2" refType="w" fact="0.1846"/>
+              <dgm:constr type="h" for="ch" forName="Image2" refType="h" fact="0.255"/>
+              <dgm:constr type="l" for="ch" forName="Child1" refType="w" fact="0.7529"/>
+              <dgm:constr type="t" for="ch" forName="Child1" refType="h" fact="0.1618"/>
+              <dgm:constr type="w" for="ch" forName="Child1" refType="w" fact="0.2471"/>
+              <dgm:constr type="h" for="ch" forName="Child1" refType="h" fact="0.2468"/>
+              <dgm:constr type="l" for="ch" forName="Child2" refType="w" fact="0.7529"/>
+              <dgm:constr type="t" for="ch" forName="Child2" refType="h" fact="0.5657"/>
+              <dgm:constr type="w" for="ch" forName="Child2" refType="w" fact="0.2471"/>
+              <dgm:constr type="h" for="ch" forName="Child2" refType="h" fact="0.2468"/>
+            </dgm:constrLst>
+          </dgm:if>
+          <dgm:if name="Name7" axis="ch ch" ptType="node node" st="1 1" cnt="1 0" func="cnt" op="equ" val="3">
+            <dgm:alg type="composite">
+              <dgm:param type="ar" val="1.4218"/>
+            </dgm:alg>
+            <dgm:constrLst>
+              <dgm:constr type="primFontSz" for="des" forName="Child1" val="65"/>
+              <dgm:constr type="primFontSz" for="des" forName="Parent" val="65"/>
+              <dgm:constr type="primFontSz" for="des" forName="Child1" refType="primFontSz" refFor="des" refForName="Parent" op="lte"/>
+              <dgm:constr type="primFontSz" for="des" forName="Child2" refType="primFontSz" refFor="des" refForName="Parent" op="lte"/>
+              <dgm:constr type="primFontSz" for="des" forName="Child3" refType="primFontSz" refFor="des" refForName="Parent" op="lte"/>
+              <dgm:constr type="primFontSz" for="des" forName="Child2" refType="primFontSz" refFor="des" refForName="Child1" op="equ"/>
+              <dgm:constr type="primFontSz" for="des" forName="Child3" refType="primFontSz" refFor="des" refForName="Child1" op="equ"/>
+              <dgm:constr type="l" for="ch" forName="Accent" refType="w" fact="0"/>
+              <dgm:constr type="t" for="ch" forName="Accent" refType="h" fact="0"/>
+              <dgm:constr type="w" for="ch" forName="Accent" refType="w" fact="0.6747"/>
+              <dgm:constr type="h" for="ch" forName="Accent" refType="h"/>
+              <dgm:constr type="l" for="ch" forName="Parent" refType="w" fact="0.1726"/>
+              <dgm:constr type="t" for="ch" forName="Parent" refType="h" fact="0.2646"/>
+              <dgm:constr type="w" for="ch" forName="Parent" refType="w" fact="0.3347"/>
+              <dgm:constr type="h" for="ch" forName="Parent" refType="h" fact="0.4759"/>
+              <dgm:constr type="l" for="ch" forName="Image1" refType="w" fact="0.4968"/>
+              <dgm:constr type="t" for="ch" forName="Image1" refType="h" fact="0.0843"/>
+              <dgm:constr type="w" for="ch" forName="Image1" refType="w" fact="0.1793"/>
+              <dgm:constr type="h" for="ch" forName="Image1" refType="h" fact="0.255"/>
+              <dgm:constr type="l" for="ch" forName="Image2" refType="w" fact="0.5661"/>
+              <dgm:constr type="t" for="ch" forName="Image2" refType="h" fact="0.3744"/>
+              <dgm:constr type="w" for="ch" forName="Image2" refType="w" fact="0.1793"/>
+              <dgm:constr type="h" for="ch" forName="Image2" refType="h" fact="0.255"/>
+              <dgm:constr type="l" for="ch" forName="Image3" refType="w" fact="0.4968"/>
+              <dgm:constr type="t" for="ch" forName="Image3" refType="h" fact="0.6686"/>
+              <dgm:constr type="w" for="ch" forName="Image3" refType="w" fact="0.1793"/>
+              <dgm:constr type="h" for="ch" forName="Image3" refType="h" fact="0.255"/>
+              <dgm:constr type="l" for="ch" forName="Child1" refType="w" fact="0.6897"/>
+              <dgm:constr type="t" for="ch" forName="Child1" refType="h" fact="0.0884"/>
+              <dgm:constr type="w" for="ch" forName="Child1" refType="w" fact="0.24"/>
+              <dgm:constr type="h" for="ch" forName="Child1" refType="h" fact="0.2468"/>
+              <dgm:constr type="l" for="ch" forName="Child2" refType="w" fact="0.76"/>
+              <dgm:constr type="t" for="ch" forName="Child2" refType="h" fact="0.378"/>
+              <dgm:constr type="w" for="ch" forName="Child2" refType="w" fact="0.24"/>
+              <dgm:constr type="h" for="ch" forName="Child2" refType="h" fact="0.2468"/>
+              <dgm:constr type="l" for="ch" forName="Child3" refType="w" fact="0.6897"/>
+              <dgm:constr type="t" for="ch" forName="Child3" refType="h" fact="0.6738"/>
+              <dgm:constr type="w" for="ch" forName="Child3" refType="w" fact="0.24"/>
+              <dgm:constr type="h" for="ch" forName="Child3" refType="h" fact="0.2468"/>
+            </dgm:constrLst>
+          </dgm:if>
+          <dgm:else name="Name8">
+            <dgm:alg type="composite">
+              <dgm:param type="ar" val="1.2852"/>
+            </dgm:alg>
+            <dgm:constrLst>
+              <dgm:constr type="primFontSz" for="des" forName="Child1" val="65"/>
+              <dgm:constr type="primFontSz" for="des" forName="Parent" val="65"/>
+              <dgm:constr type="primFontSz" for="des" forName="Child1" refType="primFontSz" refFor="des" refForName="Parent" op="lte"/>
+              <dgm:constr type="primFontSz" for="des" forName="Child2" refType="primFontSz" refFor="des" refForName="Parent" op="lte"/>
+              <dgm:constr type="primFontSz" for="des" forName="Child3" refType="primFontSz" refFor="des" refForName="Parent" op="lte"/>
+              <dgm:constr type="primFontSz" for="des" forName="Child4" refType="primFontSz" refFor="des" refForName="Parent" op="lte"/>
+              <dgm:constr type="primFontSz" for="des" forName="Child2" refType="primFontSz" refFor="des" refForName="Child1" op="equ"/>
+              <dgm:constr type="primFontSz" for="des" forName="Child3" refType="primFontSz" refFor="des" refForName="Child1" op="equ"/>
+              <dgm:constr type="primFontSz" for="des" forName="Child4" refType="primFontSz" refFor="des" refForName="Child1" op="equ"/>
+              <dgm:constr type="l" for="ch" forName="Accent" refType="w" fact="0"/>
+              <dgm:constr type="t" for="ch" forName="Accent" refType="h" fact="0.0361"/>
+              <dgm:constr type="w" for="ch" forName="Accent" refType="w" fact="0.6865"/>
+              <dgm:constr type="h" for="ch" forName="Accent" refType="h" fact="0.9197"/>
+              <dgm:constr type="l" for="ch" forName="Parent" refType="w" fact="0.1756"/>
+              <dgm:constr type="t" for="ch" forName="Parent" refType="h" fact="0.2795"/>
+              <dgm:constr type="w" for="ch" forName="Parent" refType="w" fact="0.3406"/>
+              <dgm:constr type="h" for="ch" forName="Parent" refType="h" fact="0.4377"/>
+              <dgm:constr type="l" for="ch" forName="Image1" refType="w" fact="0.425"/>
+              <dgm:constr type="t" for="ch" forName="Image1" refType="h" fact="0"/>
+              <dgm:constr type="w" for="ch" forName="Image1" refType="w" fact="0.1825"/>
+              <dgm:constr type="h" for="ch" forName="Image1" refType="h" fact="0.2345"/>
+              <dgm:constr type="l" for="ch" forName="Image2" refType="w" fact="0.5598"/>
+              <dgm:constr type="t" for="ch" forName="Image2" refType="h" fact="0.2184"/>
+              <dgm:constr type="w" for="ch" forName="Image2" refType="w" fact="0.1825"/>
+              <dgm:constr type="h" for="ch" forName="Image2" refType="h" fact="0.2345"/>
+              <dgm:constr type="l" for="ch" forName="Image3" refType="w" fact="0.5591"/>
+              <dgm:constr type="t" for="ch" forName="Image3" refType="h" fact="0.5395"/>
+              <dgm:constr type="w" for="ch" forName="Image3" refType="w" fact="0.1825"/>
+              <dgm:constr type="h" for="ch" forName="Image3" refType="h" fact="0.2345"/>
+              <dgm:constr type="l" for="ch" forName="Image4" refType="w" fact="0.425"/>
+              <dgm:constr type="t" for="ch" forName="Image4" refType="h" fact="0.7655"/>
+              <dgm:constr type="w" for="ch" forName="Image4" refType="w" fact="0.1825"/>
+              <dgm:constr type="h" for="ch" forName="Image4" refType="h" fact="0.2345"/>
+              <dgm:constr type="l" for="ch" forName="Child1" refType="w" fact="0.6214"/>
+              <dgm:constr type="t" for="ch" forName="Child1" refType="h" fact="0.003"/>
+              <dgm:constr type="w" for="ch" forName="Child1" refType="w" fact="0.2443"/>
+              <dgm:constr type="h" for="ch" forName="Child1" refType="h" fact="0.227"/>
+              <dgm:constr type="l" for="ch" forName="Child2" refType="w" fact="0.7557"/>
+              <dgm:constr type="t" for="ch" forName="Child2" refType="h" fact="0.2225"/>
+              <dgm:constr type="w" for="ch" forName="Child2" refType="w" fact="0.2443"/>
+              <dgm:constr type="h" for="ch" forName="Child2" refType="h" fact="0.227"/>
+              <dgm:constr type="l" for="ch" forName="Child3" refType="w" fact="0.7557"/>
+              <dgm:constr type="t" for="ch" forName="Child3" refType="h" fact="0.5433"/>
+              <dgm:constr type="w" for="ch" forName="Child3" refType="w" fact="0.2443"/>
+              <dgm:constr type="h" for="ch" forName="Child3" refType="h" fact="0.227"/>
+              <dgm:constr type="l" for="ch" forName="Child4" refType="w" fact="0.6214"/>
+              <dgm:constr type="t" for="ch" forName="Child4" refType="h" fact="0.7703"/>
+              <dgm:constr type="w" for="ch" forName="Child4" refType="w" fact="0.2443"/>
+              <dgm:constr type="h" for="ch" forName="Child4" refType="h" fact="0.227"/>
+            </dgm:constrLst>
+          </dgm:else>
+        </dgm:choose>
+      </dgm:if>
+      <dgm:else name="Name9">
+        <dgm:choose name="Name10">
+          <dgm:if name="Name11" axis="ch ch" ptType="node node" st="1 1" cnt="1 0" func="cnt" op="equ" val="0">
+            <dgm:alg type="composite">
+              <dgm:param type="ar" val="1"/>
+            </dgm:alg>
+            <dgm:constrLst>
+              <dgm:constr type="primFontSz" for="des" forName="Parent" val="65"/>
+              <dgm:constr type="l" for="ch" forName="Parent" refType="w" fact="0"/>
+              <dgm:constr type="t" for="ch" forName="Parent" refType="h" fact="0"/>
+              <dgm:constr type="w" for="ch" forName="Parent" refType="w"/>
+              <dgm:constr type="h" for="ch" forName="Parent" refType="h"/>
+            </dgm:constrLst>
+          </dgm:if>
+          <dgm:if name="Name12" axis="ch ch" ptType="node node" st="1 1" cnt="1 0" func="cnt" op="equ" val="1">
+            <dgm:alg type="composite">
+              <dgm:param type="ar" val="1.4218"/>
+            </dgm:alg>
+            <dgm:constrLst>
+              <dgm:constr type="primFontSz" for="des" forName="Child1" val="65"/>
+              <dgm:constr type="primFontSz" for="des" forName="Parent" val="65"/>
+              <dgm:constr type="primFontSz" for="des" forName="Child1" refType="primFontSz" refFor="des" refForName="Parent" op="lte"/>
+              <dgm:constr type="r" for="ch" forName="Accent" refType="w"/>
+              <dgm:constr type="t" for="ch" forName="Accent" refType="h" fact="0"/>
+              <dgm:constr type="w" for="ch" forName="Accent" refType="w" fact="0.6747"/>
+              <dgm:constr type="h" for="ch" forName="Accent" refType="h"/>
+              <dgm:constr type="r" for="ch" forName="Child1" refType="w" fact="0.24"/>
+              <dgm:constr type="t" for="ch" forName="Child1" refType="h" fact="0.3739"/>
+              <dgm:constr type="w" for="ch" forName="Child1" refType="w" fact="0.24"/>
+              <dgm:constr type="h" for="ch" forName="Child1" refType="h" fact="0.255"/>
+              <dgm:constr type="r" for="ch" forName="Parent" refType="w" fact="0.8274"/>
+              <dgm:constr type="t" for="ch" forName="Parent" refType="h" fact="0.2646"/>
+              <dgm:constr type="w" for="ch" forName="Parent" refType="w" fact="0.3347"/>
+              <dgm:constr type="h" for="ch" forName="Parent" refType="h" fact="0.4759"/>
+              <dgm:constr type="r" for="ch" forName="Image1" refType="w" fact="0.4339"/>
+              <dgm:constr type="t" for="ch" forName="Image1" refType="h" fact="0.3744"/>
+              <dgm:constr type="w" for="ch" forName="Image1" refType="w" fact="0.1793"/>
+              <dgm:constr type="h" for="ch" forName="Image1" refType="h" fact="0.255"/>
+            </dgm:constrLst>
+          </dgm:if>
+          <dgm:if name="Name13" axis="ch ch" ptType="node node" st="1 1" cnt="1 0" func="cnt" op="equ" val="2">
+            <dgm:alg type="composite">
+              <dgm:param type="ar" val="1.381"/>
+            </dgm:alg>
+            <dgm:constrLst>
+              <dgm:constr type="primFontSz" for="des" forName="Child1" val="65"/>
+              <dgm:constr type="primFontSz" for="des" forName="Parent" val="65"/>
+              <dgm:constr type="primFontSz" for="des" forName="Child1" refType="primFontSz" refFor="des" refForName="Parent" op="lte"/>
+              <dgm:constr type="primFontSz" for="des" forName="Child2" refType="primFontSz" refFor="des" refForName="Parent" op="lte"/>
+              <dgm:constr type="primFontSz" for="des" forName="Child2" refType="primFontSz" refFor="des" refForName="Child1" op="equ"/>
+              <dgm:constr type="r" for="ch" forName="Accent" refType="w"/>
+              <dgm:constr type="t" for="ch" forName="Accent" refType="h" fact="0"/>
+              <dgm:constr type="w" for="ch" forName="Accent" refType="w" fact="0.6946"/>
+              <dgm:constr type="h" for="ch" forName="Accent" refType="h"/>
+              <dgm:constr type="r" for="ch" forName="Parent" refType="w" fact="0.8223"/>
+              <dgm:constr type="t" for="ch" forName="Parent" refType="h" fact="0.2646"/>
+              <dgm:constr type="w" for="ch" forName="Parent" refType="w" fact="0.3446"/>
+              <dgm:constr type="h" for="ch" forName="Parent" refType="h" fact="0.4759"/>
+              <dgm:constr type="r" for="ch" forName="Image1" refType="w" fact="0.4469"/>
+              <dgm:constr type="t" for="ch" forName="Image1" refType="h" fact="0.1585"/>
+              <dgm:constr type="w" for="ch" forName="Image1" refType="w" fact="0.1846"/>
+              <dgm:constr type="h" for="ch" forName="Image1" refType="h" fact="0.255"/>
+              <dgm:constr type="r" for="ch" forName="Image2" refType="w" fact="0.4469"/>
+              <dgm:constr type="t" for="ch" forName="Image2" refType="h" fact="0.5624"/>
+              <dgm:constr type="w" for="ch" forName="Image2" refType="w" fact="0.1846"/>
+              <dgm:constr type="h" for="ch" forName="Image2" refType="h" fact="0.255"/>
+              <dgm:constr type="r" for="ch" forName="Child1" refType="w" fact="0.2471"/>
+              <dgm:constr type="t" for="ch" forName="Child1" refType="h" fact="0.1618"/>
+              <dgm:constr type="w" for="ch" forName="Child1" refType="w" fact="0.2471"/>
+              <dgm:constr type="h" for="ch" forName="Child1" refType="h" fact="0.2468"/>
+              <dgm:constr type="r" for="ch" forName="Child2" refType="w" fact="0.2471"/>
+              <dgm:constr type="t" for="ch" forName="Child2" refType="h" fact="0.5657"/>
+              <dgm:constr type="w" for="ch" forName="Child2" refType="w" fact="0.2471"/>
+              <dgm:constr type="h" for="ch" forName="Child2" refType="h" fact="0.2468"/>
+            </dgm:constrLst>
+          </dgm:if>
+          <dgm:if name="Name14" axis="ch ch" ptType="node node" st="1 1" cnt="1 0" func="cnt" op="equ" val="3">
+            <dgm:alg type="composite">
+              <dgm:param type="ar" val="1.4218"/>
+            </dgm:alg>
+            <dgm:constrLst>
+              <dgm:constr type="primFontSz" for="des" forName="Child1" val="65"/>
+              <dgm:constr type="primFontSz" for="des" forName="Parent" val="65"/>
+              <dgm:constr type="primFontSz" for="des" forName="Child1" refType="primFontSz" refFor="des" refForName="Parent" op="lte"/>
+              <dgm:constr type="primFontSz" for="des" forName="Child2" refType="primFontSz" refFor="des" refForName="Parent" op="lte"/>
+              <dgm:constr type="primFontSz" for="des" forName="Child3" refType="primFontSz" refFor="des" refForName="Parent" op="lte"/>
+              <dgm:constr type="primFontSz" for="des" forName="Child2" refType="primFontSz" refFor="des" refForName="Child1" op="equ"/>
+              <dgm:constr type="primFontSz" for="des" forName="Child3" refType="primFontSz" refFor="des" refForName="Child1" op="equ"/>
+              <dgm:constr type="r" for="ch" forName="Accent" refType="w"/>
+              <dgm:constr type="t" for="ch" forName="Accent" refType="h" fact="0"/>
+              <dgm:constr type="w" for="ch" forName="Accent" refType="w" fact="0.6747"/>
+              <dgm:constr type="h" for="ch" forName="Accent" refType="h"/>
+              <dgm:constr type="r" for="ch" forName="Parent" refType="w" fact="0.8274"/>
+              <dgm:constr type="t" for="ch" forName="Parent" refType="h" fact="0.2646"/>
+              <dgm:constr type="w" for="ch" forName="Parent" refType="w" fact="0.3347"/>
+              <dgm:constr type="h" for="ch" forName="Parent" refType="h" fact="0.4759"/>
+              <dgm:constr type="r" for="ch" forName="Image1" refType="w" fact="0.5032"/>
+              <dgm:constr type="t" for="ch" forName="Image1" refType="h" fact="0.0843"/>
+              <dgm:constr type="w" for="ch" forName="Image1" refType="w" fact="0.1793"/>
+              <dgm:constr type="h" for="ch" forName="Image1" refType="h" fact="0.255"/>
+              <dgm:constr type="r" for="ch" forName="Image2" refType="w" fact="0.4339"/>
+              <dgm:constr type="t" for="ch" forName="Image2" refType="h" fact="0.3744"/>
+              <dgm:constr type="w" for="ch" forName="Image2" refType="w" fact="0.1793"/>
+              <dgm:constr type="h" for="ch" forName="Image2" refType="h" fact="0.255"/>
+              <dgm:constr type="r" for="ch" forName="Image3" refType="w" fact="0.5032"/>
+              <dgm:constr type="t" for="ch" forName="Image3" refType="h" fact="0.6686"/>
+              <dgm:constr type="w" for="ch" forName="Image3" refType="w" fact="0.1793"/>
+              <dgm:constr type="h" for="ch" forName="Image3" refType="h" fact="0.255"/>
+              <dgm:constr type="r" for="ch" forName="Child1" refType="w" fact="0.3103"/>
+              <dgm:constr type="t" for="ch" forName="Child1" refType="h" fact="0.0884"/>
+              <dgm:constr type="w" for="ch" forName="Child1" refType="w" fact="0.24"/>
+              <dgm:constr type="h" for="ch" forName="Child1" refType="h" fact="0.2468"/>
+              <dgm:constr type="r" for="ch" forName="Child2" refType="w" fact="0.24"/>
+              <dgm:constr type="t" for="ch" forName="Child2" refType="h" fact="0.378"/>
+              <dgm:constr type="w" for="ch" forName="Child2" refType="w" fact="0.24"/>
+              <dgm:constr type="h" for="ch" forName="Child2" refType="h" fact="0.2468"/>
+              <dgm:constr type="r" for="ch" forName="Child3" refType="w" fact="0.3103"/>
+              <dgm:constr type="t" for="ch" forName="Child3" refType="h" fact="0.6738"/>
+              <dgm:constr type="w" for="ch" forName="Child3" refType="w" fact="0.24"/>
+              <dgm:constr type="h" for="ch" forName="Child3" refType="h" fact="0.2468"/>
+            </dgm:constrLst>
+          </dgm:if>
+          <dgm:else name="Name15">
+            <dgm:alg type="composite">
+              <dgm:param type="ar" val="1.2852"/>
+            </dgm:alg>
+            <dgm:constrLst>
+              <dgm:constr type="primFontSz" for="des" forName="Child1" val="65"/>
+              <dgm:constr type="primFontSz" for="des" forName="Parent" val="65"/>
+              <dgm:constr type="primFontSz" for="des" forName="Child1" refType="primFontSz" refFor="des" refForName="Parent" op="lte"/>
+              <dgm:constr type="primFontSz" for="des" forName="Child2" refType="primFontSz" refFor="des" refForName="Parent" op="lte"/>
+              <dgm:constr type="primFontSz" for="des" forName="Child3" refType="primFontSz" refFor="des" refForName="Parent" op="lte"/>
+              <dgm:constr type="primFontSz" for="des" forName="Child4" refType="primFontSz" refFor="des" refForName="Parent" op="lte"/>
+              <dgm:constr type="primFontSz" for="des" forName="Child2" refType="primFontSz" refFor="des" refForName="Child1" op="equ"/>
+              <dgm:constr type="primFontSz" for="des" forName="Child3" refType="primFontSz" refFor="des" refForName="Child1" op="equ"/>
+              <dgm:constr type="primFontSz" for="des" forName="Child4" refType="primFontSz" refFor="des" refForName="Child1" op="equ"/>
+              <dgm:constr type="r" for="ch" forName="Accent" refType="w"/>
+              <dgm:constr type="t" for="ch" forName="Accent" refType="h" fact="0.0361"/>
+              <dgm:constr type="w" for="ch" forName="Accent" refType="w" fact="0.6865"/>
+              <dgm:constr type="h" for="ch" forName="Accent" refType="h" fact="0.9197"/>
+              <dgm:constr type="r" for="ch" forName="Parent" refType="w" fact="0.8244"/>
+              <dgm:constr type="t" for="ch" forName="Parent" refType="h" fact="0.2795"/>
+              <dgm:constr type="w" for="ch" forName="Parent" refType="w" fact="0.3406"/>
+              <dgm:constr type="h" for="ch" forName="Parent" refType="h" fact="0.4377"/>
+              <dgm:constr type="r" for="ch" forName="Image1" refType="w" fact="0.575"/>
+              <dgm:constr type="t" for="ch" forName="Image1" refType="h" fact="0"/>
+              <dgm:constr type="w" for="ch" forName="Image1" refType="w" fact="0.1825"/>
+              <dgm:constr type="h" for="ch" forName="Image1" refType="h" fact="0.2345"/>
+              <dgm:constr type="r" for="ch" forName="Image2" refType="w" fact="0.4402"/>
+              <dgm:constr type="t" for="ch" forName="Image2" refType="h" fact="0.2184"/>
+              <dgm:constr type="w" for="ch" forName="Image2" refType="w" fact="0.1825"/>
+              <dgm:constr type="h" for="ch" forName="Image2" refType="h" fact="0.2345"/>
+              <dgm:constr type="r" for="ch" forName="Image3" refType="w" fact="0.4409"/>
+              <dgm:constr type="t" for="ch" forName="Image3" refType="h" fact="0.5395"/>
+              <dgm:constr type="w" for="ch" forName="Image3" refType="w" fact="0.1825"/>
+              <dgm:constr type="h" for="ch" forName="Image3" refType="h" fact="0.2345"/>
+              <dgm:constr type="r" for="ch" forName="Image4" refType="w" fact="0.575"/>
+              <dgm:constr type="t" for="ch" forName="Image4" refType="h" fact="0.7655"/>
+              <dgm:constr type="w" for="ch" forName="Image4" refType="w" fact="0.1825"/>
+              <dgm:constr type="h" for="ch" forName="Image4" refType="h" fact="0.2345"/>
+              <dgm:constr type="r" for="ch" forName="Child1" refType="w" fact="0.3786"/>
+              <dgm:constr type="t" for="ch" forName="Child1" refType="h" fact="0.003"/>
+              <dgm:constr type="w" for="ch" forName="Child1" refType="w" fact="0.2443"/>
+              <dgm:constr type="h" for="ch" forName="Child1" refType="h" fact="0.227"/>
+              <dgm:constr type="r" for="ch" forName="Child2" refType="w" fact="0.2443"/>
+              <dgm:constr type="t" for="ch" forName="Child2" refType="h" fact="0.2225"/>
+              <dgm:constr type="w" for="ch" forName="Child2" refType="w" fact="0.2443"/>
+              <dgm:constr type="h" for="ch" forName="Child2" refType="h" fact="0.227"/>
+              <dgm:constr type="r" for="ch" forName="Child3" refType="w" fact="0.2443"/>
+              <dgm:constr type="t" for="ch" forName="Child3" refType="h" fact="0.5433"/>
+              <dgm:constr type="w" for="ch" forName="Child3" refType="w" fact="0.2443"/>
+              <dgm:constr type="h" for="ch" forName="Child3" refType="h" fact="0.227"/>
+              <dgm:constr type="r" for="ch" forName="Child4" refType="w" fact="0.3786"/>
+              <dgm:constr type="t" for="ch" forName="Child4" refType="h" fact="0.7703"/>
+              <dgm:constr type="w" for="ch" forName="Child4" refType="w" fact="0.2443"/>
+              <dgm:constr type="h" for="ch" forName="Child4" refType="h" fact="0.227"/>
+            </dgm:constrLst>
+          </dgm:else>
+        </dgm:choose>
+      </dgm:else>
+    </dgm:choose>
+    <dgm:forEach name="wrapper" axis="self" ptType="parTrans">
+      <dgm:forEach name="ImageRepeat" axis="self">
+        <dgm:layoutNode name="Image" styleLbl="fgImgPlace1">
+          <dgm:alg type="sp"/>
+          <dgm:shape xmlns:r="http://schemas.openxmlformats.org/officeDocument/2006/relationships" type="ellipse" r:blip="" blipPhldr="1">
             <dgm:adjLst/>
           </dgm:shape>
           <dgm:presOf/>
-          <dgm:constrLst>
-            <dgm:constr type="bendDist" for="des" ptType="parTrans" refType="sp" fact="0.5"/>
-          </dgm:constrLst>
-          <dgm:ruleLst/>
-          <dgm:layoutNode name="composite">
-            <dgm:alg type="composite"/>
-            <dgm:shape xmlns:r="http://schemas.openxmlformats.org/officeDocument/2006/relationships" r:blip="">
-              <dgm:adjLst/>
-            </dgm:shape>
-            <dgm:presOf/>
-            <dgm:constrLst>
-              <dgm:constr type="w" for="ch" forName="background" refType="w" fact="0.9"/>
-              <dgm:constr type="h" for="ch" forName="background" refType="w" refFor="ch" refForName="background" fact="0.635"/>
-              <dgm:constr type="t" for="ch" forName="background"/>
-              <dgm:constr type="l" for="ch" forName="background"/>
-              <dgm:constr type="w" for="ch" forName="text" refType="w" fact="0.9"/>
-              <dgm:constr type="h" for="ch" forName="text" refType="w" refFor="ch" refForName="text" fact="0.635"/>
-              <dgm:constr type="t" for="ch" forName="text" refType="w" fact="0.095"/>
-              <dgm:constr type="l" for="ch" forName="text" refType="w" fact="0.1"/>
-            </dgm:constrLst>
-            <dgm:ruleLst/>
-            <dgm:layoutNode name="background" styleLbl="node0" moveWith="text">
-              <dgm:alg type="sp"/>
-              <dgm:shape xmlns:r="http://schemas.openxmlformats.org/officeDocument/2006/relationships" type="roundRect" r:blip="">
-                <dgm:adjLst>
-                  <dgm:adj idx="1" val="0.1"/>
-                </dgm:adjLst>
-              </dgm:shape>
-              <dgm:presOf/>
-              <dgm:constrLst/>
-              <dgm:ruleLst/>
-            </dgm:layoutNode>
-            <dgm:layoutNode name="text" styleLbl="fgAcc0">
-              <dgm:varLst>
-                <dgm:chPref val="3"/>
-              </dgm:varLst>
-              <dgm:alg type="tx"/>
-              <dgm:shape xmlns:r="http://schemas.openxmlformats.org/officeDocument/2006/relationships" type="roundRect" r:blip="">
-                <dgm:adjLst>
-                  <dgm:adj idx="1" val="0.1"/>
-                </dgm:adjLst>
-              </dgm:shape>
-              <dgm:presOf axis="self"/>
-              <dgm:constrLst>
-                <dgm:constr type="tMarg" refType="primFontSz" fact="0.3"/>
-                <dgm:constr type="bMarg" refType="primFontSz" fact="0.3"/>
-                <dgm:constr type="lMarg" refType="primFontSz" fact="0.3"/>
-                <dgm:constr type="rMarg" refType="primFontSz" fact="0.3"/>
-              </dgm:constrLst>
-              <dgm:ruleLst>
-                <dgm:rule type="primFontSz" val="5" fact="NaN" max="NaN"/>
-              </dgm:ruleLst>
-            </dgm:layoutNode>
-          </dgm:layoutNode>
-          <dgm:layoutNode name="hierChild2">
-            <dgm:choose name="Name5">
-              <dgm:if name="Name6" func="var" arg="dir" op="equ" val="norm">
-                <dgm:alg type="hierChild">
-                  <dgm:param type="linDir" val="fromL"/>
-                </dgm:alg>
+        </dgm:layoutNode>
+      </dgm:forEach>
+    </dgm:forEach>
+    <dgm:forEach name="Name16" axis="ch" ptType="node" cnt="1">
+      <dgm:layoutNode name="Parent" styleLbl="node1">
+        <dgm:varLst>
+          <dgm:chMax val="4"/>
+          <dgm:chPref val="3"/>
+        </dgm:varLst>
+        <dgm:alg type="tx"/>
+        <dgm:shape xmlns:r="http://schemas.openxmlformats.org/officeDocument/2006/relationships" type="ellipse" r:blip="">
+          <dgm:adjLst/>
+        </dgm:shape>
+        <dgm:presOf axis="self" ptType="node"/>
+        <dgm:constrLst>
+          <dgm:constr type="lMarg" refType="primFontSz" fact="0.1"/>
+          <dgm:constr type="rMarg" refType="primFontSz" fact="0.1"/>
+          <dgm:constr type="tMarg" refType="primFontSz" fact="0.1"/>
+          <dgm:constr type="bMarg" refType="primFontSz" fact="0.1"/>
+        </dgm:constrLst>
+        <dgm:ruleLst>
+          <dgm:rule type="primFontSz" val="5" fact="NaN" max="NaN"/>
+        </dgm:ruleLst>
+      </dgm:layoutNode>
+    </dgm:forEach>
+    <dgm:forEach name="Name17" axis="ch ch" ptType="node node" st="1 1" cnt="1 1">
+      <dgm:layoutNode name="Accent" styleLbl="node1">
+        <dgm:alg type="sp"/>
+        <dgm:choose name="Name18">
+          <dgm:if name="Name19" func="var" arg="dir" op="equ" val="norm">
+            <dgm:choose name="Name20">
+              <dgm:if name="Name21" axis="followSib" ptType="node" func="cnt" op="equ" val="0">
+                <dgm:shape xmlns:r="http://schemas.openxmlformats.org/officeDocument/2006/relationships" type="blockArc" r:blip="">
+                  <dgm:adjLst>
+                    <dgm:adj idx="1" val="-49.0368"/>
+                    <dgm:adj idx="2" val="49.4265"/>
+                    <dgm:adj idx="3" val="0.0564"/>
+                  </dgm:adjLst>
+                </dgm:shape>
               </dgm:if>
-              <dgm:else name="Name7">
-                <dgm:alg type="hierChild">
-                  <dgm:param type="linDir" val="fromR"/>
-                </dgm:alg>
+              <dgm:if name="Name22" axis="followSib" ptType="node" func="cnt" op="equ" val="1">
+                <dgm:shape xmlns:r="http://schemas.openxmlformats.org/officeDocument/2006/relationships" type="blockArc" r:blip="">
+                  <dgm:adjLst>
+                    <dgm:adj idx="1" val="-64.2028"/>
+                    <dgm:adj idx="2" val="64.5456"/>
+                    <dgm:adj idx="3" val="0.0558"/>
+                  </dgm:adjLst>
+                </dgm:shape>
+              </dgm:if>
+              <dgm:if name="Name23" axis="followSib" ptType="node" func="cnt" op="equ" val="2">
+                <dgm:shape xmlns:r="http://schemas.openxmlformats.org/officeDocument/2006/relationships" type="blockArc" r:blip="">
+                  <dgm:adjLst>
+                    <dgm:adj idx="1" val="-67.8702"/>
+                    <dgm:adj idx="2" val="68.6519"/>
+                    <dgm:adj idx="3" val="0.0575"/>
+                  </dgm:adjLst>
+                </dgm:shape>
+              </dgm:if>
+              <dgm:else name="Name24">
+                <dgm:shape xmlns:r="http://schemas.openxmlformats.org/officeDocument/2006/relationships" type="blockArc" r:blip="">
+                  <dgm:adjLst>
+                    <dgm:adj idx="1" val="-84.8426"/>
+                    <dgm:adj idx="2" val="84.8009"/>
+                    <dgm:adj idx="3" val="0.0524"/>
+                  </dgm:adjLst>
+                </dgm:shape>
               </dgm:else>
             </dgm:choose>
-            <dgm:shape xmlns:r="http://schemas.openxmlformats.org/officeDocument/2006/relationships" r:blip="">
-              <dgm:adjLst/>
-            </dgm:shape>
-            <dgm:presOf/>
-            <dgm:constrLst/>
-            <dgm:ruleLst/>
-            <dgm:forEach name="Name8" axis="ch">
-              <dgm:forEach name="Name9" axis="self" ptType="parTrans" cnt="1">
-                <dgm:layoutNode name="Name10">
-                  <dgm:alg type="conn">
-                    <dgm:param type="dim" val="1D"/>
-                    <dgm:param type="endSty" val="noArr"/>
-                    <dgm:param type="connRout" val="bend"/>
-                    <dgm:param type="bendPt" val="end"/>
-                    <dgm:param type="begPts" val="bCtr"/>
-                    <dgm:param type="endPts" val="tCtr"/>
-                    <dgm:param type="srcNode" val="background"/>
-                    <dgm:param type="dstNode" val="background2"/>
-                  </dgm:alg>
-                  <dgm:shape xmlns:r="http://schemas.openxmlformats.org/officeDocument/2006/relationships" type="conn" r:blip="" zOrderOff="-999">
-                    <dgm:adjLst/>
-                  </dgm:shape>
-                  <dgm:presOf axis="self"/>
-                  <dgm:constrLst>
-                    <dgm:constr type="begPad"/>
-                    <dgm:constr type="endPad"/>
-                  </dgm:constrLst>
-                  <dgm:ruleLst/>
-                </dgm:layoutNode>
-              </dgm:forEach>
-              <dgm:forEach name="Name11" axis="self" ptType="node">
-                <dgm:layoutNode name="hierRoot2">
-                  <dgm:alg type="hierRoot"/>
-                  <dgm:shape xmlns:r="http://schemas.openxmlformats.org/officeDocument/2006/relationships" r:blip="">
-                    <dgm:adjLst/>
-                  </dgm:shape>
-                  <dgm:presOf/>
-                  <dgm:constrLst>
-                    <dgm:constr type="bendDist" for="des" ptType="parTrans" refType="sp" fact="0.5"/>
-                  </dgm:constrLst>
-                  <dgm:ruleLst/>
-                  <dgm:layoutNode name="composite2">
-                    <dgm:alg type="composite"/>
-                    <dgm:shape xmlns:r="http://schemas.openxmlformats.org/officeDocument/2006/relationships" r:blip="">
-                      <dgm:adjLst/>
-                    </dgm:shape>
-                    <dgm:presOf/>
-                    <dgm:constrLst>
-                      <dgm:constr type="w" for="ch" forName="background2" refType="w" fact="0.9"/>
-                      <dgm:constr type="h" for="ch" forName="background2" refType="w" refFor="ch" refForName="background2" fact="0.635"/>
-                      <dgm:constr type="t" for="ch" forName="background2"/>
-                      <dgm:constr type="l" for="ch" forName="background2"/>
-                      <dgm:constr type="w" for="ch" forName="text2" refType="w" fact="0.9"/>
-                      <dgm:constr type="h" for="ch" forName="text2" refType="w" refFor="ch" refForName="text2" fact="0.635"/>
-                      <dgm:constr type="t" for="ch" forName="text2" refType="w" fact="0.095"/>
-                      <dgm:constr type="l" for="ch" forName="text2" refType="w" fact="0.1"/>
-                    </dgm:constrLst>
-                    <dgm:ruleLst/>
-                    <dgm:layoutNode name="background2" moveWith="text2">
-                      <dgm:alg type="sp"/>
-                      <dgm:shape xmlns:r="http://schemas.openxmlformats.org/officeDocument/2006/relationships" type="roundRect" r:blip="">
-                        <dgm:adjLst>
-                          <dgm:adj idx="1" val="0.1"/>
-                        </dgm:adjLst>
-                      </dgm:shape>
-                      <dgm:presOf/>
-                      <dgm:constrLst/>
-                      <dgm:ruleLst/>
-                    </dgm:layoutNode>
-                    <dgm:layoutNode name="text2" styleLbl="fgAcc2">
-                      <dgm:varLst>
-                        <dgm:chPref val="3"/>
-                      </dgm:varLst>
-                      <dgm:alg type="tx"/>
-                      <dgm:shape xmlns:r="http://schemas.openxmlformats.org/officeDocument/2006/relationships" type="roundRect" r:blip="">
-                        <dgm:adjLst>
-                          <dgm:adj idx="1" val="0.1"/>
-                        </dgm:adjLst>
-                      </dgm:shape>
-                      <dgm:presOf axis="self"/>
-                      <dgm:constrLst>
-                        <dgm:constr type="tMarg" refType="primFontSz" fact="0.3"/>
-                        <dgm:constr type="bMarg" refType="primFontSz" fact="0.3"/>
-                        <dgm:constr type="lMarg" refType="primFontSz" fact="0.3"/>
-                        <dgm:constr type="rMarg" refType="primFontSz" fact="0.3"/>
-                      </dgm:constrLst>
-                      <dgm:ruleLst>
-                        <dgm:rule type="primFontSz" val="5" fact="NaN" max="NaN"/>
-                      </dgm:ruleLst>
-                    </dgm:layoutNode>
-                  </dgm:layoutNode>
-                  <dgm:layoutNode name="hierChild3">
-                    <dgm:choose name="Name12">
-                      <dgm:if name="Name13" func="var" arg="dir" op="equ" val="norm">
-                        <dgm:alg type="hierChild">
-                          <dgm:param type="linDir" val="fromL"/>
-                        </dgm:alg>
-                      </dgm:if>
-                      <dgm:else name="Name14">
-                        <dgm:alg type="hierChild">
-                          <dgm:param type="linDir" val="fromR"/>
-                        </dgm:alg>
-                      </dgm:else>
-                    </dgm:choose>
-                    <dgm:shape xmlns:r="http://schemas.openxmlformats.org/officeDocument/2006/relationships" r:blip="">
-                      <dgm:adjLst/>
-                    </dgm:shape>
-                    <dgm:presOf/>
-                    <dgm:constrLst/>
-                    <dgm:ruleLst/>
-                    <dgm:forEach name="Name15" axis="ch">
-                      <dgm:forEach name="Name16" axis="self" ptType="parTrans" cnt="1">
-                        <dgm:layoutNode name="Name17">
-                          <dgm:alg type="conn">
-                            <dgm:param type="dim" val="1D"/>
-                            <dgm:param type="endSty" val="noArr"/>
-                            <dgm:param type="connRout" val="bend"/>
-                            <dgm:param type="bendPt" val="end"/>
-                            <dgm:param type="begPts" val="bCtr"/>
-                            <dgm:param type="endPts" val="tCtr"/>
-                            <dgm:param type="srcNode" val="background2"/>
-                            <dgm:param type="dstNode" val="background3"/>
-                          </dgm:alg>
-                          <dgm:shape xmlns:r="http://schemas.openxmlformats.org/officeDocument/2006/relationships" type="conn" r:blip="" zOrderOff="-999">
-                            <dgm:adjLst/>
-                          </dgm:shape>
-                          <dgm:presOf axis="self"/>
-                          <dgm:constrLst>
-                            <dgm:constr type="begPad"/>
-                            <dgm:constr type="endPad"/>
-                          </dgm:constrLst>
-                          <dgm:ruleLst/>
-                        </dgm:layoutNode>
-                      </dgm:forEach>
-                      <dgm:forEach name="Name18" axis="self" ptType="node">
-                        <dgm:layoutNode name="hierRoot3">
-                          <dgm:alg type="hierRoot"/>
-                          <dgm:shape xmlns:r="http://schemas.openxmlformats.org/officeDocument/2006/relationships" r:blip="">
-                            <dgm:adjLst/>
-                          </dgm:shape>
-                          <dgm:presOf/>
-                          <dgm:constrLst>
-                            <dgm:constr type="bendDist" for="des" ptType="parTrans" refType="sp" fact="0.5"/>
-                          </dgm:constrLst>
-                          <dgm:ruleLst/>
-                          <dgm:layoutNode name="composite3">
-                            <dgm:alg type="composite"/>
-                            <dgm:shape xmlns:r="http://schemas.openxmlformats.org/officeDocument/2006/relationships" r:blip="">
-                              <dgm:adjLst/>
-                            </dgm:shape>
-                            <dgm:presOf/>
-                            <dgm:constrLst>
-                              <dgm:constr type="w" for="ch" forName="background3" refType="w" fact="0.9"/>
-                              <dgm:constr type="h" for="ch" forName="background3" refType="w" refFor="ch" refForName="background3" fact="0.635"/>
-                              <dgm:constr type="t" for="ch" forName="background3"/>
-                              <dgm:constr type="l" for="ch" forName="background3"/>
-                              <dgm:constr type="w" for="ch" forName="text3" refType="w" fact="0.9"/>
-                              <dgm:constr type="h" for="ch" forName="text3" refType="w" refFor="ch" refForName="text3" fact="0.635"/>
-                              <dgm:constr type="t" for="ch" forName="text3" refType="w" fact="0.095"/>
-                              <dgm:constr type="l" for="ch" forName="text3" refType="w" fact="0.1"/>
-                            </dgm:constrLst>
-                            <dgm:ruleLst/>
-                            <dgm:layoutNode name="background3" moveWith="text3">
-                              <dgm:alg type="sp"/>
-                              <dgm:shape xmlns:r="http://schemas.openxmlformats.org/officeDocument/2006/relationships" type="roundRect" r:blip="">
-                                <dgm:adjLst>
-                                  <dgm:adj idx="1" val="0.1"/>
-                                </dgm:adjLst>
-                              </dgm:shape>
-                              <dgm:presOf/>
-                              <dgm:constrLst/>
-                              <dgm:ruleLst/>
-                            </dgm:layoutNode>
-                            <dgm:layoutNode name="text3" styleLbl="fgAcc3">
-                              <dgm:varLst>
-                                <dgm:chPref val="3"/>
-                              </dgm:varLst>
-                              <dgm:alg type="tx"/>
-                              <dgm:shape xmlns:r="http://schemas.openxmlformats.org/officeDocument/2006/relationships" type="roundRect" r:blip="">
-                                <dgm:adjLst>
-                                  <dgm:adj idx="1" val="0.1"/>
-                                </dgm:adjLst>
-                              </dgm:shape>
-                              <dgm:presOf axis="self"/>
-                              <dgm:constrLst>
-                                <dgm:constr type="tMarg" refType="primFontSz" fact="0.3"/>
-                                <dgm:constr type="bMarg" refType="primFontSz" fact="0.3"/>
-                                <dgm:constr type="lMarg" refType="primFontSz" fact="0.3"/>
-                                <dgm:constr type="rMarg" refType="primFontSz" fact="0.3"/>
-                              </dgm:constrLst>
-                              <dgm:ruleLst>
-                                <dgm:rule type="primFontSz" val="5" fact="NaN" max="NaN"/>
-                              </dgm:ruleLst>
-                            </dgm:layoutNode>
-                          </dgm:layoutNode>
-                          <dgm:layoutNode name="hierChild4">
-                            <dgm:choose name="Name19">
-                              <dgm:if name="Name20" func="var" arg="dir" op="equ" val="norm">
-                                <dgm:alg type="hierChild">
-                                  <dgm:param type="linDir" val="fromL"/>
-                                </dgm:alg>
-                              </dgm:if>
-                              <dgm:else name="Name21">
-                                <dgm:alg type="hierChild">
-                                  <dgm:param type="linDir" val="fromR"/>
-                                </dgm:alg>
-                              </dgm:else>
-                            </dgm:choose>
-                            <dgm:shape xmlns:r="http://schemas.openxmlformats.org/officeDocument/2006/relationships" r:blip="">
-                              <dgm:adjLst/>
-                            </dgm:shape>
-                            <dgm:presOf/>
-                            <dgm:constrLst/>
-                            <dgm:ruleLst/>
-                            <dgm:forEach name="repeat" axis="ch">
-                              <dgm:forEach name="Name22" axis="self" ptType="parTrans" cnt="1">
-                                <dgm:layoutNode name="Name23">
-                                  <dgm:choose name="Name24">
-                                    <dgm:if name="Name25" axis="self" func="depth" op="lte" val="4">
-                                      <dgm:alg type="conn">
-                                        <dgm:param type="dim" val="1D"/>
-                                        <dgm:param type="endSty" val="noArr"/>
-                                        <dgm:param type="connRout" val="bend"/>
-                                        <dgm:param type="bendPt" val="end"/>
-                                        <dgm:param type="begPts" val="bCtr"/>
-                                        <dgm:param type="endPts" val="tCtr"/>
-                                        <dgm:param type="srcNode" val="background3"/>
-                                        <dgm:param type="dstNode" val="background4"/>
-                                      </dgm:alg>
-                                    </dgm:if>
-                                    <dgm:else name="Name26">
-                                      <dgm:alg type="conn">
-                                        <dgm:param type="dim" val="1D"/>
-                                        <dgm:param type="endSty" val="noArr"/>
-                                        <dgm:param type="connRout" val="bend"/>
-                                        <dgm:param type="bendPt" val="end"/>
-                                        <dgm:param type="begPts" val="bCtr"/>
-                                        <dgm:param type="endPts" val="tCtr"/>
-                                        <dgm:param type="srcNode" val="background4"/>
-                                        <dgm:param type="dstNode" val="background4"/>
-                                      </dgm:alg>
-                                    </dgm:else>
-                                  </dgm:choose>
-                                  <dgm:shape xmlns:r="http://schemas.openxmlformats.org/officeDocument/2006/relationships" type="conn" r:blip="" zOrderOff="-999">
-                                    <dgm:adjLst/>
-                                  </dgm:shape>
-                                  <dgm:presOf axis="self"/>
-                                  <dgm:constrLst>
-                                    <dgm:constr type="begPad"/>
-                                    <dgm:constr type="endPad"/>
-                                  </dgm:constrLst>
-                                  <dgm:ruleLst/>
-                                </dgm:layoutNode>
-                              </dgm:forEach>
-                              <dgm:forEach name="Name27" axis="self" ptType="node">
-                                <dgm:layoutNode name="hierRoot4">
-                                  <dgm:alg type="hierRoot"/>
-                                  <dgm:shape xmlns:r="http://schemas.openxmlformats.org/officeDocument/2006/relationships" r:blip="">
-                                    <dgm:adjLst/>
-                                  </dgm:shape>
-                                  <dgm:presOf/>
-                                  <dgm:constrLst>
-                                    <dgm:constr type="bendDist" for="des" ptType="parTrans" refType="sp" fact="0.5"/>
-                                  </dgm:constrLst>
-                                  <dgm:ruleLst/>
-                                  <dgm:layoutNode name="composite4">
-                                    <dgm:alg type="composite"/>
-                                    <dgm:shape xmlns:r="http://schemas.openxmlformats.org/officeDocument/2006/relationships" r:blip="">
-                                      <dgm:adjLst/>
-                                    </dgm:shape>
-                                    <dgm:presOf/>
-                                    <dgm:constrLst>
-                                      <dgm:constr type="w" for="ch" forName="background4" refType="w" fact="0.9"/>
-                                      <dgm:constr type="h" for="ch" forName="background4" refType="w" refFor="ch" refForName="background4" fact="0.635"/>
-                                      <dgm:constr type="t" for="ch" forName="background4"/>
-                                      <dgm:constr type="l" for="ch" forName="background4"/>
-                                      <dgm:constr type="w" for="ch" forName="text4" refType="w" fact="0.9"/>
-                                      <dgm:constr type="h" for="ch" forName="text4" refType="w" refFor="ch" refForName="text4" fact="0.635"/>
-                                      <dgm:constr type="t" for="ch" forName="text4" refType="w" fact="0.095"/>
-                                      <dgm:constr type="l" for="ch" forName="text4" refType="w" fact="0.1"/>
-                                    </dgm:constrLst>
-                                    <dgm:ruleLst/>
-                                    <dgm:layoutNode name="background4" moveWith="text4">
-                                      <dgm:alg type="sp"/>
-                                      <dgm:shape xmlns:r="http://schemas.openxmlformats.org/officeDocument/2006/relationships" type="roundRect" r:blip="">
-                                        <dgm:adjLst>
-                                          <dgm:adj idx="1" val="0.1"/>
-                                        </dgm:adjLst>
-                                      </dgm:shape>
-                                      <dgm:presOf/>
-                                      <dgm:constrLst/>
-                                      <dgm:ruleLst/>
-                                    </dgm:layoutNode>
-                                    <dgm:layoutNode name="text4" styleLbl="fgAcc4">
-                                      <dgm:varLst>
-                                        <dgm:chPref val="3"/>
-                                      </dgm:varLst>
-                                      <dgm:alg type="tx"/>
-                                      <dgm:shape xmlns:r="http://schemas.openxmlformats.org/officeDocument/2006/relationships" type="roundRect" r:blip="">
-                                        <dgm:adjLst>
-                                          <dgm:adj idx="1" val="0.1"/>
-                                        </dgm:adjLst>
-                                      </dgm:shape>
-                                      <dgm:presOf axis="self"/>
-                                      <dgm:constrLst>
-                                        <dgm:constr type="tMarg" refType="primFontSz" fact="0.3"/>
-                                        <dgm:constr type="bMarg" refType="primFontSz" fact="0.3"/>
-                                        <dgm:constr type="lMarg" refType="primFontSz" fact="0.3"/>
-                                        <dgm:constr type="rMarg" refType="primFontSz" fact="0.3"/>
-                                      </dgm:constrLst>
-                                      <dgm:ruleLst>
-                                        <dgm:rule type="primFontSz" val="5" fact="NaN" max="NaN"/>
-                                      </dgm:ruleLst>
-                                    </dgm:layoutNode>
-                                  </dgm:layoutNode>
-                                  <dgm:layoutNode name="hierChild5">
-                                    <dgm:choose name="Name28">
-                                      <dgm:if name="Name29" func="var" arg="dir" op="equ" val="norm">
-                                        <dgm:alg type="hierChild">
-                                          <dgm:param type="linDir" val="fromL"/>
-                                        </dgm:alg>
-                                      </dgm:if>
-                                      <dgm:else name="Name30">
-                                        <dgm:alg type="hierChild">
-                                          <dgm:param type="linDir" val="fromR"/>
-                                        </dgm:alg>
-                                      </dgm:else>
-                                    </dgm:choose>
-                                    <dgm:shape xmlns:r="http://schemas.openxmlformats.org/officeDocument/2006/relationships" r:blip="">
-                                      <dgm:adjLst/>
-                                    </dgm:shape>
-                                    <dgm:presOf/>
-                                    <dgm:constrLst/>
-                                    <dgm:ruleLst/>
-                                    <dgm:forEach name="Name31" ref="repeat"/>
-                                  </dgm:layoutNode>
-                                </dgm:layoutNode>
-                              </dgm:forEach>
-                            </dgm:forEach>
-                          </dgm:layoutNode>
-                        </dgm:layoutNode>
-                      </dgm:forEach>
-                    </dgm:forEach>
-                  </dgm:layoutNode>
-                </dgm:layoutNode>
-              </dgm:forEach>
-            </dgm:forEach>
-          </dgm:layoutNode>
-        </dgm:layoutNode>
-      </dgm:forEach>
+          </dgm:if>
+          <dgm:else name="Name25">
+            <dgm:choose name="Name26">
+              <dgm:if name="Name27" axis="followSib" ptType="node" func="cnt" op="equ" val="0">
+                <dgm:shape xmlns:r="http://schemas.openxmlformats.org/officeDocument/2006/relationships" rot="180" type="blockArc" r:blip="">
+                  <dgm:adjLst>
+                    <dgm:adj idx="1" val="-49.0368"/>
+                    <dgm:adj idx="2" val="49.4265"/>
+                    <dgm:adj idx="3" val="0.0564"/>
+                  </dgm:adjLst>
+                </dgm:shape>
+              </dgm:if>
+              <dgm:if name="Name28" axis="followSib" ptType="node" func="cnt" op="equ" val="1">
+                <dgm:shape xmlns:r="http://schemas.openxmlformats.org/officeDocument/2006/relationships" rot="180" type="blockArc" r:blip="">
+                  <dgm:adjLst>
+                    <dgm:adj idx="1" val="-64.2028"/>
+                    <dgm:adj idx="2" val="64.5456"/>
+                    <dgm:adj idx="3" val="0.0558"/>
+                  </dgm:adjLst>
+                </dgm:shape>
+              </dgm:if>
+              <dgm:if name="Name29" axis="followSib" ptType="node" func="cnt" op="equ" val="2">
+                <dgm:shape xmlns:r="http://schemas.openxmlformats.org/officeDocument/2006/relationships" rot="180" type="blockArc" r:blip="">
+                  <dgm:adjLst>
+                    <dgm:adj idx="1" val="-67.8702"/>
+                    <dgm:adj idx="2" val="68.6519"/>
+                    <dgm:adj idx="3" val="0.0575"/>
+                  </dgm:adjLst>
+                </dgm:shape>
+              </dgm:if>
+              <dgm:else name="Name30">
+                <dgm:shape xmlns:r="http://schemas.openxmlformats.org/officeDocument/2006/relationships" rot="180" type="blockArc" r:blip="">
+                  <dgm:adjLst>
+                    <dgm:adj idx="1" val="-84.8426"/>
+                    <dgm:adj idx="2" val="84.8009"/>
+                    <dgm:adj idx="3" val="0.0524"/>
+                  </dgm:adjLst>
+                </dgm:shape>
+              </dgm:else>
+            </dgm:choose>
+          </dgm:else>
+        </dgm:choose>
+        <dgm:presOf/>
+      </dgm:layoutNode>
+      <dgm:layoutNode name="Image1" styleLbl="fgImgPlace1">
+        <dgm:alg type="sp"/>
+        <dgm:shape xmlns:r="http://schemas.openxmlformats.org/officeDocument/2006/relationships" type="ellipse" r:blip="" blipPhldr="1">
+          <dgm:adjLst/>
+        </dgm:shape>
+        <dgm:presOf/>
+      </dgm:layoutNode>
+      <dgm:layoutNode name="Child1" styleLbl="revTx">
+        <dgm:varLst>
+          <dgm:chMax val="0"/>
+          <dgm:chPref val="0"/>
+          <dgm:bulletEnabled val="1"/>
+        </dgm:varLst>
+        <dgm:choose name="Name31">
+          <dgm:if name="Name32" func="var" arg="dir" op="equ" val="norm">
+            <dgm:alg type="tx">
+              <dgm:param type="parTxLTRAlign" val="l"/>
+              <dgm:param type="shpTxLTRAlignCh" val="l"/>
+              <dgm:param type="parTxRTLAlign" val="l"/>
+              <dgm:param type="shpTxRTLAlignCh" val="l"/>
+              <dgm:param type="lnSpAfParP" val="10"/>
+            </dgm:alg>
+          </dgm:if>
+          <dgm:else name="Name33">
+            <dgm:alg type="tx">
+              <dgm:param type="parTxLTRAlign" val="r"/>
+              <dgm:param type="shpTxLTRAlignCh" val="r"/>
+              <dgm:param type="parTxRTLAlign" val="r"/>
+              <dgm:param type="shpTxRTLAlignCh" val="r"/>
+              <dgm:param type="lnSpAfParP" val="10"/>
+            </dgm:alg>
+          </dgm:else>
+        </dgm:choose>
+        <dgm:shape xmlns:r="http://schemas.openxmlformats.org/officeDocument/2006/relationships" type="rect" r:blip="">
+          <dgm:adjLst/>
+        </dgm:shape>
+        <dgm:presOf axis="desOrSelf" ptType="node"/>
+        <dgm:constrLst>
+          <dgm:constr type="lMarg" refType="primFontSz" fact="0.1"/>
+          <dgm:constr type="rMarg" refType="primFontSz" fact="0.1"/>
+          <dgm:constr type="tMarg" refType="primFontSz" fact="0.1"/>
+          <dgm:constr type="bMarg" refType="primFontSz" fact="0.1"/>
+        </dgm:constrLst>
+        <dgm:ruleLst>
+          <dgm:rule type="primFontSz" val="5" fact="NaN" max="NaN"/>
+        </dgm:ruleLst>
+      </dgm:layoutNode>
+    </dgm:forEach>
+    <dgm:forEach name="Name34" axis="ch ch" ptType="node node" st="1 2" cnt="1 1">
+      <dgm:layoutNode name="Image2">
+        <dgm:alg type="sp"/>
+        <dgm:shape xmlns:r="http://schemas.openxmlformats.org/officeDocument/2006/relationships" r:blip="">
+          <dgm:adjLst/>
+        </dgm:shape>
+        <dgm:presOf/>
+        <dgm:constrLst/>
+        <dgm:forEach name="Name35" ref="ImageRepeat"/>
+      </dgm:layoutNode>
+      <dgm:layoutNode name="Child2" styleLbl="revTx">
+        <dgm:varLst>
+          <dgm:chMax val="0"/>
+          <dgm:chPref val="0"/>
+          <dgm:bulletEnabled val="1"/>
+        </dgm:varLst>
+        <dgm:choose name="Name36">
+          <dgm:if name="Name37" func="var" arg="dir" op="equ" val="norm">
+            <dgm:alg type="tx">
+              <dgm:param type="parTxLTRAlign" val="l"/>
+              <dgm:param type="shpTxLTRAlignCh" val="l"/>
+              <dgm:param type="parTxRTLAlign" val="l"/>
+              <dgm:param type="shpTxRTLAlignCh" val="l"/>
+              <dgm:param type="lnSpAfParP" val="10"/>
+            </dgm:alg>
+          </dgm:if>
+          <dgm:else name="Name38">
+            <dgm:alg type="tx">
+              <dgm:param type="parTxLTRAlign" val="r"/>
+              <dgm:param type="shpTxLTRAlignCh" val="r"/>
+              <dgm:param type="parTxRTLAlign" val="r"/>
+              <dgm:param type="shpTxRTLAlignCh" val="r"/>
+              <dgm:param type="lnSpAfParP" val="10"/>
+            </dgm:alg>
+          </dgm:else>
+        </dgm:choose>
+        <dgm:shape xmlns:r="http://schemas.openxmlformats.org/officeDocument/2006/relationships" type="rect" r:blip="">
+          <dgm:adjLst/>
+        </dgm:shape>
+        <dgm:presOf axis="desOrSelf" ptType="node"/>
+        <dgm:constrLst>
+          <dgm:constr type="lMarg" refType="primFontSz" fact="0.1"/>
+          <dgm:constr type="rMarg" refType="primFontSz" fact="0.1"/>
+          <dgm:constr type="tMarg" refType="primFontSz" fact="0.1"/>
+          <dgm:constr type="bMarg" refType="primFontSz" fact="0.1"/>
+        </dgm:constrLst>
+        <dgm:ruleLst>
+          <dgm:rule type="primFontSz" val="5" fact="NaN" max="NaN"/>
+        </dgm:ruleLst>
+      </dgm:layoutNode>
+    </dgm:forEach>
+    <dgm:forEach name="Name39" axis="ch ch" ptType="node node" st="1 3" cnt="1 1">
+      <dgm:layoutNode name="Image3">
+        <dgm:alg type="sp"/>
+        <dgm:shape xmlns:r="http://schemas.openxmlformats.org/officeDocument/2006/relationships" r:blip="">
+          <dgm:adjLst/>
+        </dgm:shape>
+        <dgm:presOf/>
+        <dgm:constrLst/>
+        <dgm:forEach name="Name40" ref="ImageRepeat"/>
+      </dgm:layoutNode>
+      <dgm:layoutNode name="Child3" styleLbl="revTx">
+        <dgm:varLst>
+          <dgm:chMax val="0"/>
+          <dgm:chPref val="0"/>
+          <dgm:bulletEnabled val="1"/>
+        </dgm:varLst>
+        <dgm:choose name="Name41">
+          <dgm:if name="Name42" func="var" arg="dir" op="equ" val="norm">
+            <dgm:alg type="tx">
+              <dgm:param type="parTxLTRAlign" val="l"/>
+              <dgm:param type="shpTxLTRAlignCh" val="l"/>
+              <dgm:param type="parTxRTLAlign" val="l"/>
+              <dgm:param type="shpTxRTLAlignCh" val="l"/>
+              <dgm:param type="lnSpAfParP" val="10"/>
+            </dgm:alg>
+          </dgm:if>
+          <dgm:else name="Name43">
+            <dgm:alg type="tx">
+              <dgm:param type="parTxLTRAlign" val="r"/>
+              <dgm:param type="shpTxLTRAlignCh" val="r"/>
+              <dgm:param type="parTxRTLAlign" val="r"/>
+              <dgm:param type="shpTxRTLAlignCh" val="r"/>
+              <dgm:param type="lnSpAfParP" val="10"/>
+            </dgm:alg>
+          </dgm:else>
+        </dgm:choose>
+        <dgm:shape xmlns:r="http://schemas.openxmlformats.org/officeDocument/2006/relationships" type="rect" r:blip="">
+          <dgm:adjLst/>
+        </dgm:shape>
+        <dgm:presOf axis="desOrSelf" ptType="node"/>
+        <dgm:constrLst>
+          <dgm:constr type="lMarg" refType="primFontSz" fact="0.1"/>
+          <dgm:constr type="rMarg" refType="primFontSz" fact="0.1"/>
+          <dgm:constr type="tMarg" refType="primFontSz" fact="0.1"/>
+          <dgm:constr type="bMarg" refType="primFontSz" fact="0.1"/>
+        </dgm:constrLst>
+        <dgm:ruleLst>
+          <dgm:rule type="primFontSz" val="5" fact="NaN" max="NaN"/>
+        </dgm:ruleLst>
+      </dgm:layoutNode>
+    </dgm:forEach>
+    <dgm:forEach name="Name44" axis="ch ch" ptType="node node" st="1 4" cnt="1 1">
+      <dgm:layoutNode name="Image4">
+        <dgm:alg type="sp"/>
+        <dgm:shape xmlns:r="http://schemas.openxmlformats.org/officeDocument/2006/relationships" r:blip="">
+          <dgm:adjLst/>
+        </dgm:shape>
+        <dgm:presOf/>
+        <dgm:constrLst/>
+        <dgm:forEach name="Name45" ref="ImageRepeat"/>
+      </dgm:layoutNode>
+      <dgm:layoutNode name="Child4" styleLbl="revTx">
+        <dgm:varLst>
+          <dgm:chMax val="0"/>
+          <dgm:chPref val="0"/>
+          <dgm:bulletEnabled val="1"/>
+        </dgm:varLst>
+        <dgm:choose name="Name46">
+          <dgm:if name="Name47" func="var" arg="dir" op="equ" val="norm">
+            <dgm:alg type="tx">
+              <dgm:param type="parTxLTRAlign" val="l"/>
+              <dgm:param type="shpTxLTRAlignCh" val="l"/>
+              <dgm:param type="parTxRTLAlign" val="l"/>
+              <dgm:param type="shpTxRTLAlignCh" val="l"/>
+              <dgm:param type="lnSpAfParP" val="10"/>
+            </dgm:alg>
+          </dgm:if>
+          <dgm:else name="Name48">
+            <dgm:alg type="tx">
+              <dgm:param type="parTxLTRAlign" val="r"/>
+              <dgm:param type="shpTxLTRAlignCh" val="r"/>
+              <dgm:param type="parTxRTLAlign" val="r"/>
+              <dgm:param type="shpTxRTLAlignCh" val="r"/>
+              <dgm:param type="lnSpAfParP" val="10"/>
+            </dgm:alg>
+          </dgm:else>
+        </dgm:choose>
+        <dgm:shape xmlns:r="http://schemas.openxmlformats.org/officeDocument/2006/relationships" type="rect" r:blip="">
+          <dgm:adjLst/>
+        </dgm:shape>
+        <dgm:presOf axis="desOrSelf" ptType="node"/>
+        <dgm:constrLst>
+          <dgm:constr type="lMarg" refType="primFontSz" fact="0.1"/>
+          <dgm:constr type="rMarg" refType="primFontSz" fact="0.1"/>
+          <dgm:constr type="tMarg" refType="primFontSz" fact="0.1"/>
+          <dgm:constr type="bMarg" refType="primFontSz" fact="0.1"/>
+        </dgm:constrLst>
+        <dgm:ruleLst>
+          <dgm:rule type="primFontSz" val="5" fact="NaN" max="NaN"/>
+        </dgm:ruleLst>
+      </dgm:layoutNode>
     </dgm:forEach>
   </dgm:layoutNode>
 </dgm:layoutDef>
@@ -6981,11 +6808,11 @@
 </file>
 
 <file path=ppt/diagrams/quickStyle3.xml><?xml version="1.0" encoding="utf-8"?>
-<dgm:styleDef xmlns:dgm="http://schemas.openxmlformats.org/drawingml/2006/diagram" xmlns:a="http://schemas.openxmlformats.org/drawingml/2006/main" uniqueId="urn:microsoft.com/office/officeart/2005/8/quickstyle/simple1">
+<dgm:styleDef xmlns:dgm="http://schemas.openxmlformats.org/drawingml/2006/diagram" xmlns:a="http://schemas.openxmlformats.org/drawingml/2006/main" uniqueId="urn:microsoft.com/office/officeart/2005/8/quickstyle/3d3">
   <dgm:title val=""/>
   <dgm:desc val=""/>
   <dgm:catLst>
-    <dgm:cat type="simple" pri="10100"/>
+    <dgm:cat type="3D" pri="11300"/>
   </dgm:catLst>
   <dgm:scene3d>
     <a:camera prst="orthographicFront"/>
@@ -6993,19 +6820,26 @@
   </dgm:scene3d>
   <dgm:styleLbl name="node0">
     <dgm:scene3d>
-      <a:camera prst="orthographicFront"/>
-      <a:lightRig rig="threePt" dir="t"/>
+      <a:camera prst="orthographicFront">
+        <a:rot lat="0" lon="0" rev="0"/>
+      </a:camera>
+      <a:lightRig rig="contrasting" dir="t">
+        <a:rot lat="0" lon="0" rev="1200000"/>
+      </a:lightRig>
     </dgm:scene3d>
-    <dgm:sp3d/>
+    <dgm:sp3d contourW="19050" prstMaterial="metal">
+      <a:bevelT w="88900" h="203200"/>
+      <a:bevelB w="165100" h="254000"/>
+    </dgm:sp3d>
     <dgm:txPr/>
     <dgm:style>
-      <a:lnRef idx="2">
+      <a:lnRef idx="0">
         <a:scrgbClr r="0" g="0" b="0"/>
       </a:lnRef>
       <a:fillRef idx="1">
         <a:scrgbClr r="0" g="0" b="0"/>
       </a:fillRef>
-      <a:effectRef idx="0">
+      <a:effectRef idx="1">
         <a:scrgbClr r="0" g="0" b="0"/>
       </a:effectRef>
       <a:fontRef idx="minor">
@@ -7015,19 +6849,26 @@
   </dgm:styleLbl>
   <dgm:styleLbl name="lnNode1">
     <dgm:scene3d>
-      <a:camera prst="orthographicFront"/>
-      <a:lightRig rig="threePt" dir="t"/>
+      <a:camera prst="orthographicFront">
+        <a:rot lat="0" lon="0" rev="0"/>
+      </a:camera>
+      <a:lightRig rig="contrasting" dir="t">
+        <a:rot lat="0" lon="0" rev="1200000"/>
+      </a:lightRig>
     </dgm:scene3d>
-    <dgm:sp3d/>
+    <dgm:sp3d contourW="19050" prstMaterial="metal">
+      <a:bevelT w="88900" h="203200"/>
+      <a:bevelB w="165100" h="254000"/>
+    </dgm:sp3d>
     <dgm:txPr/>
     <dgm:style>
-      <a:lnRef idx="2">
+      <a:lnRef idx="0">
         <a:scrgbClr r="0" g="0" b="0"/>
       </a:lnRef>
       <a:fillRef idx="1">
         <a:scrgbClr r="0" g="0" b="0"/>
       </a:fillRef>
-      <a:effectRef idx="0">
+      <a:effectRef idx="1">
         <a:scrgbClr r="0" g="0" b="0"/>
       </a:effectRef>
       <a:fontRef idx="minor">
@@ -7037,13 +6878,20 @@
   </dgm:styleLbl>
   <dgm:styleLbl name="vennNode1">
     <dgm:scene3d>
-      <a:camera prst="orthographicFront"/>
-      <a:lightRig rig="threePt" dir="t"/>
+      <a:camera prst="orthographicFront">
+        <a:rot lat="0" lon="0" rev="0"/>
+      </a:camera>
+      <a:lightRig rig="contrasting" dir="t">
+        <a:rot lat="0" lon="0" rev="1200000"/>
+      </a:lightRig>
     </dgm:scene3d>
-    <dgm:sp3d/>
+    <dgm:sp3d contourW="12700" prstMaterial="clear">
+      <a:bevelT w="177800" h="254000"/>
+      <a:bevelB w="152400"/>
+    </dgm:sp3d>
     <dgm:txPr/>
     <dgm:style>
-      <a:lnRef idx="2">
+      <a:lnRef idx="0">
         <a:scrgbClr r="0" g="0" b="0"/>
       </a:lnRef>
       <a:fillRef idx="1">
@@ -7059,19 +6907,26 @@
   </dgm:styleLbl>
   <dgm:styleLbl name="alignNode1">
     <dgm:scene3d>
-      <a:camera prst="orthographicFront"/>
-      <a:lightRig rig="threePt" dir="t"/>
+      <a:camera prst="orthographicFront">
+        <a:rot lat="0" lon="0" rev="0"/>
+      </a:camera>
+      <a:lightRig rig="contrasting" dir="t">
+        <a:rot lat="0" lon="0" rev="1200000"/>
+      </a:lightRig>
     </dgm:scene3d>
-    <dgm:sp3d/>
+    <dgm:sp3d contourW="19050" prstMaterial="metal">
+      <a:bevelT w="88900" h="203200"/>
+      <a:bevelB w="165100" h="254000"/>
+    </dgm:sp3d>
     <dgm:txPr/>
     <dgm:style>
-      <a:lnRef idx="2">
+      <a:lnRef idx="0">
         <a:scrgbClr r="0" g="0" b="0"/>
       </a:lnRef>
       <a:fillRef idx="1">
         <a:scrgbClr r="0" g="0" b="0"/>
       </a:fillRef>
-      <a:effectRef idx="0">
+      <a:effectRef idx="2">
         <a:scrgbClr r="0" g="0" b="0"/>
       </a:effectRef>
       <a:fontRef idx="minor">
@@ -7081,19 +6936,26 @@
   </dgm:styleLbl>
   <dgm:styleLbl name="node1">
     <dgm:scene3d>
-      <a:camera prst="orthographicFront"/>
-      <a:lightRig rig="threePt" dir="t"/>
+      <a:camera prst="orthographicFront">
+        <a:rot lat="0" lon="0" rev="0"/>
+      </a:camera>
+      <a:lightRig rig="contrasting" dir="t">
+        <a:rot lat="0" lon="0" rev="1200000"/>
+      </a:lightRig>
     </dgm:scene3d>
-    <dgm:sp3d/>
+    <dgm:sp3d contourW="19050" prstMaterial="metal">
+      <a:bevelT w="88900" h="203200"/>
+      <a:bevelB w="165100" h="254000"/>
+    </dgm:sp3d>
     <dgm:txPr/>
     <dgm:style>
-      <a:lnRef idx="2">
+      <a:lnRef idx="0">
         <a:scrgbClr r="0" g="0" b="0"/>
       </a:lnRef>
       <a:fillRef idx="1">
         <a:scrgbClr r="0" g="0" b="0"/>
       </a:fillRef>
-      <a:effectRef idx="0">
+      <a:effectRef idx="2">
         <a:scrgbClr r="0" g="0" b="0"/>
       </a:effectRef>
       <a:fontRef idx="minor">
@@ -7103,19 +6965,26 @@
   </dgm:styleLbl>
   <dgm:styleLbl name="node2">
     <dgm:scene3d>
-      <a:camera prst="orthographicFront"/>
-      <a:lightRig rig="threePt" dir="t"/>
+      <a:camera prst="orthographicFront">
+        <a:rot lat="0" lon="0" rev="0"/>
+      </a:camera>
+      <a:lightRig rig="contrasting" dir="t">
+        <a:rot lat="0" lon="0" rev="1200000"/>
+      </a:lightRig>
     </dgm:scene3d>
-    <dgm:sp3d/>
+    <dgm:sp3d contourW="19050" prstMaterial="metal">
+      <a:bevelT w="88900" h="203200"/>
+      <a:bevelB w="165100" h="254000"/>
+    </dgm:sp3d>
     <dgm:txPr/>
     <dgm:style>
-      <a:lnRef idx="2">
+      <a:lnRef idx="0">
         <a:scrgbClr r="0" g="0" b="0"/>
       </a:lnRef>
       <a:fillRef idx="1">
         <a:scrgbClr r="0" g="0" b="0"/>
       </a:fillRef>
-      <a:effectRef idx="0">
+      <a:effectRef idx="1">
         <a:scrgbClr r="0" g="0" b="0"/>
       </a:effectRef>
       <a:fontRef idx="minor">
@@ -7125,19 +6994,26 @@
   </dgm:styleLbl>
   <dgm:styleLbl name="node3">
     <dgm:scene3d>
-      <a:camera prst="orthographicFront"/>
-      <a:lightRig rig="threePt" dir="t"/>
+      <a:camera prst="orthographicFront">
+        <a:rot lat="0" lon="0" rev="0"/>
+      </a:camera>
+      <a:lightRig rig="contrasting" dir="t">
+        <a:rot lat="0" lon="0" rev="1200000"/>
+      </a:lightRig>
     </dgm:scene3d>
-    <dgm:sp3d/>
+    <dgm:sp3d contourW="19050" prstMaterial="metal">
+      <a:bevelT w="88900" h="203200"/>
+      <a:bevelB w="165100" h="254000"/>
+    </dgm:sp3d>
     <dgm:txPr/>
     <dgm:style>
-      <a:lnRef idx="2">
+      <a:lnRef idx="0">
         <a:scrgbClr r="0" g="0" b="0"/>
       </a:lnRef>
       <a:fillRef idx="1">
         <a:scrgbClr r="0" g="0" b="0"/>
       </a:fillRef>
-      <a:effectRef idx="0">
+      <a:effectRef idx="1">
         <a:scrgbClr r="0" g="0" b="0"/>
       </a:effectRef>
       <a:fontRef idx="minor">
@@ -7147,19 +7023,26 @@
   </dgm:styleLbl>
   <dgm:styleLbl name="node4">
     <dgm:scene3d>
-      <a:camera prst="orthographicFront"/>
-      <a:lightRig rig="threePt" dir="t"/>
+      <a:camera prst="orthographicFront">
+        <a:rot lat="0" lon="0" rev="0"/>
+      </a:camera>
+      <a:lightRig rig="contrasting" dir="t">
+        <a:rot lat="0" lon="0" rev="1200000"/>
+      </a:lightRig>
     </dgm:scene3d>
-    <dgm:sp3d/>
+    <dgm:sp3d contourW="19050" prstMaterial="metal">
+      <a:bevelT w="88900" h="203200"/>
+      <a:bevelB w="165100" h="254000"/>
+    </dgm:sp3d>
     <dgm:txPr/>
     <dgm:style>
-      <a:lnRef idx="2">
+      <a:lnRef idx="0">
         <a:scrgbClr r="0" g="0" b="0"/>
       </a:lnRef>
       <a:fillRef idx="1">
         <a:scrgbClr r="0" g="0" b="0"/>
       </a:fillRef>
-      <a:effectRef idx="0">
+      <a:effectRef idx="1">
         <a:scrgbClr r="0" g="0" b="0"/>
       </a:effectRef>
       <a:fontRef idx="minor">
@@ -7169,19 +7052,26 @@
   </dgm:styleLbl>
   <dgm:styleLbl name="fgImgPlace1">
     <dgm:scene3d>
-      <a:camera prst="orthographicFront"/>
-      <a:lightRig rig="threePt" dir="t"/>
+      <a:camera prst="orthographicFront">
+        <a:rot lat="0" lon="0" rev="0"/>
+      </a:camera>
+      <a:lightRig rig="contrasting" dir="t">
+        <a:rot lat="0" lon="0" rev="1200000"/>
+      </a:lightRig>
     </dgm:scene3d>
-    <dgm:sp3d/>
+    <dgm:sp3d z="300000" contourW="19050" prstMaterial="metal">
+      <a:bevelT w="88900" h="203200"/>
+      <a:bevelB w="165100" h="254000"/>
+    </dgm:sp3d>
     <dgm:txPr/>
     <dgm:style>
-      <a:lnRef idx="2">
+      <a:lnRef idx="0">
         <a:scrgbClr r="0" g="0" b="0"/>
       </a:lnRef>
       <a:fillRef idx="1">
         <a:scrgbClr r="0" g="0" b="0"/>
       </a:fillRef>
-      <a:effectRef idx="0">
+      <a:effectRef idx="1">
         <a:scrgbClr r="0" g="0" b="0"/>
       </a:effectRef>
       <a:fontRef idx="minor"/>
@@ -7189,19 +7079,26 @@
   </dgm:styleLbl>
   <dgm:styleLbl name="alignImgPlace1">
     <dgm:scene3d>
-      <a:camera prst="orthographicFront"/>
-      <a:lightRig rig="threePt" dir="t"/>
+      <a:camera prst="orthographicFront">
+        <a:rot lat="0" lon="0" rev="0"/>
+      </a:camera>
+      <a:lightRig rig="contrasting" dir="t">
+        <a:rot lat="0" lon="0" rev="1200000"/>
+      </a:lightRig>
     </dgm:scene3d>
-    <dgm:sp3d/>
+    <dgm:sp3d contourW="12700" prstMaterial="flat">
+      <a:bevelT w="177800" h="254000"/>
+      <a:bevelB w="152400"/>
+    </dgm:sp3d>
     <dgm:txPr/>
     <dgm:style>
-      <a:lnRef idx="2">
+      <a:lnRef idx="0">
         <a:scrgbClr r="0" g="0" b="0"/>
       </a:lnRef>
       <a:fillRef idx="1">
         <a:scrgbClr r="0" g="0" b="0"/>
       </a:fillRef>
-      <a:effectRef idx="0">
+      <a:effectRef idx="1">
         <a:scrgbClr r="0" g="0" b="0"/>
       </a:effectRef>
       <a:fontRef idx="minor"/>
@@ -7209,19 +7106,26 @@
   </dgm:styleLbl>
   <dgm:styleLbl name="bgImgPlace1">
     <dgm:scene3d>
-      <a:camera prst="orthographicFront"/>
-      <a:lightRig rig="threePt" dir="t"/>
+      <a:camera prst="orthographicFront">
+        <a:rot lat="0" lon="0" rev="0"/>
+      </a:camera>
+      <a:lightRig rig="contrasting" dir="t">
+        <a:rot lat="0" lon="0" rev="1200000"/>
+      </a:lightRig>
     </dgm:scene3d>
-    <dgm:sp3d/>
+    <dgm:sp3d z="-300000" contourW="19050" prstMaterial="metal">
+      <a:bevelT w="88900" h="203200"/>
+      <a:bevelB w="165100" h="254000"/>
+    </dgm:sp3d>
     <dgm:txPr/>
     <dgm:style>
-      <a:lnRef idx="2">
+      <a:lnRef idx="0">
         <a:scrgbClr r="0" g="0" b="0"/>
       </a:lnRef>
       <a:fillRef idx="1">
         <a:scrgbClr r="0" g="0" b="0"/>
       </a:fillRef>
-      <a:effectRef idx="0">
+      <a:effectRef idx="1">
         <a:scrgbClr r="0" g="0" b="0"/>
       </a:effectRef>
       <a:fontRef idx="minor"/>
@@ -7229,10 +7133,17 @@
   </dgm:styleLbl>
   <dgm:styleLbl name="sibTrans2D1">
     <dgm:scene3d>
-      <a:camera prst="orthographicFront"/>
-      <a:lightRig rig="threePt" dir="t"/>
+      <a:camera prst="orthographicFront">
+        <a:rot lat="0" lon="0" rev="0"/>
+      </a:camera>
+      <a:lightRig rig="contrasting" dir="t">
+        <a:rot lat="0" lon="0" rev="1200000"/>
+      </a:lightRig>
     </dgm:scene3d>
-    <dgm:sp3d/>
+    <dgm:sp3d z="-182000" contourW="19050" prstMaterial="metal">
+      <a:bevelT w="88900" h="203200"/>
+      <a:bevelB w="165100" h="254000"/>
+    </dgm:sp3d>
     <dgm:txPr/>
     <dgm:style>
       <a:lnRef idx="0">
@@ -7251,10 +7162,17 @@
   </dgm:styleLbl>
   <dgm:styleLbl name="fgSibTrans2D1">
     <dgm:scene3d>
-      <a:camera prst="orthographicFront"/>
-      <a:lightRig rig="threePt" dir="t"/>
+      <a:camera prst="orthographicFront">
+        <a:rot lat="0" lon="0" rev="0"/>
+      </a:camera>
+      <a:lightRig rig="contrasting" dir="t">
+        <a:rot lat="0" lon="0" rev="1200000"/>
+      </a:lightRig>
     </dgm:scene3d>
-    <dgm:sp3d/>
+    <dgm:sp3d z="300000" contourW="19050" prstMaterial="metal">
+      <a:bevelT w="88900" h="203200"/>
+      <a:bevelB w="165100" h="254000"/>
+    </dgm:sp3d>
     <dgm:txPr/>
     <dgm:style>
       <a:lnRef idx="0">
@@ -7264,6 +7182,108 @@
         <a:scrgbClr r="0" g="0" b="0"/>
       </a:fillRef>
       <a:effectRef idx="0">
+        <a:scrgbClr r="0" g="0" b="0"/>
+      </a:effectRef>
+      <a:fontRef idx="minor"/>
+    </dgm:style>
+  </dgm:styleLbl>
+  <dgm:styleLbl name="bgSibTrans2D1">
+    <dgm:scene3d>
+      <a:camera prst="orthographicFront">
+        <a:rot lat="0" lon="0" rev="0"/>
+      </a:camera>
+      <a:lightRig rig="contrasting" dir="t">
+        <a:rot lat="0" lon="0" rev="1200000"/>
+      </a:lightRig>
+    </dgm:scene3d>
+    <dgm:sp3d z="-300000" contourW="19050" prstMaterial="metal">
+      <a:bevelT w="88900" h="203200"/>
+      <a:bevelB w="165100" h="254000"/>
+    </dgm:sp3d>
+    <dgm:txPr/>
+    <dgm:style>
+      <a:lnRef idx="0">
+        <a:scrgbClr r="0" g="0" b="0"/>
+      </a:lnRef>
+      <a:fillRef idx="1">
+        <a:scrgbClr r="0" g="0" b="0"/>
+      </a:fillRef>
+      <a:effectRef idx="0">
+        <a:scrgbClr r="0" g="0" b="0"/>
+      </a:effectRef>
+      <a:fontRef idx="minor"/>
+    </dgm:style>
+  </dgm:styleLbl>
+  <dgm:styleLbl name="sibTrans1D1">
+    <dgm:scene3d>
+      <a:camera prst="orthographicFront">
+        <a:rot lat="0" lon="0" rev="0"/>
+      </a:camera>
+      <a:lightRig rig="contrasting" dir="t">
+        <a:rot lat="0" lon="0" rev="1200000"/>
+      </a:lightRig>
+    </dgm:scene3d>
+    <dgm:sp3d z="-110000"/>
+    <dgm:txPr/>
+    <dgm:style>
+      <a:lnRef idx="1">
+        <a:scrgbClr r="0" g="0" b="0"/>
+      </a:lnRef>
+      <a:fillRef idx="0">
+        <a:scrgbClr r="0" g="0" b="0"/>
+      </a:fillRef>
+      <a:effectRef idx="0">
+        <a:scrgbClr r="0" g="0" b="0"/>
+      </a:effectRef>
+      <a:fontRef idx="minor"/>
+    </dgm:style>
+  </dgm:styleLbl>
+  <dgm:styleLbl name="callout">
+    <dgm:scene3d>
+      <a:camera prst="orthographicFront">
+        <a:rot lat="0" lon="0" rev="0"/>
+      </a:camera>
+      <a:lightRig rig="contrasting" dir="t">
+        <a:rot lat="0" lon="0" rev="1200000"/>
+      </a:lightRig>
+    </dgm:scene3d>
+    <dgm:sp3d z="10000"/>
+    <dgm:txPr/>
+    <dgm:style>
+      <a:lnRef idx="2">
+        <a:scrgbClr r="0" g="0" b="0"/>
+      </a:lnRef>
+      <a:fillRef idx="1">
+        <a:scrgbClr r="0" g="0" b="0"/>
+      </a:fillRef>
+      <a:effectRef idx="0">
+        <a:scrgbClr r="0" g="0" b="0"/>
+      </a:effectRef>
+      <a:fontRef idx="minor"/>
+    </dgm:style>
+  </dgm:styleLbl>
+  <dgm:styleLbl name="asst0">
+    <dgm:scene3d>
+      <a:camera prst="orthographicFront">
+        <a:rot lat="0" lon="0" rev="0"/>
+      </a:camera>
+      <a:lightRig rig="contrasting" dir="t">
+        <a:rot lat="0" lon="0" rev="1200000"/>
+      </a:lightRig>
+    </dgm:scene3d>
+    <dgm:sp3d contourW="19050" prstMaterial="metal">
+      <a:bevelT w="88900" h="203200"/>
+      <a:bevelB w="165100" h="254000"/>
+    </dgm:sp3d>
+    <dgm:txPr/>
+    <dgm:style>
+      <a:lnRef idx="0">
+        <a:scrgbClr r="0" g="0" b="0"/>
+      </a:lnRef>
+      <a:fillRef idx="1">
+        <a:scrgbClr r="0" g="0" b="0"/>
+      </a:fillRef>
+      <a:effectRef idx="1">
         <a:scrgbClr r="0" g="0" b="0"/>
       </a:effectRef>
       <a:fontRef idx="minor">
@@ -7271,12 +7291,19 @@
       </a:fontRef>
     </dgm:style>
   </dgm:styleLbl>
-  <dgm:styleLbl name="bgSibTrans2D1">
+  <dgm:styleLbl name="asst1">
     <dgm:scene3d>
-      <a:camera prst="orthographicFront"/>
-      <a:lightRig rig="threePt" dir="t"/>
+      <a:camera prst="orthographicFront">
+        <a:rot lat="0" lon="0" rev="0"/>
+      </a:camera>
+      <a:lightRig rig="contrasting" dir="t">
+        <a:rot lat="0" lon="0" rev="1200000"/>
+      </a:lightRig>
     </dgm:scene3d>
-    <dgm:sp3d/>
+    <dgm:sp3d contourW="19050" prstMaterial="metal">
+      <a:bevelT w="88900" h="203200"/>
+      <a:bevelB w="165100" h="254000"/>
+    </dgm:sp3d>
     <dgm:txPr/>
     <dgm:style>
       <a:lnRef idx="0">
@@ -7285,7 +7312,7 @@
       <a:fillRef idx="1">
         <a:scrgbClr r="0" g="0" b="0"/>
       </a:fillRef>
-      <a:effectRef idx="0">
+      <a:effectRef idx="1">
         <a:scrgbClr r="0" g="0" b="0"/>
       </a:effectRef>
       <a:fontRef idx="minor">
@@ -7293,7 +7320,801 @@
       </a:fontRef>
     </dgm:style>
   </dgm:styleLbl>
-  <dgm:styleLbl name="sibTrans1D1">
+  <dgm:styleLbl name="asst2">
+    <dgm:scene3d>
+      <a:camera prst="orthographicFront">
+        <a:rot lat="0" lon="0" rev="0"/>
+      </a:camera>
+      <a:lightRig rig="contrasting" dir="t">
+        <a:rot lat="0" lon="0" rev="1200000"/>
+      </a:lightRig>
+    </dgm:scene3d>
+    <dgm:sp3d contourW="19050" prstMaterial="metal">
+      <a:bevelT w="88900" h="203200"/>
+      <a:bevelB w="165100" h="254000"/>
+    </dgm:sp3d>
+    <dgm:txPr/>
+    <dgm:style>
+      <a:lnRef idx="0">
+        <a:scrgbClr r="0" g="0" b="0"/>
+      </a:lnRef>
+      <a:fillRef idx="1">
+        <a:scrgbClr r="0" g="0" b="0"/>
+      </a:fillRef>
+      <a:effectRef idx="1">
+        <a:scrgbClr r="0" g="0" b="0"/>
+      </a:effectRef>
+      <a:fontRef idx="minor">
+        <a:schemeClr val="lt1"/>
+      </a:fontRef>
+    </dgm:style>
+  </dgm:styleLbl>
+  <dgm:styleLbl name="asst3">
+    <dgm:scene3d>
+      <a:camera prst="orthographicFront">
+        <a:rot lat="0" lon="0" rev="0"/>
+      </a:camera>
+      <a:lightRig rig="contrasting" dir="t">
+        <a:rot lat="0" lon="0" rev="1200000"/>
+      </a:lightRig>
+    </dgm:scene3d>
+    <dgm:sp3d contourW="19050" prstMaterial="metal">
+      <a:bevelT w="88900" h="203200"/>
+      <a:bevelB w="165100" h="254000"/>
+    </dgm:sp3d>
+    <dgm:txPr/>
+    <dgm:style>
+      <a:lnRef idx="0">
+        <a:scrgbClr r="0" g="0" b="0"/>
+      </a:lnRef>
+      <a:fillRef idx="1">
+        <a:scrgbClr r="0" g="0" b="0"/>
+      </a:fillRef>
+      <a:effectRef idx="1">
+        <a:scrgbClr r="0" g="0" b="0"/>
+      </a:effectRef>
+      <a:fontRef idx="minor">
+        <a:schemeClr val="lt1"/>
+      </a:fontRef>
+    </dgm:style>
+  </dgm:styleLbl>
+  <dgm:styleLbl name="asst4">
+    <dgm:scene3d>
+      <a:camera prst="orthographicFront"/>
+      <a:lightRig rig="threePt" dir="t"/>
+    </dgm:scene3d>
+    <dgm:sp3d contourW="19050" prstMaterial="metal">
+      <a:bevelT w="88900" h="203200"/>
+      <a:bevelB w="165100" h="254000"/>
+    </dgm:sp3d>
+    <dgm:txPr/>
+    <dgm:style>
+      <a:lnRef idx="0">
+        <a:scrgbClr r="0" g="0" b="0"/>
+      </a:lnRef>
+      <a:fillRef idx="1">
+        <a:scrgbClr r="0" g="0" b="0"/>
+      </a:fillRef>
+      <a:effectRef idx="1">
+        <a:scrgbClr r="0" g="0" b="0"/>
+      </a:effectRef>
+      <a:fontRef idx="minor">
+        <a:schemeClr val="lt1"/>
+      </a:fontRef>
+    </dgm:style>
+  </dgm:styleLbl>
+  <dgm:styleLbl name="parChTrans2D1">
+    <dgm:scene3d>
+      <a:camera prst="orthographicFront">
+        <a:rot lat="0" lon="0" rev="0"/>
+      </a:camera>
+      <a:lightRig rig="contrasting" dir="t">
+        <a:rot lat="0" lon="0" rev="1200000"/>
+      </a:lightRig>
+    </dgm:scene3d>
+    <dgm:sp3d contourW="19050" prstMaterial="metal">
+      <a:bevelT w="88900" h="203200"/>
+      <a:bevelB w="165100" h="254000"/>
+    </dgm:sp3d>
+    <dgm:txPr/>
+    <dgm:style>
+      <a:lnRef idx="0">
+        <a:scrgbClr r="0" g="0" b="0"/>
+      </a:lnRef>
+      <a:fillRef idx="1">
+        <a:scrgbClr r="0" g="0" b="0"/>
+      </a:fillRef>
+      <a:effectRef idx="0">
+        <a:scrgbClr r="0" g="0" b="0"/>
+      </a:effectRef>
+      <a:fontRef idx="minor"/>
+    </dgm:style>
+  </dgm:styleLbl>
+  <dgm:styleLbl name="parChTrans2D2">
+    <dgm:scene3d>
+      <a:camera prst="orthographicFront">
+        <a:rot lat="0" lon="0" rev="0"/>
+      </a:camera>
+      <a:lightRig rig="contrasting" dir="t">
+        <a:rot lat="0" lon="0" rev="1200000"/>
+      </a:lightRig>
+    </dgm:scene3d>
+    <dgm:sp3d contourW="19050" prstMaterial="metal">
+      <a:bevelT w="88900" h="203200"/>
+      <a:bevelB w="165100" h="254000"/>
+    </dgm:sp3d>
+    <dgm:txPr/>
+    <dgm:style>
+      <a:lnRef idx="0">
+        <a:scrgbClr r="0" g="0" b="0"/>
+      </a:lnRef>
+      <a:fillRef idx="1">
+        <a:scrgbClr r="0" g="0" b="0"/>
+      </a:fillRef>
+      <a:effectRef idx="0">
+        <a:scrgbClr r="0" g="0" b="0"/>
+      </a:effectRef>
+      <a:fontRef idx="minor"/>
+    </dgm:style>
+  </dgm:styleLbl>
+  <dgm:styleLbl name="parChTrans2D3">
+    <dgm:scene3d>
+      <a:camera prst="orthographicFront">
+        <a:rot lat="0" lon="0" rev="0"/>
+      </a:camera>
+      <a:lightRig rig="contrasting" dir="t">
+        <a:rot lat="0" lon="0" rev="1200000"/>
+      </a:lightRig>
+    </dgm:scene3d>
+    <dgm:sp3d contourW="19050" prstMaterial="metal">
+      <a:bevelT w="88900" h="203200"/>
+      <a:bevelB w="165100" h="254000"/>
+    </dgm:sp3d>
+    <dgm:txPr/>
+    <dgm:style>
+      <a:lnRef idx="0">
+        <a:scrgbClr r="0" g="0" b="0"/>
+      </a:lnRef>
+      <a:fillRef idx="1">
+        <a:scrgbClr r="0" g="0" b="0"/>
+      </a:fillRef>
+      <a:effectRef idx="0">
+        <a:scrgbClr r="0" g="0" b="0"/>
+      </a:effectRef>
+      <a:fontRef idx="minor"/>
+    </dgm:style>
+  </dgm:styleLbl>
+  <dgm:styleLbl name="parChTrans2D4">
+    <dgm:scene3d>
+      <a:camera prst="orthographicFront">
+        <a:rot lat="0" lon="0" rev="0"/>
+      </a:camera>
+      <a:lightRig rig="contrasting" dir="t">
+        <a:rot lat="0" lon="0" rev="1200000"/>
+      </a:lightRig>
+    </dgm:scene3d>
+    <dgm:sp3d contourW="19050" prstMaterial="metal">
+      <a:bevelT w="88900" h="203200"/>
+      <a:bevelB w="165100" h="254000"/>
+    </dgm:sp3d>
+    <dgm:txPr/>
+    <dgm:style>
+      <a:lnRef idx="0">
+        <a:scrgbClr r="0" g="0" b="0"/>
+      </a:lnRef>
+      <a:fillRef idx="1">
+        <a:scrgbClr r="0" g="0" b="0"/>
+      </a:fillRef>
+      <a:effectRef idx="0">
+        <a:scrgbClr r="0" g="0" b="0"/>
+      </a:effectRef>
+      <a:fontRef idx="minor"/>
+    </dgm:style>
+  </dgm:styleLbl>
+  <dgm:styleLbl name="parChTrans1D1">
+    <dgm:scene3d>
+      <a:camera prst="orthographicFront">
+        <a:rot lat="0" lon="0" rev="0"/>
+      </a:camera>
+      <a:lightRig rig="contrasting" dir="t">
+        <a:rot lat="0" lon="0" rev="1200000"/>
+      </a:lightRig>
+    </dgm:scene3d>
+    <dgm:sp3d z="-110000"/>
+    <dgm:txPr/>
+    <dgm:style>
+      <a:lnRef idx="2">
+        <a:scrgbClr r="0" g="0" b="0"/>
+      </a:lnRef>
+      <a:fillRef idx="0">
+        <a:scrgbClr r="0" g="0" b="0"/>
+      </a:fillRef>
+      <a:effectRef idx="0">
+        <a:scrgbClr r="0" g="0" b="0"/>
+      </a:effectRef>
+      <a:fontRef idx="minor"/>
+    </dgm:style>
+  </dgm:styleLbl>
+  <dgm:styleLbl name="parChTrans1D2">
+    <dgm:scene3d>
+      <a:camera prst="orthographicFront">
+        <a:rot lat="0" lon="0" rev="0"/>
+      </a:camera>
+      <a:lightRig rig="contrasting" dir="t">
+        <a:rot lat="0" lon="0" rev="1200000"/>
+      </a:lightRig>
+    </dgm:scene3d>
+    <dgm:sp3d z="-110000"/>
+    <dgm:txPr/>
+    <dgm:style>
+      <a:lnRef idx="2">
+        <a:scrgbClr r="0" g="0" b="0"/>
+      </a:lnRef>
+      <a:fillRef idx="0">
+        <a:scrgbClr r="0" g="0" b="0"/>
+      </a:fillRef>
+      <a:effectRef idx="0">
+        <a:scrgbClr r="0" g="0" b="0"/>
+      </a:effectRef>
+      <a:fontRef idx="minor"/>
+    </dgm:style>
+  </dgm:styleLbl>
+  <dgm:styleLbl name="parChTrans1D3">
+    <dgm:scene3d>
+      <a:camera prst="orthographicFront">
+        <a:rot lat="0" lon="0" rev="0"/>
+      </a:camera>
+      <a:lightRig rig="contrasting" dir="t">
+        <a:rot lat="0" lon="0" rev="1200000"/>
+      </a:lightRig>
+    </dgm:scene3d>
+    <dgm:sp3d z="-110000"/>
+    <dgm:txPr/>
+    <dgm:style>
+      <a:lnRef idx="2">
+        <a:scrgbClr r="0" g="0" b="0"/>
+      </a:lnRef>
+      <a:fillRef idx="0">
+        <a:scrgbClr r="0" g="0" b="0"/>
+      </a:fillRef>
+      <a:effectRef idx="0">
+        <a:scrgbClr r="0" g="0" b="0"/>
+      </a:effectRef>
+      <a:fontRef idx="minor"/>
+    </dgm:style>
+  </dgm:styleLbl>
+  <dgm:styleLbl name="parChTrans1D4">
+    <dgm:scene3d>
+      <a:camera prst="orthographicFront">
+        <a:rot lat="0" lon="0" rev="0"/>
+      </a:camera>
+      <a:lightRig rig="contrasting" dir="t">
+        <a:rot lat="0" lon="0" rev="1200000"/>
+      </a:lightRig>
+    </dgm:scene3d>
+    <dgm:sp3d z="-110000"/>
+    <dgm:txPr/>
+    <dgm:style>
+      <a:lnRef idx="2">
+        <a:scrgbClr r="0" g="0" b="0"/>
+      </a:lnRef>
+      <a:fillRef idx="0">
+        <a:scrgbClr r="0" g="0" b="0"/>
+      </a:fillRef>
+      <a:effectRef idx="0">
+        <a:scrgbClr r="0" g="0" b="0"/>
+      </a:effectRef>
+      <a:fontRef idx="minor"/>
+    </dgm:style>
+  </dgm:styleLbl>
+  <dgm:styleLbl name="fgAcc1">
+    <dgm:scene3d>
+      <a:camera prst="orthographicFront">
+        <a:rot lat="0" lon="0" rev="0"/>
+      </a:camera>
+      <a:lightRig rig="contrasting" dir="t">
+        <a:rot lat="0" lon="0" rev="1200000"/>
+      </a:lightRig>
+    </dgm:scene3d>
+    <dgm:sp3d z="300000" contourW="19050" prstMaterial="metal">
+      <a:bevelT w="88900" h="203200"/>
+      <a:bevelB w="165100" h="254000"/>
+    </dgm:sp3d>
+    <dgm:txPr/>
+    <dgm:style>
+      <a:lnRef idx="0">
+        <a:scrgbClr r="0" g="0" b="0"/>
+      </a:lnRef>
+      <a:fillRef idx="1">
+        <a:scrgbClr r="0" g="0" b="0"/>
+      </a:fillRef>
+      <a:effectRef idx="0">
+        <a:scrgbClr r="0" g="0" b="0"/>
+      </a:effectRef>
+      <a:fontRef idx="minor"/>
+    </dgm:style>
+  </dgm:styleLbl>
+  <dgm:styleLbl name="conFgAcc1">
+    <dgm:scene3d>
+      <a:camera prst="orthographicFront">
+        <a:rot lat="0" lon="0" rev="0"/>
+      </a:camera>
+      <a:lightRig rig="contrasting" dir="t">
+        <a:rot lat="0" lon="0" rev="1200000"/>
+      </a:lightRig>
+    </dgm:scene3d>
+    <dgm:sp3d z="300000" contourW="19050" prstMaterial="metal">
+      <a:bevelT w="88900" h="203200"/>
+      <a:bevelB w="165100" h="254000"/>
+    </dgm:sp3d>
+    <dgm:txPr/>
+    <dgm:style>
+      <a:lnRef idx="0">
+        <a:scrgbClr r="0" g="0" b="0"/>
+      </a:lnRef>
+      <a:fillRef idx="1">
+        <a:scrgbClr r="0" g="0" b="0"/>
+      </a:fillRef>
+      <a:effectRef idx="0">
+        <a:scrgbClr r="0" g="0" b="0"/>
+      </a:effectRef>
+      <a:fontRef idx="minor"/>
+    </dgm:style>
+  </dgm:styleLbl>
+  <dgm:styleLbl name="alignAcc1">
+    <dgm:scene3d>
+      <a:camera prst="orthographicFront">
+        <a:rot lat="0" lon="0" rev="0"/>
+      </a:camera>
+      <a:lightRig rig="contrasting" dir="t">
+        <a:rot lat="0" lon="0" rev="1200000"/>
+      </a:lightRig>
+    </dgm:scene3d>
+    <dgm:sp3d contourW="19050" prstMaterial="metal">
+      <a:bevelT w="88900" h="203200"/>
+      <a:bevelB w="165100" h="254000"/>
+    </dgm:sp3d>
+    <dgm:txPr/>
+    <dgm:style>
+      <a:lnRef idx="0">
+        <a:scrgbClr r="0" g="0" b="0"/>
+      </a:lnRef>
+      <a:fillRef idx="1">
+        <a:scrgbClr r="0" g="0" b="0"/>
+      </a:fillRef>
+      <a:effectRef idx="0">
+        <a:scrgbClr r="0" g="0" b="0"/>
+      </a:effectRef>
+      <a:fontRef idx="minor"/>
+    </dgm:style>
+  </dgm:styleLbl>
+  <dgm:styleLbl name="trAlignAcc1">
+    <dgm:scene3d>
+      <a:camera prst="orthographicFront">
+        <a:rot lat="0" lon="0" rev="0"/>
+      </a:camera>
+      <a:lightRig rig="contrasting" dir="t">
+        <a:rot lat="0" lon="0" rev="1200000"/>
+      </a:lightRig>
+    </dgm:scene3d>
+    <dgm:sp3d contourW="19050" prstMaterial="metal">
+      <a:bevelT w="88900" h="203200"/>
+      <a:bevelB w="165100" h="254000"/>
+    </dgm:sp3d>
+    <dgm:txPr/>
+    <dgm:style>
+      <a:lnRef idx="0">
+        <a:scrgbClr r="0" g="0" b="0"/>
+      </a:lnRef>
+      <a:fillRef idx="1">
+        <a:scrgbClr r="0" g="0" b="0"/>
+      </a:fillRef>
+      <a:effectRef idx="1">
+        <a:scrgbClr r="0" g="0" b="0"/>
+      </a:effectRef>
+      <a:fontRef idx="minor"/>
+    </dgm:style>
+  </dgm:styleLbl>
+  <dgm:styleLbl name="bgAcc1">
+    <dgm:scene3d>
+      <a:camera prst="orthographicFront">
+        <a:rot lat="0" lon="0" rev="0"/>
+      </a:camera>
+      <a:lightRig rig="contrasting" dir="t">
+        <a:rot lat="0" lon="0" rev="1200000"/>
+      </a:lightRig>
+    </dgm:scene3d>
+    <dgm:sp3d z="-300000" contourW="19050" prstMaterial="metal">
+      <a:bevelT w="88900" h="203200"/>
+      <a:bevelB w="165100" h="254000"/>
+    </dgm:sp3d>
+    <dgm:txPr/>
+    <dgm:style>
+      <a:lnRef idx="0">
+        <a:scrgbClr r="0" g="0" b="0"/>
+      </a:lnRef>
+      <a:fillRef idx="1">
+        <a:scrgbClr r="0" g="0" b="0"/>
+      </a:fillRef>
+      <a:effectRef idx="0">
+        <a:scrgbClr r="0" g="0" b="0"/>
+      </a:effectRef>
+      <a:fontRef idx="minor"/>
+    </dgm:style>
+  </dgm:styleLbl>
+  <dgm:styleLbl name="solidFgAcc1">
+    <dgm:scene3d>
+      <a:camera prst="orthographicFront">
+        <a:rot lat="0" lon="0" rev="0"/>
+      </a:camera>
+      <a:lightRig rig="contrasting" dir="t">
+        <a:rot lat="0" lon="0" rev="1200000"/>
+      </a:lightRig>
+    </dgm:scene3d>
+    <dgm:sp3d z="300000" contourW="12700" prstMaterial="flat">
+      <a:bevelT w="177800" h="254000"/>
+      <a:bevelB w="152400"/>
+    </dgm:sp3d>
+    <dgm:txPr/>
+    <dgm:style>
+      <a:lnRef idx="0">
+        <a:scrgbClr r="0" g="0" b="0"/>
+      </a:lnRef>
+      <a:fillRef idx="1">
+        <a:scrgbClr r="0" g="0" b="0"/>
+      </a:fillRef>
+      <a:effectRef idx="0">
+        <a:scrgbClr r="0" g="0" b="0"/>
+      </a:effectRef>
+      <a:fontRef idx="minor"/>
+    </dgm:style>
+  </dgm:styleLbl>
+  <dgm:styleLbl name="solidAlignAcc1">
+    <dgm:scene3d>
+      <a:camera prst="orthographicFront">
+        <a:rot lat="0" lon="0" rev="0"/>
+      </a:camera>
+      <a:lightRig rig="contrasting" dir="t">
+        <a:rot lat="0" lon="0" rev="1200000"/>
+      </a:lightRig>
+    </dgm:scene3d>
+    <dgm:sp3d contourW="19050" prstMaterial="metal">
+      <a:bevelT w="88900" h="203200"/>
+      <a:bevelB w="165100" h="254000"/>
+    </dgm:sp3d>
+    <dgm:txPr/>
+    <dgm:style>
+      <a:lnRef idx="0">
+        <a:scrgbClr r="0" g="0" b="0"/>
+      </a:lnRef>
+      <a:fillRef idx="1">
+        <a:scrgbClr r="0" g="0" b="0"/>
+      </a:fillRef>
+      <a:effectRef idx="0">
+        <a:scrgbClr r="0" g="0" b="0"/>
+      </a:effectRef>
+      <a:fontRef idx="minor"/>
+    </dgm:style>
+  </dgm:styleLbl>
+  <dgm:styleLbl name="solidBgAcc1">
+    <dgm:scene3d>
+      <a:camera prst="orthographicFront">
+        <a:rot lat="0" lon="0" rev="0"/>
+      </a:camera>
+      <a:lightRig rig="contrasting" dir="t">
+        <a:rot lat="0" lon="0" rev="1200000"/>
+      </a:lightRig>
+    </dgm:scene3d>
+    <dgm:sp3d z="-300000" contourW="19050" prstMaterial="metal">
+      <a:bevelT w="88900" h="203200"/>
+      <a:bevelB w="165100" h="254000"/>
+    </dgm:sp3d>
+    <dgm:txPr/>
+    <dgm:style>
+      <a:lnRef idx="0">
+        <a:scrgbClr r="0" g="0" b="0"/>
+      </a:lnRef>
+      <a:fillRef idx="1">
+        <a:scrgbClr r="0" g="0" b="0"/>
+      </a:fillRef>
+      <a:effectRef idx="0">
+        <a:scrgbClr r="0" g="0" b="0"/>
+      </a:effectRef>
+      <a:fontRef idx="minor"/>
+    </dgm:style>
+  </dgm:styleLbl>
+  <dgm:styleLbl name="fgAccFollowNode1">
+    <dgm:scene3d>
+      <a:camera prst="orthographicFront">
+        <a:rot lat="0" lon="0" rev="0"/>
+      </a:camera>
+      <a:lightRig rig="contrasting" dir="t">
+        <a:rot lat="0" lon="0" rev="1200000"/>
+      </a:lightRig>
+    </dgm:scene3d>
+    <dgm:sp3d z="300000" contourW="19050" prstMaterial="metal">
+      <a:bevelT w="88900" h="203200"/>
+      <a:bevelB w="165100" h="254000"/>
+    </dgm:sp3d>
+    <dgm:txPr/>
+    <dgm:style>
+      <a:lnRef idx="0">
+        <a:scrgbClr r="0" g="0" b="0"/>
+      </a:lnRef>
+      <a:fillRef idx="1">
+        <a:scrgbClr r="0" g="0" b="0"/>
+      </a:fillRef>
+      <a:effectRef idx="0">
+        <a:scrgbClr r="0" g="0" b="0"/>
+      </a:effectRef>
+      <a:fontRef idx="minor"/>
+    </dgm:style>
+  </dgm:styleLbl>
+  <dgm:styleLbl name="alignAccFollowNode1">
+    <dgm:scene3d>
+      <a:camera prst="orthographicFront">
+        <a:rot lat="0" lon="0" rev="0"/>
+      </a:camera>
+      <a:lightRig rig="contrasting" dir="t">
+        <a:rot lat="0" lon="0" rev="1200000"/>
+      </a:lightRig>
+    </dgm:scene3d>
+    <dgm:sp3d contourW="19050" prstMaterial="metal">
+      <a:bevelT w="88900" h="203200"/>
+      <a:bevelB w="165100" h="254000"/>
+    </dgm:sp3d>
+    <dgm:txPr/>
+    <dgm:style>
+      <a:lnRef idx="0">
+        <a:scrgbClr r="0" g="0" b="0"/>
+      </a:lnRef>
+      <a:fillRef idx="1">
+        <a:scrgbClr r="0" g="0" b="0"/>
+      </a:fillRef>
+      <a:effectRef idx="0">
+        <a:scrgbClr r="0" g="0" b="0"/>
+      </a:effectRef>
+      <a:fontRef idx="minor"/>
+    </dgm:style>
+  </dgm:styleLbl>
+  <dgm:styleLbl name="bgAccFollowNode1">
+    <dgm:scene3d>
+      <a:camera prst="orthographicFront">
+        <a:rot lat="0" lon="0" rev="0"/>
+      </a:camera>
+      <a:lightRig rig="contrasting" dir="t">
+        <a:rot lat="0" lon="0" rev="1200000"/>
+      </a:lightRig>
+    </dgm:scene3d>
+    <dgm:sp3d z="-300000" contourW="19050" prstMaterial="metal">
+      <a:bevelT w="88900" h="203200"/>
+      <a:bevelB w="165100" h="254000"/>
+    </dgm:sp3d>
+    <dgm:txPr/>
+    <dgm:style>
+      <a:lnRef idx="0">
+        <a:scrgbClr r="0" g="0" b="0"/>
+      </a:lnRef>
+      <a:fillRef idx="1">
+        <a:scrgbClr r="0" g="0" b="0"/>
+      </a:fillRef>
+      <a:effectRef idx="0">
+        <a:scrgbClr r="0" g="0" b="0"/>
+      </a:effectRef>
+      <a:fontRef idx="minor"/>
+    </dgm:style>
+  </dgm:styleLbl>
+  <dgm:styleLbl name="fgAcc0">
+    <dgm:scene3d>
+      <a:camera prst="orthographicFront">
+        <a:rot lat="0" lon="0" rev="0"/>
+      </a:camera>
+      <a:lightRig rig="contrasting" dir="t">
+        <a:rot lat="0" lon="0" rev="1200000"/>
+      </a:lightRig>
+    </dgm:scene3d>
+    <dgm:sp3d z="300000" contourW="19050" prstMaterial="metal">
+      <a:bevelT w="88900" h="203200"/>
+      <a:bevelB w="165100" h="254000"/>
+    </dgm:sp3d>
+    <dgm:txPr/>
+    <dgm:style>
+      <a:lnRef idx="0">
+        <a:scrgbClr r="0" g="0" b="0"/>
+      </a:lnRef>
+      <a:fillRef idx="1">
+        <a:scrgbClr r="0" g="0" b="0"/>
+      </a:fillRef>
+      <a:effectRef idx="0">
+        <a:scrgbClr r="0" g="0" b="0"/>
+      </a:effectRef>
+      <a:fontRef idx="minor"/>
+    </dgm:style>
+  </dgm:styleLbl>
+  <dgm:styleLbl name="fgAcc2">
+    <dgm:scene3d>
+      <a:camera prst="orthographicFront">
+        <a:rot lat="0" lon="0" rev="0"/>
+      </a:camera>
+      <a:lightRig rig="contrasting" dir="t">
+        <a:rot lat="0" lon="0" rev="1200000"/>
+      </a:lightRig>
+    </dgm:scene3d>
+    <dgm:sp3d z="300000" contourW="19050" prstMaterial="metal">
+      <a:bevelT w="88900" h="203200"/>
+      <a:bevelB w="165100" h="254000"/>
+    </dgm:sp3d>
+    <dgm:txPr/>
+    <dgm:style>
+      <a:lnRef idx="0">
+        <a:scrgbClr r="0" g="0" b="0"/>
+      </a:lnRef>
+      <a:fillRef idx="1">
+        <a:scrgbClr r="0" g="0" b="0"/>
+      </a:fillRef>
+      <a:effectRef idx="0">
+        <a:scrgbClr r="0" g="0" b="0"/>
+      </a:effectRef>
+      <a:fontRef idx="minor"/>
+    </dgm:style>
+  </dgm:styleLbl>
+  <dgm:styleLbl name="fgAcc3">
+    <dgm:scene3d>
+      <a:camera prst="orthographicFront">
+        <a:rot lat="0" lon="0" rev="0"/>
+      </a:camera>
+      <a:lightRig rig="contrasting" dir="t">
+        <a:rot lat="0" lon="0" rev="1200000"/>
+      </a:lightRig>
+    </dgm:scene3d>
+    <dgm:sp3d z="300000" contourW="19050" prstMaterial="metal">
+      <a:bevelT w="88900" h="203200"/>
+      <a:bevelB w="165100" h="254000"/>
+    </dgm:sp3d>
+    <dgm:txPr/>
+    <dgm:style>
+      <a:lnRef idx="0">
+        <a:scrgbClr r="0" g="0" b="0"/>
+      </a:lnRef>
+      <a:fillRef idx="1">
+        <a:scrgbClr r="0" g="0" b="0"/>
+      </a:fillRef>
+      <a:effectRef idx="0">
+        <a:scrgbClr r="0" g="0" b="0"/>
+      </a:effectRef>
+      <a:fontRef idx="minor"/>
+    </dgm:style>
+  </dgm:styleLbl>
+  <dgm:styleLbl name="fgAcc4">
+    <dgm:scene3d>
+      <a:camera prst="orthographicFront">
+        <a:rot lat="0" lon="0" rev="0"/>
+      </a:camera>
+      <a:lightRig rig="contrasting" dir="t">
+        <a:rot lat="0" lon="0" rev="1200000"/>
+      </a:lightRig>
+    </dgm:scene3d>
+    <dgm:sp3d z="300000" contourW="19050" prstMaterial="metal">
+      <a:bevelT w="88900" h="203200"/>
+      <a:bevelB w="165100" h="254000"/>
+    </dgm:sp3d>
+    <dgm:txPr/>
+    <dgm:style>
+      <a:lnRef idx="0">
+        <a:scrgbClr r="0" g="0" b="0"/>
+      </a:lnRef>
+      <a:fillRef idx="1">
+        <a:scrgbClr r="0" g="0" b="0"/>
+      </a:fillRef>
+      <a:effectRef idx="0">
+        <a:scrgbClr r="0" g="0" b="0"/>
+      </a:effectRef>
+      <a:fontRef idx="minor"/>
+    </dgm:style>
+  </dgm:styleLbl>
+  <dgm:styleLbl name="bgShp">
+    <dgm:scene3d>
+      <a:camera prst="orthographicFront">
+        <a:rot lat="0" lon="0" rev="0"/>
+      </a:camera>
+      <a:lightRig rig="contrasting" dir="t">
+        <a:rot lat="0" lon="0" rev="1200000"/>
+      </a:lightRig>
+    </dgm:scene3d>
+    <dgm:sp3d z="-300000" prstMaterial="plastic"/>
+    <dgm:txPr/>
+    <dgm:style>
+      <a:lnRef idx="1">
+        <a:scrgbClr r="0" g="0" b="0"/>
+      </a:lnRef>
+      <a:fillRef idx="1">
+        <a:scrgbClr r="0" g="0" b="0"/>
+      </a:fillRef>
+      <a:effectRef idx="0">
+        <a:scrgbClr r="0" g="0" b="0"/>
+      </a:effectRef>
+      <a:fontRef idx="minor"/>
+    </dgm:style>
+  </dgm:styleLbl>
+  <dgm:styleLbl name="dkBgShp">
+    <dgm:scene3d>
+      <a:camera prst="orthographicFront">
+        <a:rot lat="0" lon="0" rev="0"/>
+      </a:camera>
+      <a:lightRig rig="contrasting" dir="t">
+        <a:rot lat="0" lon="0" rev="1200000"/>
+      </a:lightRig>
+    </dgm:scene3d>
+    <dgm:sp3d contourW="12700" prstMaterial="flat">
+      <a:bevelT w="100800" h="154000"/>
+      <a:bevelB w="152400"/>
+    </dgm:sp3d>
+    <dgm:txPr/>
+    <dgm:style>
+      <a:lnRef idx="0">
+        <a:scrgbClr r="0" g="0" b="0"/>
+      </a:lnRef>
+      <a:fillRef idx="1">
+        <a:scrgbClr r="0" g="0" b="0"/>
+      </a:fillRef>
+      <a:effectRef idx="0">
+        <a:scrgbClr r="0" g="0" b="0"/>
+      </a:effectRef>
+      <a:fontRef idx="minor"/>
+    </dgm:style>
+  </dgm:styleLbl>
+  <dgm:styleLbl name="trBgShp">
+    <dgm:scene3d>
+      <a:camera prst="orthographicFront">
+        <a:rot lat="0" lon="0" rev="0"/>
+      </a:camera>
+      <a:lightRig rig="contrasting" dir="t">
+        <a:rot lat="0" lon="0" rev="1200000"/>
+      </a:lightRig>
+    </dgm:scene3d>
+    <dgm:sp3d z="-152400" prstMaterial="matte"/>
+    <dgm:txPr/>
+    <dgm:style>
+      <a:lnRef idx="1">
+        <a:scrgbClr r="0" g="0" b="0"/>
+      </a:lnRef>
+      <a:fillRef idx="1">
+        <a:scrgbClr r="0" g="0" b="0"/>
+      </a:fillRef>
+      <a:effectRef idx="0">
+        <a:scrgbClr r="0" g="0" b="0"/>
+      </a:effectRef>
+      <a:fontRef idx="minor"/>
+    </dgm:style>
+  </dgm:styleLbl>
+  <dgm:styleLbl name="fgShp">
+    <dgm:scene3d>
+      <a:camera prst="orthographicFront">
+        <a:rot lat="0" lon="0" rev="0"/>
+      </a:camera>
+      <a:lightRig rig="contrasting" dir="t">
+        <a:rot lat="0" lon="0" rev="1200000"/>
+      </a:lightRig>
+    </dgm:scene3d>
+    <dgm:sp3d z="300000" contourW="19050" prstMaterial="metal">
+      <a:bevelT w="88900" h="203200"/>
+      <a:bevelB w="165100" h="254000"/>
+    </dgm:sp3d>
+    <dgm:txPr/>
+    <dgm:style>
+      <a:lnRef idx="0">
+        <a:scrgbClr r="0" g="0" b="0"/>
+      </a:lnRef>
+      <a:fillRef idx="1">
+        <a:scrgbClr r="0" g="0" b="0"/>
+      </a:fillRef>
+      <a:effectRef idx="0">
+        <a:scrgbClr r="0" g="0" b="0"/>
+      </a:effectRef>
+      <a:fontRef idx="minor"/>
+    </dgm:style>
+  </dgm:styleLbl>
+  <dgm:styleLbl name="revTx">
     <dgm:scene3d>
       <a:camera prst="orthographicFront"/>
       <a:lightRig rig="threePt" dir="t"/>
@@ -7302,704 +8123,6 @@
     <dgm:txPr/>
     <dgm:style>
       <a:lnRef idx="1">
-        <a:scrgbClr r="0" g="0" b="0"/>
-      </a:lnRef>
-      <a:fillRef idx="0">
-        <a:scrgbClr r="0" g="0" b="0"/>
-      </a:fillRef>
-      <a:effectRef idx="0">
-        <a:scrgbClr r="0" g="0" b="0"/>
-      </a:effectRef>
-      <a:fontRef idx="minor"/>
-    </dgm:style>
-  </dgm:styleLbl>
-  <dgm:styleLbl name="callout">
-    <dgm:scene3d>
-      <a:camera prst="orthographicFront"/>
-      <a:lightRig rig="threePt" dir="t"/>
-    </dgm:scene3d>
-    <dgm:sp3d/>
-    <dgm:txPr/>
-    <dgm:style>
-      <a:lnRef idx="2">
-        <a:scrgbClr r="0" g="0" b="0"/>
-      </a:lnRef>
-      <a:fillRef idx="1">
-        <a:scrgbClr r="0" g="0" b="0"/>
-      </a:fillRef>
-      <a:effectRef idx="0">
-        <a:scrgbClr r="0" g="0" b="0"/>
-      </a:effectRef>
-      <a:fontRef idx="minor"/>
-    </dgm:style>
-  </dgm:styleLbl>
-  <dgm:styleLbl name="asst0">
-    <dgm:scene3d>
-      <a:camera prst="orthographicFront"/>
-      <a:lightRig rig="threePt" dir="t"/>
-    </dgm:scene3d>
-    <dgm:sp3d/>
-    <dgm:txPr/>
-    <dgm:style>
-      <a:lnRef idx="2">
-        <a:scrgbClr r="0" g="0" b="0"/>
-      </a:lnRef>
-      <a:fillRef idx="1">
-        <a:scrgbClr r="0" g="0" b="0"/>
-      </a:fillRef>
-      <a:effectRef idx="0">
-        <a:scrgbClr r="0" g="0" b="0"/>
-      </a:effectRef>
-      <a:fontRef idx="minor">
-        <a:schemeClr val="lt1"/>
-      </a:fontRef>
-    </dgm:style>
-  </dgm:styleLbl>
-  <dgm:styleLbl name="asst1">
-    <dgm:scene3d>
-      <a:camera prst="orthographicFront"/>
-      <a:lightRig rig="threePt" dir="t"/>
-    </dgm:scene3d>
-    <dgm:sp3d/>
-    <dgm:txPr/>
-    <dgm:style>
-      <a:lnRef idx="2">
-        <a:scrgbClr r="0" g="0" b="0"/>
-      </a:lnRef>
-      <a:fillRef idx="1">
-        <a:scrgbClr r="0" g="0" b="0"/>
-      </a:fillRef>
-      <a:effectRef idx="0">
-        <a:scrgbClr r="0" g="0" b="0"/>
-      </a:effectRef>
-      <a:fontRef idx="minor">
-        <a:schemeClr val="lt1"/>
-      </a:fontRef>
-    </dgm:style>
-  </dgm:styleLbl>
-  <dgm:styleLbl name="asst2">
-    <dgm:scene3d>
-      <a:camera prst="orthographicFront"/>
-      <a:lightRig rig="threePt" dir="t"/>
-    </dgm:scene3d>
-    <dgm:sp3d/>
-    <dgm:txPr/>
-    <dgm:style>
-      <a:lnRef idx="2">
-        <a:scrgbClr r="0" g="0" b="0"/>
-      </a:lnRef>
-      <a:fillRef idx="1">
-        <a:scrgbClr r="0" g="0" b="0"/>
-      </a:fillRef>
-      <a:effectRef idx="0">
-        <a:scrgbClr r="0" g="0" b="0"/>
-      </a:effectRef>
-      <a:fontRef idx="minor">
-        <a:schemeClr val="lt1"/>
-      </a:fontRef>
-    </dgm:style>
-  </dgm:styleLbl>
-  <dgm:styleLbl name="asst3">
-    <dgm:scene3d>
-      <a:camera prst="orthographicFront"/>
-      <a:lightRig rig="threePt" dir="t"/>
-    </dgm:scene3d>
-    <dgm:sp3d/>
-    <dgm:txPr/>
-    <dgm:style>
-      <a:lnRef idx="2">
-        <a:scrgbClr r="0" g="0" b="0"/>
-      </a:lnRef>
-      <a:fillRef idx="1">
-        <a:scrgbClr r="0" g="0" b="0"/>
-      </a:fillRef>
-      <a:effectRef idx="0">
-        <a:scrgbClr r="0" g="0" b="0"/>
-      </a:effectRef>
-      <a:fontRef idx="minor">
-        <a:schemeClr val="lt1"/>
-      </a:fontRef>
-    </dgm:style>
-  </dgm:styleLbl>
-  <dgm:styleLbl name="asst4">
-    <dgm:scene3d>
-      <a:camera prst="orthographicFront"/>
-      <a:lightRig rig="threePt" dir="t"/>
-    </dgm:scene3d>
-    <dgm:sp3d/>
-    <dgm:txPr/>
-    <dgm:style>
-      <a:lnRef idx="2">
-        <a:scrgbClr r="0" g="0" b="0"/>
-      </a:lnRef>
-      <a:fillRef idx="1">
-        <a:scrgbClr r="0" g="0" b="0"/>
-      </a:fillRef>
-      <a:effectRef idx="0">
-        <a:scrgbClr r="0" g="0" b="0"/>
-      </a:effectRef>
-      <a:fontRef idx="minor">
-        <a:schemeClr val="lt1"/>
-      </a:fontRef>
-    </dgm:style>
-  </dgm:styleLbl>
-  <dgm:styleLbl name="parChTrans2D1">
-    <dgm:scene3d>
-      <a:camera prst="orthographicFront"/>
-      <a:lightRig rig="threePt" dir="t"/>
-    </dgm:scene3d>
-    <dgm:sp3d/>
-    <dgm:txPr/>
-    <dgm:style>
-      <a:lnRef idx="2">
-        <a:scrgbClr r="0" g="0" b="0"/>
-      </a:lnRef>
-      <a:fillRef idx="1">
-        <a:scrgbClr r="0" g="0" b="0"/>
-      </a:fillRef>
-      <a:effectRef idx="0">
-        <a:scrgbClr r="0" g="0" b="0"/>
-      </a:effectRef>
-      <a:fontRef idx="minor">
-        <a:schemeClr val="lt1"/>
-      </a:fontRef>
-    </dgm:style>
-  </dgm:styleLbl>
-  <dgm:styleLbl name="parChTrans2D2">
-    <dgm:scene3d>
-      <a:camera prst="orthographicFront"/>
-      <a:lightRig rig="threePt" dir="t"/>
-    </dgm:scene3d>
-    <dgm:sp3d/>
-    <dgm:txPr/>
-    <dgm:style>
-      <a:lnRef idx="2">
-        <a:scrgbClr r="0" g="0" b="0"/>
-      </a:lnRef>
-      <a:fillRef idx="1">
-        <a:scrgbClr r="0" g="0" b="0"/>
-      </a:fillRef>
-      <a:effectRef idx="0">
-        <a:scrgbClr r="0" g="0" b="0"/>
-      </a:effectRef>
-      <a:fontRef idx="minor">
-        <a:schemeClr val="lt1"/>
-      </a:fontRef>
-    </dgm:style>
-  </dgm:styleLbl>
-  <dgm:styleLbl name="parChTrans2D3">
-    <dgm:scene3d>
-      <a:camera prst="orthographicFront"/>
-      <a:lightRig rig="threePt" dir="t"/>
-    </dgm:scene3d>
-    <dgm:sp3d/>
-    <dgm:txPr/>
-    <dgm:style>
-      <a:lnRef idx="2">
-        <a:scrgbClr r="0" g="0" b="0"/>
-      </a:lnRef>
-      <a:fillRef idx="1">
-        <a:scrgbClr r="0" g="0" b="0"/>
-      </a:fillRef>
-      <a:effectRef idx="0">
-        <a:scrgbClr r="0" g="0" b="0"/>
-      </a:effectRef>
-      <a:fontRef idx="minor">
-        <a:schemeClr val="lt1"/>
-      </a:fontRef>
-    </dgm:style>
-  </dgm:styleLbl>
-  <dgm:styleLbl name="parChTrans2D4">
-    <dgm:scene3d>
-      <a:camera prst="orthographicFront"/>
-      <a:lightRig rig="threePt" dir="t"/>
-    </dgm:scene3d>
-    <dgm:sp3d/>
-    <dgm:txPr/>
-    <dgm:style>
-      <a:lnRef idx="2">
-        <a:scrgbClr r="0" g="0" b="0"/>
-      </a:lnRef>
-      <a:fillRef idx="1">
-        <a:scrgbClr r="0" g="0" b="0"/>
-      </a:fillRef>
-      <a:effectRef idx="0">
-        <a:scrgbClr r="0" g="0" b="0"/>
-      </a:effectRef>
-      <a:fontRef idx="minor">
-        <a:schemeClr val="lt1"/>
-      </a:fontRef>
-    </dgm:style>
-  </dgm:styleLbl>
-  <dgm:styleLbl name="parChTrans1D1">
-    <dgm:scene3d>
-      <a:camera prst="orthographicFront"/>
-      <a:lightRig rig="threePt" dir="t"/>
-    </dgm:scene3d>
-    <dgm:sp3d/>
-    <dgm:txPr/>
-    <dgm:style>
-      <a:lnRef idx="2">
-        <a:scrgbClr r="0" g="0" b="0"/>
-      </a:lnRef>
-      <a:fillRef idx="0">
-        <a:scrgbClr r="0" g="0" b="0"/>
-      </a:fillRef>
-      <a:effectRef idx="0">
-        <a:scrgbClr r="0" g="0" b="0"/>
-      </a:effectRef>
-      <a:fontRef idx="minor"/>
-    </dgm:style>
-  </dgm:styleLbl>
-  <dgm:styleLbl name="parChTrans1D2">
-    <dgm:scene3d>
-      <a:camera prst="orthographicFront"/>
-      <a:lightRig rig="threePt" dir="t"/>
-    </dgm:scene3d>
-    <dgm:sp3d/>
-    <dgm:txPr/>
-    <dgm:style>
-      <a:lnRef idx="2">
-        <a:scrgbClr r="0" g="0" b="0"/>
-      </a:lnRef>
-      <a:fillRef idx="0">
-        <a:scrgbClr r="0" g="0" b="0"/>
-      </a:fillRef>
-      <a:effectRef idx="0">
-        <a:scrgbClr r="0" g="0" b="0"/>
-      </a:effectRef>
-      <a:fontRef idx="minor"/>
-    </dgm:style>
-  </dgm:styleLbl>
-  <dgm:styleLbl name="parChTrans1D3">
-    <dgm:scene3d>
-      <a:camera prst="orthographicFront"/>
-      <a:lightRig rig="threePt" dir="t"/>
-    </dgm:scene3d>
-    <dgm:sp3d/>
-    <dgm:txPr/>
-    <dgm:style>
-      <a:lnRef idx="2">
-        <a:scrgbClr r="0" g="0" b="0"/>
-      </a:lnRef>
-      <a:fillRef idx="0">
-        <a:scrgbClr r="0" g="0" b="0"/>
-      </a:fillRef>
-      <a:effectRef idx="0">
-        <a:scrgbClr r="0" g="0" b="0"/>
-      </a:effectRef>
-      <a:fontRef idx="minor"/>
-    </dgm:style>
-  </dgm:styleLbl>
-  <dgm:styleLbl name="parChTrans1D4">
-    <dgm:scene3d>
-      <a:camera prst="orthographicFront"/>
-      <a:lightRig rig="threePt" dir="t"/>
-    </dgm:scene3d>
-    <dgm:sp3d/>
-    <dgm:txPr/>
-    <dgm:style>
-      <a:lnRef idx="2">
-        <a:scrgbClr r="0" g="0" b="0"/>
-      </a:lnRef>
-      <a:fillRef idx="0">
-        <a:scrgbClr r="0" g="0" b="0"/>
-      </a:fillRef>
-      <a:effectRef idx="0">
-        <a:scrgbClr r="0" g="0" b="0"/>
-      </a:effectRef>
-      <a:fontRef idx="minor"/>
-    </dgm:style>
-  </dgm:styleLbl>
-  <dgm:styleLbl name="fgAcc1">
-    <dgm:scene3d>
-      <a:camera prst="orthographicFront"/>
-      <a:lightRig rig="threePt" dir="t"/>
-    </dgm:scene3d>
-    <dgm:sp3d/>
-    <dgm:txPr/>
-    <dgm:style>
-      <a:lnRef idx="2">
-        <a:scrgbClr r="0" g="0" b="0"/>
-      </a:lnRef>
-      <a:fillRef idx="1">
-        <a:scrgbClr r="0" g="0" b="0"/>
-      </a:fillRef>
-      <a:effectRef idx="0">
-        <a:scrgbClr r="0" g="0" b="0"/>
-      </a:effectRef>
-      <a:fontRef idx="minor"/>
-    </dgm:style>
-  </dgm:styleLbl>
-  <dgm:styleLbl name="conFgAcc1">
-    <dgm:scene3d>
-      <a:camera prst="orthographicFront"/>
-      <a:lightRig rig="threePt" dir="t"/>
-    </dgm:scene3d>
-    <dgm:sp3d/>
-    <dgm:txPr/>
-    <dgm:style>
-      <a:lnRef idx="2">
-        <a:scrgbClr r="0" g="0" b="0"/>
-      </a:lnRef>
-      <a:fillRef idx="1">
-        <a:scrgbClr r="0" g="0" b="0"/>
-      </a:fillRef>
-      <a:effectRef idx="0">
-        <a:scrgbClr r="0" g="0" b="0"/>
-      </a:effectRef>
-      <a:fontRef idx="minor"/>
-    </dgm:style>
-  </dgm:styleLbl>
-  <dgm:styleLbl name="alignAcc1">
-    <dgm:scene3d>
-      <a:camera prst="orthographicFront"/>
-      <a:lightRig rig="threePt" dir="t"/>
-    </dgm:scene3d>
-    <dgm:sp3d/>
-    <dgm:txPr/>
-    <dgm:style>
-      <a:lnRef idx="2">
-        <a:scrgbClr r="0" g="0" b="0"/>
-      </a:lnRef>
-      <a:fillRef idx="1">
-        <a:scrgbClr r="0" g="0" b="0"/>
-      </a:fillRef>
-      <a:effectRef idx="0">
-        <a:scrgbClr r="0" g="0" b="0"/>
-      </a:effectRef>
-      <a:fontRef idx="minor"/>
-    </dgm:style>
-  </dgm:styleLbl>
-  <dgm:styleLbl name="trAlignAcc1">
-    <dgm:scene3d>
-      <a:camera prst="orthographicFront"/>
-      <a:lightRig rig="threePt" dir="t"/>
-    </dgm:scene3d>
-    <dgm:sp3d/>
-    <dgm:txPr/>
-    <dgm:style>
-      <a:lnRef idx="1">
-        <a:scrgbClr r="0" g="0" b="0"/>
-      </a:lnRef>
-      <a:fillRef idx="1">
-        <a:scrgbClr r="0" g="0" b="0"/>
-      </a:fillRef>
-      <a:effectRef idx="0">
-        <a:scrgbClr r="0" g="0" b="0"/>
-      </a:effectRef>
-      <a:fontRef idx="minor"/>
-    </dgm:style>
-  </dgm:styleLbl>
-  <dgm:styleLbl name="bgAcc1">
-    <dgm:scene3d>
-      <a:camera prst="orthographicFront"/>
-      <a:lightRig rig="threePt" dir="t"/>
-    </dgm:scene3d>
-    <dgm:sp3d/>
-    <dgm:txPr/>
-    <dgm:style>
-      <a:lnRef idx="2">
-        <a:scrgbClr r="0" g="0" b="0"/>
-      </a:lnRef>
-      <a:fillRef idx="1">
-        <a:scrgbClr r="0" g="0" b="0"/>
-      </a:fillRef>
-      <a:effectRef idx="0">
-        <a:scrgbClr r="0" g="0" b="0"/>
-      </a:effectRef>
-      <a:fontRef idx="minor"/>
-    </dgm:style>
-  </dgm:styleLbl>
-  <dgm:styleLbl name="solidFgAcc1">
-    <dgm:scene3d>
-      <a:camera prst="orthographicFront"/>
-      <a:lightRig rig="threePt" dir="t"/>
-    </dgm:scene3d>
-    <dgm:sp3d/>
-    <dgm:txPr/>
-    <dgm:style>
-      <a:lnRef idx="2">
-        <a:scrgbClr r="0" g="0" b="0"/>
-      </a:lnRef>
-      <a:fillRef idx="1">
-        <a:scrgbClr r="0" g="0" b="0"/>
-      </a:fillRef>
-      <a:effectRef idx="0">
-        <a:scrgbClr r="0" g="0" b="0"/>
-      </a:effectRef>
-      <a:fontRef idx="minor"/>
-    </dgm:style>
-  </dgm:styleLbl>
-  <dgm:styleLbl name="solidAlignAcc1">
-    <dgm:scene3d>
-      <a:camera prst="orthographicFront"/>
-      <a:lightRig rig="threePt" dir="t"/>
-    </dgm:scene3d>
-    <dgm:sp3d/>
-    <dgm:txPr/>
-    <dgm:style>
-      <a:lnRef idx="2">
-        <a:scrgbClr r="0" g="0" b="0"/>
-      </a:lnRef>
-      <a:fillRef idx="1">
-        <a:scrgbClr r="0" g="0" b="0"/>
-      </a:fillRef>
-      <a:effectRef idx="0">
-        <a:scrgbClr r="0" g="0" b="0"/>
-      </a:effectRef>
-      <a:fontRef idx="minor"/>
-    </dgm:style>
-  </dgm:styleLbl>
-  <dgm:styleLbl name="solidBgAcc1">
-    <dgm:scene3d>
-      <a:camera prst="orthographicFront"/>
-      <a:lightRig rig="threePt" dir="t"/>
-    </dgm:scene3d>
-    <dgm:sp3d/>
-    <dgm:txPr/>
-    <dgm:style>
-      <a:lnRef idx="2">
-        <a:scrgbClr r="0" g="0" b="0"/>
-      </a:lnRef>
-      <a:fillRef idx="1">
-        <a:scrgbClr r="0" g="0" b="0"/>
-      </a:fillRef>
-      <a:effectRef idx="0">
-        <a:scrgbClr r="0" g="0" b="0"/>
-      </a:effectRef>
-      <a:fontRef idx="minor"/>
-    </dgm:style>
-  </dgm:styleLbl>
-  <dgm:styleLbl name="fgAccFollowNode1">
-    <dgm:scene3d>
-      <a:camera prst="orthographicFront"/>
-      <a:lightRig rig="threePt" dir="t"/>
-    </dgm:scene3d>
-    <dgm:sp3d/>
-    <dgm:txPr/>
-    <dgm:style>
-      <a:lnRef idx="2">
-        <a:scrgbClr r="0" g="0" b="0"/>
-      </a:lnRef>
-      <a:fillRef idx="1">
-        <a:scrgbClr r="0" g="0" b="0"/>
-      </a:fillRef>
-      <a:effectRef idx="0">
-        <a:scrgbClr r="0" g="0" b="0"/>
-      </a:effectRef>
-      <a:fontRef idx="minor"/>
-    </dgm:style>
-  </dgm:styleLbl>
-  <dgm:styleLbl name="alignAccFollowNode1">
-    <dgm:scene3d>
-      <a:camera prst="orthographicFront"/>
-      <a:lightRig rig="threePt" dir="t"/>
-    </dgm:scene3d>
-    <dgm:sp3d/>
-    <dgm:txPr/>
-    <dgm:style>
-      <a:lnRef idx="2">
-        <a:scrgbClr r="0" g="0" b="0"/>
-      </a:lnRef>
-      <a:fillRef idx="1">
-        <a:scrgbClr r="0" g="0" b="0"/>
-      </a:fillRef>
-      <a:effectRef idx="0">
-        <a:scrgbClr r="0" g="0" b="0"/>
-      </a:effectRef>
-      <a:fontRef idx="minor"/>
-    </dgm:style>
-  </dgm:styleLbl>
-  <dgm:styleLbl name="bgAccFollowNode1">
-    <dgm:scene3d>
-      <a:camera prst="orthographicFront"/>
-      <a:lightRig rig="threePt" dir="t"/>
-    </dgm:scene3d>
-    <dgm:sp3d/>
-    <dgm:txPr/>
-    <dgm:style>
-      <a:lnRef idx="2">
-        <a:scrgbClr r="0" g="0" b="0"/>
-      </a:lnRef>
-      <a:fillRef idx="1">
-        <a:scrgbClr r="0" g="0" b="0"/>
-      </a:fillRef>
-      <a:effectRef idx="0">
-        <a:scrgbClr r="0" g="0" b="0"/>
-      </a:effectRef>
-      <a:fontRef idx="minor"/>
-    </dgm:style>
-  </dgm:styleLbl>
-  <dgm:styleLbl name="fgAcc0">
-    <dgm:scene3d>
-      <a:camera prst="orthographicFront"/>
-      <a:lightRig rig="threePt" dir="t"/>
-    </dgm:scene3d>
-    <dgm:sp3d/>
-    <dgm:txPr/>
-    <dgm:style>
-      <a:lnRef idx="2">
-        <a:scrgbClr r="0" g="0" b="0"/>
-      </a:lnRef>
-      <a:fillRef idx="1">
-        <a:scrgbClr r="0" g="0" b="0"/>
-      </a:fillRef>
-      <a:effectRef idx="0">
-        <a:scrgbClr r="0" g="0" b="0"/>
-      </a:effectRef>
-      <a:fontRef idx="minor"/>
-    </dgm:style>
-  </dgm:styleLbl>
-  <dgm:styleLbl name="fgAcc2">
-    <dgm:scene3d>
-      <a:camera prst="orthographicFront"/>
-      <a:lightRig rig="threePt" dir="t"/>
-    </dgm:scene3d>
-    <dgm:sp3d/>
-    <dgm:txPr/>
-    <dgm:style>
-      <a:lnRef idx="2">
-        <a:scrgbClr r="0" g="0" b="0"/>
-      </a:lnRef>
-      <a:fillRef idx="1">
-        <a:scrgbClr r="0" g="0" b="0"/>
-      </a:fillRef>
-      <a:effectRef idx="0">
-        <a:scrgbClr r="0" g="0" b="0"/>
-      </a:effectRef>
-      <a:fontRef idx="minor"/>
-    </dgm:style>
-  </dgm:styleLbl>
-  <dgm:styleLbl name="fgAcc3">
-    <dgm:scene3d>
-      <a:camera prst="orthographicFront"/>
-      <a:lightRig rig="threePt" dir="t"/>
-    </dgm:scene3d>
-    <dgm:sp3d/>
-    <dgm:txPr/>
-    <dgm:style>
-      <a:lnRef idx="2">
-        <a:scrgbClr r="0" g="0" b="0"/>
-      </a:lnRef>
-      <a:fillRef idx="1">
-        <a:scrgbClr r="0" g="0" b="0"/>
-      </a:fillRef>
-      <a:effectRef idx="0">
-        <a:scrgbClr r="0" g="0" b="0"/>
-      </a:effectRef>
-      <a:fontRef idx="minor"/>
-    </dgm:style>
-  </dgm:styleLbl>
-  <dgm:styleLbl name="fgAcc4">
-    <dgm:scene3d>
-      <a:camera prst="orthographicFront"/>
-      <a:lightRig rig="threePt" dir="t"/>
-    </dgm:scene3d>
-    <dgm:sp3d/>
-    <dgm:txPr/>
-    <dgm:style>
-      <a:lnRef idx="2">
-        <a:scrgbClr r="0" g="0" b="0"/>
-      </a:lnRef>
-      <a:fillRef idx="1">
-        <a:scrgbClr r="0" g="0" b="0"/>
-      </a:fillRef>
-      <a:effectRef idx="0">
-        <a:scrgbClr r="0" g="0" b="0"/>
-      </a:effectRef>
-      <a:fontRef idx="minor"/>
-    </dgm:style>
-  </dgm:styleLbl>
-  <dgm:styleLbl name="bgShp">
-    <dgm:scene3d>
-      <a:camera prst="orthographicFront"/>
-      <a:lightRig rig="threePt" dir="t"/>
-    </dgm:scene3d>
-    <dgm:sp3d/>
-    <dgm:txPr/>
-    <dgm:style>
-      <a:lnRef idx="0">
-        <a:scrgbClr r="0" g="0" b="0"/>
-      </a:lnRef>
-      <a:fillRef idx="1">
-        <a:scrgbClr r="0" g="0" b="0"/>
-      </a:fillRef>
-      <a:effectRef idx="0">
-        <a:scrgbClr r="0" g="0" b="0"/>
-      </a:effectRef>
-      <a:fontRef idx="minor"/>
-    </dgm:style>
-  </dgm:styleLbl>
-  <dgm:styleLbl name="dkBgShp">
-    <dgm:scene3d>
-      <a:camera prst="orthographicFront"/>
-      <a:lightRig rig="threePt" dir="t"/>
-    </dgm:scene3d>
-    <dgm:sp3d/>
-    <dgm:txPr/>
-    <dgm:style>
-      <a:lnRef idx="0">
-        <a:scrgbClr r="0" g="0" b="0"/>
-      </a:lnRef>
-      <a:fillRef idx="1">
-        <a:scrgbClr r="0" g="0" b="0"/>
-      </a:fillRef>
-      <a:effectRef idx="0">
-        <a:scrgbClr r="0" g="0" b="0"/>
-      </a:effectRef>
-      <a:fontRef idx="minor"/>
-    </dgm:style>
-  </dgm:styleLbl>
-  <dgm:styleLbl name="trBgShp">
-    <dgm:scene3d>
-      <a:camera prst="orthographicFront"/>
-      <a:lightRig rig="threePt" dir="t"/>
-    </dgm:scene3d>
-    <dgm:sp3d/>
-    <dgm:txPr/>
-    <dgm:style>
-      <a:lnRef idx="0">
-        <a:scrgbClr r="0" g="0" b="0"/>
-      </a:lnRef>
-      <a:fillRef idx="1">
-        <a:scrgbClr r="0" g="0" b="0"/>
-      </a:fillRef>
-      <a:effectRef idx="0">
-        <a:scrgbClr r="0" g="0" b="0"/>
-      </a:effectRef>
-      <a:fontRef idx="minor"/>
-    </dgm:style>
-  </dgm:styleLbl>
-  <dgm:styleLbl name="fgShp">
-    <dgm:scene3d>
-      <a:camera prst="orthographicFront"/>
-      <a:lightRig rig="threePt" dir="t"/>
-    </dgm:scene3d>
-    <dgm:sp3d/>
-    <dgm:txPr/>
-    <dgm:style>
-      <a:lnRef idx="2">
-        <a:scrgbClr r="0" g="0" b="0"/>
-      </a:lnRef>
-      <a:fillRef idx="1">
-        <a:scrgbClr r="0" g="0" b="0"/>
-      </a:fillRef>
-      <a:effectRef idx="0">
-        <a:scrgbClr r="0" g="0" b="0"/>
-      </a:effectRef>
-      <a:fontRef idx="minor"/>
-    </dgm:style>
-  </dgm:styleLbl>
-  <dgm:styleLbl name="revTx">
-    <dgm:scene3d>
-      <a:camera prst="orthographicFront"/>
-      <a:lightRig rig="threePt" dir="t"/>
-    </dgm:scene3d>
-    <dgm:sp3d/>
-    <dgm:txPr/>
-    <dgm:style>
-      <a:lnRef idx="0">
         <a:scrgbClr r="0" g="0" b="0"/>
       </a:lnRef>
       <a:fillRef idx="0">
@@ -8163,7 +8286,7 @@
           <a:p>
             <a:fld id="{64ECE098-EFD0-4A62-9456-C803EB1DBA7A}" type="datetimeFigureOut">
               <a:rPr lang="en-DE" smtClean="0"/>
-              <a:t>02/05/2022</a:t>
+              <a:t>05/02/2022</a:t>
             </a:fld>
             <a:endParaRPr lang="en-DE"/>
           </a:p>
@@ -8363,7 +8486,7 @@
           <a:p>
             <a:fld id="{64ECE098-EFD0-4A62-9456-C803EB1DBA7A}" type="datetimeFigureOut">
               <a:rPr lang="en-DE" smtClean="0"/>
-              <a:t>02/05/2022</a:t>
+              <a:t>05/02/2022</a:t>
             </a:fld>
             <a:endParaRPr lang="en-DE"/>
           </a:p>
@@ -8573,7 +8696,7 @@
           <a:p>
             <a:fld id="{64ECE098-EFD0-4A62-9456-C803EB1DBA7A}" type="datetimeFigureOut">
               <a:rPr lang="en-DE" smtClean="0"/>
-              <a:t>02/05/2022</a:t>
+              <a:t>05/02/2022</a:t>
             </a:fld>
             <a:endParaRPr lang="en-DE"/>
           </a:p>
@@ -8773,7 +8896,7 @@
           <a:p>
             <a:fld id="{64ECE098-EFD0-4A62-9456-C803EB1DBA7A}" type="datetimeFigureOut">
               <a:rPr lang="en-DE" smtClean="0"/>
-              <a:t>02/05/2022</a:t>
+              <a:t>05/02/2022</a:t>
             </a:fld>
             <a:endParaRPr lang="en-DE"/>
           </a:p>
@@ -9049,7 +9172,7 @@
           <a:p>
             <a:fld id="{64ECE098-EFD0-4A62-9456-C803EB1DBA7A}" type="datetimeFigureOut">
               <a:rPr lang="en-DE" smtClean="0"/>
-              <a:t>02/05/2022</a:t>
+              <a:t>05/02/2022</a:t>
             </a:fld>
             <a:endParaRPr lang="en-DE"/>
           </a:p>
@@ -9317,7 +9440,7 @@
           <a:p>
             <a:fld id="{64ECE098-EFD0-4A62-9456-C803EB1DBA7A}" type="datetimeFigureOut">
               <a:rPr lang="en-DE" smtClean="0"/>
-              <a:t>02/05/2022</a:t>
+              <a:t>05/02/2022</a:t>
             </a:fld>
             <a:endParaRPr lang="en-DE"/>
           </a:p>
@@ -9732,7 +9855,7 @@
           <a:p>
             <a:fld id="{64ECE098-EFD0-4A62-9456-C803EB1DBA7A}" type="datetimeFigureOut">
               <a:rPr lang="en-DE" smtClean="0"/>
-              <a:t>02/05/2022</a:t>
+              <a:t>05/02/2022</a:t>
             </a:fld>
             <a:endParaRPr lang="en-DE"/>
           </a:p>
@@ -9874,7 +9997,7 @@
           <a:p>
             <a:fld id="{64ECE098-EFD0-4A62-9456-C803EB1DBA7A}" type="datetimeFigureOut">
               <a:rPr lang="en-DE" smtClean="0"/>
-              <a:t>02/05/2022</a:t>
+              <a:t>05/02/2022</a:t>
             </a:fld>
             <a:endParaRPr lang="en-DE"/>
           </a:p>
@@ -9987,7 +10110,7 @@
           <a:p>
             <a:fld id="{64ECE098-EFD0-4A62-9456-C803EB1DBA7A}" type="datetimeFigureOut">
               <a:rPr lang="en-DE" smtClean="0"/>
-              <a:t>02/05/2022</a:t>
+              <a:t>05/02/2022</a:t>
             </a:fld>
             <a:endParaRPr lang="en-DE"/>
           </a:p>
@@ -10300,7 +10423,7 @@
           <a:p>
             <a:fld id="{64ECE098-EFD0-4A62-9456-C803EB1DBA7A}" type="datetimeFigureOut">
               <a:rPr lang="en-DE" smtClean="0"/>
-              <a:t>02/05/2022</a:t>
+              <a:t>05/02/2022</a:t>
             </a:fld>
             <a:endParaRPr lang="en-DE"/>
           </a:p>
@@ -10589,7 +10712,7 @@
           <a:p>
             <a:fld id="{64ECE098-EFD0-4A62-9456-C803EB1DBA7A}" type="datetimeFigureOut">
               <a:rPr lang="en-DE" smtClean="0"/>
-              <a:t>02/05/2022</a:t>
+              <a:t>05/02/2022</a:t>
             </a:fld>
             <a:endParaRPr lang="en-DE"/>
           </a:p>
@@ -10832,7 +10955,7 @@
           <a:p>
             <a:fld id="{64ECE098-EFD0-4A62-9456-C803EB1DBA7A}" type="datetimeFigureOut">
               <a:rPr lang="en-DE" smtClean="0"/>
-              <a:t>02/05/2022</a:t>
+              <a:t>05/02/2022</a:t>
             </a:fld>
             <a:endParaRPr lang="en-DE"/>
           </a:p>
@@ -11671,6 +11794,203 @@
     <p:extLst>
       <p:ext uri="{BB962C8B-B14F-4D97-AF65-F5344CB8AC3E}">
         <p14:creationId xmlns:p14="http://schemas.microsoft.com/office/powerpoint/2010/main" val="555045482"/>
+      </p:ext>
+    </p:extLst>
+  </p:cSld>
+  <p:clrMapOvr>
+    <a:masterClrMapping/>
+  </p:clrMapOvr>
+</p:sld>
+</file>
+
+<file path=ppt/slides/slide10.xml><?xml version="1.0" encoding="utf-8"?>
+<p:sld xmlns:a="http://schemas.openxmlformats.org/drawingml/2006/main" xmlns:r="http://schemas.openxmlformats.org/officeDocument/2006/relationships" xmlns:p="http://schemas.openxmlformats.org/presentationml/2006/main">
+  <p:cSld>
+    <p:bg>
+      <p:bgPr>
+        <a:solidFill>
+          <a:schemeClr val="bg1"/>
+        </a:solidFill>
+        <a:effectLst/>
+      </p:bgPr>
+    </p:bg>
+    <p:spTree>
+      <p:nvGrpSpPr>
+        <p:cNvPr id="1" name=""/>
+        <p:cNvGrpSpPr/>
+        <p:nvPr/>
+      </p:nvGrpSpPr>
+      <p:grpSpPr>
+        <a:xfrm>
+          <a:off x="0" y="0"/>
+          <a:ext cx="0" cy="0"/>
+          <a:chOff x="0" y="0"/>
+          <a:chExt cx="0" cy="0"/>
+        </a:xfrm>
+      </p:grpSpPr>
+      <p:sp>
+        <p:nvSpPr>
+          <p:cNvPr id="15" name="Down Arrow 7">
+            <a:extLst>
+              <a:ext uri="{FF2B5EF4-FFF2-40B4-BE49-F238E27FC236}">
+                <a16:creationId xmlns:a16="http://schemas.microsoft.com/office/drawing/2014/main" id="{D4771268-CB57-404A-9271-370EB28F6090}"/>
+              </a:ext>
+              <a:ext uri="{C183D7F6-B498-43B3-948B-1728B52AA6E4}">
+                <adec:decorative xmlns:adec="http://schemas.microsoft.com/office/drawing/2017/decorative" val="1"/>
+              </a:ext>
+            </a:extLst>
+          </p:cNvPr>
+          <p:cNvSpPr>
+            <a:spLocks noGrp="1" noRot="1" noChangeAspect="1" noMove="1" noResize="1" noEditPoints="1" noAdjustHandles="1" noChangeArrowheads="1" noChangeShapeType="1" noTextEdit="1"/>
+          </p:cNvSpPr>
+          <p:nvPr>
+            <p:extLst>
+              <p:ext uri="{386F3935-93C4-4BCD-93E2-E3B085C9AB24}">
+                <p16:designElem xmlns:p16="http://schemas.microsoft.com/office/powerpoint/2015/main" val="1"/>
+              </p:ext>
+            </p:extLst>
+          </p:nvPr>
+        </p:nvSpPr>
+        <p:spPr>
+          <a:xfrm rot="16200000">
+            <a:off x="800100" y="1491343"/>
+            <a:ext cx="3333749" cy="3499103"/>
+          </a:xfrm>
+          <a:prstGeom prst="downArrow">
+            <a:avLst>
+              <a:gd name="adj1" fmla="val 100000"/>
+              <a:gd name="adj2" fmla="val 15788"/>
+            </a:avLst>
+          </a:prstGeom>
+          <a:solidFill>
+            <a:srgbClr val="404040"/>
+          </a:solidFill>
+          <a:ln w="53975">
+            <a:noFill/>
+          </a:ln>
+        </p:spPr>
+        <p:style>
+          <a:lnRef idx="2">
+            <a:schemeClr val="accent1">
+              <a:shade val="50000"/>
+            </a:schemeClr>
+          </a:lnRef>
+          <a:fillRef idx="1">
+            <a:schemeClr val="accent1"/>
+          </a:fillRef>
+          <a:effectRef idx="0">
+            <a:schemeClr val="accent1"/>
+          </a:effectRef>
+          <a:fontRef idx="minor">
+            <a:schemeClr val="lt1"/>
+          </a:fontRef>
+        </p:style>
+        <p:txBody>
+          <a:bodyPr rtlCol="0" anchor="ctr"/>
+          <a:lstStyle/>
+          <a:p>
+            <a:pPr algn="ctr"/>
+            <a:endParaRPr lang="en-US"/>
+          </a:p>
+        </p:txBody>
+      </p:sp>
+      <p:sp>
+        <p:nvSpPr>
+          <p:cNvPr id="2" name="Title 1">
+            <a:extLst>
+              <a:ext uri="{FF2B5EF4-FFF2-40B4-BE49-F238E27FC236}">
+                <a16:creationId xmlns:a16="http://schemas.microsoft.com/office/drawing/2014/main" id="{3351F8E8-FA51-4855-908E-846E50BF4D8D}"/>
+              </a:ext>
+            </a:extLst>
+          </p:cNvPr>
+          <p:cNvSpPr>
+            <a:spLocks noGrp="1"/>
+          </p:cNvSpPr>
+          <p:nvPr>
+            <p:ph type="title"/>
+          </p:nvPr>
+        </p:nvSpPr>
+        <p:spPr>
+          <a:xfrm>
+            <a:off x="1028700" y="1967266"/>
+            <a:ext cx="2628900" cy="2547257"/>
+          </a:xfrm>
+          <a:noFill/>
+        </p:spPr>
+        <p:txBody>
+          <a:bodyPr vert="horz" lIns="91440" tIns="45720" rIns="91440" bIns="45720" rtlCol="0" anchor="ctr">
+            <a:normAutofit/>
+          </a:bodyPr>
+          <a:lstStyle/>
+          <a:p>
+            <a:pPr algn="ctr"/>
+            <a:r>
+              <a:rPr lang="en-US" sz="3600" kern="1200">
+                <a:solidFill>
+                  <a:srgbClr val="FFFFFF"/>
+                </a:solidFill>
+                <a:latin typeface="+mj-lt"/>
+                <a:ea typeface="+mj-ea"/>
+                <a:cs typeface="+mj-cs"/>
+              </a:rPr>
+              <a:t>State Machine</a:t>
+            </a:r>
+            <a:r>
+              <a:rPr lang="en-US" sz="3600" kern="1200" dirty="0">
+                <a:solidFill>
+                  <a:srgbClr val="FFFFFF"/>
+                </a:solidFill>
+                <a:latin typeface="+mj-lt"/>
+                <a:ea typeface="+mj-ea"/>
+                <a:cs typeface="+mj-cs"/>
+              </a:rPr>
+              <a:t> Diagram</a:t>
+            </a:r>
+          </a:p>
+        </p:txBody>
+      </p:sp>
+      <p:pic>
+        <p:nvPicPr>
+          <p:cNvPr id="5" name="Content Placeholder 4" descr="Diagram&#10;&#10;Description automatically generated">
+            <a:extLst>
+              <a:ext uri="{FF2B5EF4-FFF2-40B4-BE49-F238E27FC236}">
+                <a16:creationId xmlns:a16="http://schemas.microsoft.com/office/drawing/2014/main" id="{E9059DB1-D78F-4316-85D6-B8D2A4A58217}"/>
+              </a:ext>
+            </a:extLst>
+          </p:cNvPr>
+          <p:cNvPicPr>
+            <a:picLocks noGrp="1" noChangeAspect="1"/>
+          </p:cNvPicPr>
+          <p:nvPr>
+            <p:ph idx="1"/>
+          </p:nvPr>
+        </p:nvPicPr>
+        <p:blipFill>
+          <a:blip r:embed="rId2">
+            <a:extLst>
+              <a:ext uri="{28A0092B-C50C-407E-A947-70E740481C1C}">
+                <a14:useLocalDpi xmlns:a14="http://schemas.microsoft.com/office/drawing/2010/main" val="0"/>
+              </a:ext>
+            </a:extLst>
+          </a:blip>
+          <a:stretch>
+            <a:fillRect/>
+          </a:stretch>
+        </p:blipFill>
+        <p:spPr>
+          <a:xfrm>
+            <a:off x="4777316" y="774887"/>
+            <a:ext cx="6780700" cy="5305897"/>
+          </a:xfrm>
+          <a:prstGeom prst="rect">
+            <a:avLst/>
+          </a:prstGeom>
+        </p:spPr>
+      </p:pic>
+    </p:spTree>
+    <p:extLst>
+      <p:ext uri="{BB962C8B-B14F-4D97-AF65-F5344CB8AC3E}">
+        <p14:creationId xmlns:p14="http://schemas.microsoft.com/office/powerpoint/2010/main" val="175119516"/>
       </p:ext>
     </p:extLst>
   </p:cSld>
@@ -15576,7 +15896,7 @@
             <p:ph idx="1"/>
             <p:extLst>
               <p:ext uri="{D42A27DB-BD31-4B8C-83A1-F6EECF244321}">
-                <p14:modId xmlns:p14="http://schemas.microsoft.com/office/powerpoint/2010/main" val="1328736640"/>
+                <p14:modId xmlns:p14="http://schemas.microsoft.com/office/powerpoint/2010/main" val="1193263051"/>
               </p:ext>
             </p:extLst>
           </p:nvPr>
@@ -15591,6 +15911,150 @@
           </a:graphicData>
         </a:graphic>
       </p:graphicFrame>
+      <p:sp>
+        <p:nvSpPr>
+          <p:cNvPr id="3" name="TextBox 2">
+            <a:extLst>
+              <a:ext uri="{FF2B5EF4-FFF2-40B4-BE49-F238E27FC236}">
+                <a16:creationId xmlns:a16="http://schemas.microsoft.com/office/drawing/2014/main" id="{6C8630C6-AC53-493F-B752-6BA184FEEE36}"/>
+              </a:ext>
+            </a:extLst>
+          </p:cNvPr>
+          <p:cNvSpPr txBox="1"/>
+          <p:nvPr/>
+        </p:nvSpPr>
+        <p:spPr>
+          <a:xfrm>
+            <a:off x="883920" y="3520642"/>
+            <a:ext cx="5181600" cy="369332"/>
+          </a:xfrm>
+          <a:prstGeom prst="rect">
+            <a:avLst/>
+          </a:prstGeom>
+          <a:noFill/>
+        </p:spPr>
+        <p:txBody>
+          <a:bodyPr wrap="square" rtlCol="0">
+            <a:spAutoFit/>
+          </a:bodyPr>
+          <a:lstStyle/>
+          <a:p>
+            <a:r>
+              <a:rPr lang="en-US" dirty="0"/>
+              <a:t>Activity Diagram</a:t>
+            </a:r>
+            <a:endParaRPr lang="de-DE" dirty="0"/>
+          </a:p>
+        </p:txBody>
+      </p:sp>
+      <p:sp>
+        <p:nvSpPr>
+          <p:cNvPr id="18" name="TextBox 17">
+            <a:extLst>
+              <a:ext uri="{FF2B5EF4-FFF2-40B4-BE49-F238E27FC236}">
+                <a16:creationId xmlns:a16="http://schemas.microsoft.com/office/drawing/2014/main" id="{9C1795D6-6A10-4DC8-8BFF-F90E679DCD51}"/>
+              </a:ext>
+            </a:extLst>
+          </p:cNvPr>
+          <p:cNvSpPr txBox="1"/>
+          <p:nvPr/>
+        </p:nvSpPr>
+        <p:spPr>
+          <a:xfrm>
+            <a:off x="883920" y="4473013"/>
+            <a:ext cx="5181600" cy="369332"/>
+          </a:xfrm>
+          <a:prstGeom prst="rect">
+            <a:avLst/>
+          </a:prstGeom>
+          <a:noFill/>
+        </p:spPr>
+        <p:txBody>
+          <a:bodyPr wrap="square" rtlCol="0">
+            <a:spAutoFit/>
+          </a:bodyPr>
+          <a:lstStyle/>
+          <a:p>
+            <a:r>
+              <a:rPr lang="en-US" dirty="0"/>
+              <a:t>Sequence Diagram</a:t>
+            </a:r>
+            <a:endParaRPr lang="de-DE" dirty="0"/>
+          </a:p>
+        </p:txBody>
+      </p:sp>
+      <p:sp>
+        <p:nvSpPr>
+          <p:cNvPr id="19" name="TextBox 18">
+            <a:extLst>
+              <a:ext uri="{FF2B5EF4-FFF2-40B4-BE49-F238E27FC236}">
+                <a16:creationId xmlns:a16="http://schemas.microsoft.com/office/drawing/2014/main" id="{3AF4DB50-7272-4207-88B0-1AB3D03909C6}"/>
+              </a:ext>
+            </a:extLst>
+          </p:cNvPr>
+          <p:cNvSpPr txBox="1"/>
+          <p:nvPr/>
+        </p:nvSpPr>
+        <p:spPr>
+          <a:xfrm>
+            <a:off x="6065520" y="3520642"/>
+            <a:ext cx="5181600" cy="369332"/>
+          </a:xfrm>
+          <a:prstGeom prst="rect">
+            <a:avLst/>
+          </a:prstGeom>
+          <a:noFill/>
+        </p:spPr>
+        <p:txBody>
+          <a:bodyPr wrap="square" rtlCol="0">
+            <a:spAutoFit/>
+          </a:bodyPr>
+          <a:lstStyle/>
+          <a:p>
+            <a:r>
+              <a:rPr lang="en-US" dirty="0"/>
+              <a:t>State Machine Diagram</a:t>
+            </a:r>
+            <a:endParaRPr lang="de-DE" dirty="0"/>
+          </a:p>
+        </p:txBody>
+      </p:sp>
+      <p:sp>
+        <p:nvSpPr>
+          <p:cNvPr id="20" name="TextBox 19">
+            <a:extLst>
+              <a:ext uri="{FF2B5EF4-FFF2-40B4-BE49-F238E27FC236}">
+                <a16:creationId xmlns:a16="http://schemas.microsoft.com/office/drawing/2014/main" id="{7EC4294D-D8F9-4991-A31A-342DB1E2EC02}"/>
+              </a:ext>
+            </a:extLst>
+          </p:cNvPr>
+          <p:cNvSpPr txBox="1"/>
+          <p:nvPr/>
+        </p:nvSpPr>
+        <p:spPr>
+          <a:xfrm>
+            <a:off x="6096000" y="4545669"/>
+            <a:ext cx="5181600" cy="369332"/>
+          </a:xfrm>
+          <a:prstGeom prst="rect">
+            <a:avLst/>
+          </a:prstGeom>
+          <a:noFill/>
+        </p:spPr>
+        <p:txBody>
+          <a:bodyPr wrap="square" rtlCol="0">
+            <a:spAutoFit/>
+          </a:bodyPr>
+          <a:lstStyle/>
+          <a:p>
+            <a:r>
+              <a:rPr lang="en-US" dirty="0"/>
+              <a:t>Use |Case Diagram</a:t>
+            </a:r>
+            <a:endParaRPr lang="de-DE" dirty="0"/>
+          </a:p>
+        </p:txBody>
+      </p:sp>
     </p:spTree>
     <p:extLst>
       <p:ext uri="{BB962C8B-B14F-4D97-AF65-F5344CB8AC3E}">
@@ -15631,7 +16095,7 @@
       </p:grpSpPr>
       <p:sp>
         <p:nvSpPr>
-          <p:cNvPr id="10" name="Down Arrow 7">
+          <p:cNvPr id="15" name="Down Arrow 7">
             <a:extLst>
               <a:ext uri="{FF2B5EF4-FFF2-40B4-BE49-F238E27FC236}">
                 <a16:creationId xmlns:a16="http://schemas.microsoft.com/office/drawing/2014/main" id="{D4771268-CB57-404A-9271-370EB28F6090}"/>
@@ -15726,7 +16190,7 @@
           <a:p>
             <a:pPr algn="ctr"/>
             <a:r>
-              <a:rPr lang="en-US" sz="3600" kern="1200">
+              <a:rPr lang="en-US" sz="3600" kern="1200" dirty="0">
                 <a:solidFill>
                   <a:srgbClr val="FFFFFF"/>
                 </a:solidFill>
@@ -15734,36 +16198,49 @@
                 <a:ea typeface="+mj-ea"/>
                 <a:cs typeface="+mj-cs"/>
               </a:rPr>
-              <a:t>Activity Diagram</a:t>
+              <a:t>Activity Diagram for car scenario</a:t>
             </a:r>
           </a:p>
         </p:txBody>
       </p:sp>
-      <p:sp>
-        <p:nvSpPr>
-          <p:cNvPr id="4" name="Content Placeholder 3">
+      <p:pic>
+        <p:nvPicPr>
+          <p:cNvPr id="5" name="Content Placeholder 4" descr="Diagram&#10;&#10;Description automatically generated">
             <a:extLst>
               <a:ext uri="{FF2B5EF4-FFF2-40B4-BE49-F238E27FC236}">
-                <a16:creationId xmlns:a16="http://schemas.microsoft.com/office/drawing/2014/main" id="{26BAFC59-BB2B-45FC-EB74-DA63DF1BEDA5}"/>
+                <a16:creationId xmlns:a16="http://schemas.microsoft.com/office/drawing/2014/main" id="{E9FA965D-B3B1-42A1-B5B5-48E48E3E8D2F}"/>
               </a:ext>
             </a:extLst>
           </p:cNvPr>
-          <p:cNvSpPr>
-            <a:spLocks noGrp="1"/>
-          </p:cNvSpPr>
+          <p:cNvPicPr>
+            <a:picLocks noGrp="1" noChangeAspect="1"/>
+          </p:cNvPicPr>
           <p:nvPr>
             <p:ph idx="1"/>
           </p:nvPr>
-        </p:nvSpPr>
-        <p:spPr/>
-        <p:txBody>
-          <a:bodyPr/>
-          <a:lstStyle/>
-          <a:p>
-            <a:endParaRPr lang="en-DE"/>
-          </a:p>
-        </p:txBody>
-      </p:sp>
+        </p:nvPicPr>
+        <p:blipFill>
+          <a:blip r:embed="rId2">
+            <a:extLst>
+              <a:ext uri="{28A0092B-C50C-407E-A947-70E740481C1C}">
+                <a14:useLocalDpi xmlns:a14="http://schemas.microsoft.com/office/drawing/2010/main" val="0"/>
+              </a:ext>
+            </a:extLst>
+          </a:blip>
+          <a:stretch>
+            <a:fillRect/>
+          </a:stretch>
+        </p:blipFill>
+        <p:spPr>
+          <a:xfrm>
+            <a:off x="6093311" y="643466"/>
+            <a:ext cx="4148710" cy="5568739"/>
+          </a:xfrm>
+          <a:prstGeom prst="rect">
+            <a:avLst/>
+          </a:prstGeom>
+        </p:spPr>
+      </p:pic>
     </p:spTree>
     <p:extLst>
       <p:ext uri="{BB962C8B-B14F-4D97-AF65-F5344CB8AC3E}">
@@ -15778,6 +16255,192 @@
 </file>
 
 <file path=ppt/slides/slide6.xml><?xml version="1.0" encoding="utf-8"?>
+<p:sld xmlns:a="http://schemas.openxmlformats.org/drawingml/2006/main" xmlns:r="http://schemas.openxmlformats.org/officeDocument/2006/relationships" xmlns:p="http://schemas.openxmlformats.org/presentationml/2006/main">
+  <p:cSld>
+    <p:bg>
+      <p:bgPr>
+        <a:solidFill>
+          <a:schemeClr val="bg1"/>
+        </a:solidFill>
+        <a:effectLst/>
+      </p:bgPr>
+    </p:bg>
+    <p:spTree>
+      <p:nvGrpSpPr>
+        <p:cNvPr id="1" name=""/>
+        <p:cNvGrpSpPr/>
+        <p:nvPr/>
+      </p:nvGrpSpPr>
+      <p:grpSpPr>
+        <a:xfrm>
+          <a:off x="0" y="0"/>
+          <a:ext cx="0" cy="0"/>
+          <a:chOff x="0" y="0"/>
+          <a:chExt cx="0" cy="0"/>
+        </a:xfrm>
+      </p:grpSpPr>
+      <p:sp>
+        <p:nvSpPr>
+          <p:cNvPr id="20" name="Down Arrow 7">
+            <a:extLst>
+              <a:ext uri="{FF2B5EF4-FFF2-40B4-BE49-F238E27FC236}">
+                <a16:creationId xmlns:a16="http://schemas.microsoft.com/office/drawing/2014/main" id="{D4771268-CB57-404A-9271-370EB28F6090}"/>
+              </a:ext>
+              <a:ext uri="{C183D7F6-B498-43B3-948B-1728B52AA6E4}">
+                <adec:decorative xmlns:adec="http://schemas.microsoft.com/office/drawing/2017/decorative" val="1"/>
+              </a:ext>
+            </a:extLst>
+          </p:cNvPr>
+          <p:cNvSpPr>
+            <a:spLocks noGrp="1" noRot="1" noChangeAspect="1" noMove="1" noResize="1" noEditPoints="1" noAdjustHandles="1" noChangeArrowheads="1" noChangeShapeType="1" noTextEdit="1"/>
+          </p:cNvSpPr>
+          <p:nvPr>
+            <p:extLst>
+              <p:ext uri="{386F3935-93C4-4BCD-93E2-E3B085C9AB24}">
+                <p16:designElem xmlns:p16="http://schemas.microsoft.com/office/powerpoint/2015/main" val="1"/>
+              </p:ext>
+            </p:extLst>
+          </p:nvPr>
+        </p:nvSpPr>
+        <p:spPr>
+          <a:xfrm rot="16200000">
+            <a:off x="800100" y="1491343"/>
+            <a:ext cx="3333749" cy="3499103"/>
+          </a:xfrm>
+          <a:prstGeom prst="downArrow">
+            <a:avLst>
+              <a:gd name="adj1" fmla="val 100000"/>
+              <a:gd name="adj2" fmla="val 15788"/>
+            </a:avLst>
+          </a:prstGeom>
+          <a:solidFill>
+            <a:srgbClr val="404040"/>
+          </a:solidFill>
+          <a:ln w="53975">
+            <a:noFill/>
+          </a:ln>
+        </p:spPr>
+        <p:style>
+          <a:lnRef idx="2">
+            <a:schemeClr val="accent1">
+              <a:shade val="50000"/>
+            </a:schemeClr>
+          </a:lnRef>
+          <a:fillRef idx="1">
+            <a:schemeClr val="accent1"/>
+          </a:fillRef>
+          <a:effectRef idx="0">
+            <a:schemeClr val="accent1"/>
+          </a:effectRef>
+          <a:fontRef idx="minor">
+            <a:schemeClr val="lt1"/>
+          </a:fontRef>
+        </p:style>
+        <p:txBody>
+          <a:bodyPr rtlCol="0" anchor="ctr"/>
+          <a:lstStyle/>
+          <a:p>
+            <a:pPr algn="ctr"/>
+            <a:endParaRPr lang="en-US"/>
+          </a:p>
+        </p:txBody>
+      </p:sp>
+      <p:sp>
+        <p:nvSpPr>
+          <p:cNvPr id="2" name="Title 1">
+            <a:extLst>
+              <a:ext uri="{FF2B5EF4-FFF2-40B4-BE49-F238E27FC236}">
+                <a16:creationId xmlns:a16="http://schemas.microsoft.com/office/drawing/2014/main" id="{3351F8E8-FA51-4855-908E-846E50BF4D8D}"/>
+              </a:ext>
+            </a:extLst>
+          </p:cNvPr>
+          <p:cNvSpPr>
+            <a:spLocks noGrp="1"/>
+          </p:cNvSpPr>
+          <p:nvPr>
+            <p:ph type="title"/>
+          </p:nvPr>
+        </p:nvSpPr>
+        <p:spPr>
+          <a:xfrm>
+            <a:off x="1028700" y="1967266"/>
+            <a:ext cx="2628900" cy="2547257"/>
+          </a:xfrm>
+          <a:noFill/>
+        </p:spPr>
+        <p:txBody>
+          <a:bodyPr vert="horz" lIns="91440" tIns="45720" rIns="91440" bIns="45720" rtlCol="0" anchor="ctr">
+            <a:normAutofit/>
+          </a:bodyPr>
+          <a:lstStyle/>
+          <a:p>
+            <a:pPr algn="ctr"/>
+            <a:r>
+              <a:rPr lang="en-US" sz="3600" kern="1200" dirty="0">
+                <a:solidFill>
+                  <a:srgbClr val="FFFFFF"/>
+                </a:solidFill>
+                <a:latin typeface="+mj-lt"/>
+                <a:ea typeface="+mj-ea"/>
+                <a:cs typeface="+mj-cs"/>
+              </a:rPr>
+              <a:t>Activity Diagram for server hub</a:t>
+            </a:r>
+          </a:p>
+        </p:txBody>
+      </p:sp>
+      <p:pic>
+        <p:nvPicPr>
+          <p:cNvPr id="7" name="Content Placeholder 6" descr="Diagram&#10;&#10;Description automatically generated">
+            <a:extLst>
+              <a:ext uri="{FF2B5EF4-FFF2-40B4-BE49-F238E27FC236}">
+                <a16:creationId xmlns:a16="http://schemas.microsoft.com/office/drawing/2014/main" id="{F6416B23-BBB2-4D89-BABA-6CB6D1A3F7DF}"/>
+              </a:ext>
+            </a:extLst>
+          </p:cNvPr>
+          <p:cNvPicPr>
+            <a:picLocks noGrp="1" noChangeAspect="1"/>
+          </p:cNvPicPr>
+          <p:nvPr>
+            <p:ph idx="1"/>
+          </p:nvPr>
+        </p:nvPicPr>
+        <p:blipFill>
+          <a:blip r:embed="rId2">
+            <a:extLst>
+              <a:ext uri="{28A0092B-C50C-407E-A947-70E740481C1C}">
+                <a14:useLocalDpi xmlns:a14="http://schemas.microsoft.com/office/drawing/2010/main" val="0"/>
+              </a:ext>
+            </a:extLst>
+          </a:blip>
+          <a:stretch>
+            <a:fillRect/>
+          </a:stretch>
+        </p:blipFill>
+        <p:spPr>
+          <a:xfrm>
+            <a:off x="5842717" y="643466"/>
+            <a:ext cx="4649897" cy="5568739"/>
+          </a:xfrm>
+          <a:prstGeom prst="rect">
+            <a:avLst/>
+          </a:prstGeom>
+        </p:spPr>
+      </p:pic>
+    </p:spTree>
+    <p:extLst>
+      <p:ext uri="{BB962C8B-B14F-4D97-AF65-F5344CB8AC3E}">
+        <p14:creationId xmlns:p14="http://schemas.microsoft.com/office/powerpoint/2010/main" val="3206432766"/>
+      </p:ext>
+    </p:extLst>
+  </p:cSld>
+  <p:clrMapOvr>
+    <a:masterClrMapping/>
+  </p:clrMapOvr>
+</p:sld>
+</file>
+
+<file path=ppt/slides/slide7.xml><?xml version="1.0" encoding="utf-8"?>
 <p:sld xmlns:a="http://schemas.openxmlformats.org/drawingml/2006/main" xmlns:r="http://schemas.openxmlformats.org/officeDocument/2006/relationships" xmlns:p="http://schemas.openxmlformats.org/presentationml/2006/main">
   <p:cSld>
     <p:bg>
@@ -15963,7 +16626,7 @@
 </p:sld>
 </file>
 
-<file path=ppt/slides/slide7.xml><?xml version="1.0" encoding="utf-8"?>
+<file path=ppt/slides/slide8.xml><?xml version="1.0" encoding="utf-8"?>
 <p:sld xmlns:a="http://schemas.openxmlformats.org/drawingml/2006/main" xmlns:r="http://schemas.openxmlformats.org/officeDocument/2006/relationships" xmlns:p="http://schemas.openxmlformats.org/presentationml/2006/main">
   <p:cSld>
     <p:bg>
@@ -16149,7 +16812,7 @@
 </p:sld>
 </file>
 
-<file path=ppt/slides/slide8.xml><?xml version="1.0" encoding="utf-8"?>
+<file path=ppt/slides/slide9.xml><?xml version="1.0" encoding="utf-8"?>
 <p:sld xmlns:a="http://schemas.openxmlformats.org/drawingml/2006/main" xmlns:r="http://schemas.openxmlformats.org/officeDocument/2006/relationships" xmlns:p="http://schemas.openxmlformats.org/presentationml/2006/main">
   <p:cSld>
     <p:bg>
@@ -16344,221 +17007,6 @@
     <p:extLst>
       <p:ext uri="{BB962C8B-B14F-4D97-AF65-F5344CB8AC3E}">
         <p14:creationId xmlns:p14="http://schemas.microsoft.com/office/powerpoint/2010/main" val="4254531621"/>
-      </p:ext>
-    </p:extLst>
-  </p:cSld>
-  <p:clrMapOvr>
-    <a:masterClrMapping/>
-  </p:clrMapOvr>
-</p:sld>
-</file>
-
-<file path=ppt/slides/slide9.xml><?xml version="1.0" encoding="utf-8"?>
-<p:sld xmlns:a="http://schemas.openxmlformats.org/drawingml/2006/main" xmlns:r="http://schemas.openxmlformats.org/officeDocument/2006/relationships" xmlns:p="http://schemas.openxmlformats.org/presentationml/2006/main">
-  <p:cSld>
-    <p:bg>
-      <p:bgPr>
-        <a:solidFill>
-          <a:schemeClr val="bg1"/>
-        </a:solidFill>
-        <a:effectLst/>
-      </p:bgPr>
-    </p:bg>
-    <p:spTree>
-      <p:nvGrpSpPr>
-        <p:cNvPr id="1" name=""/>
-        <p:cNvGrpSpPr/>
-        <p:nvPr/>
-      </p:nvGrpSpPr>
-      <p:grpSpPr>
-        <a:xfrm>
-          <a:off x="0" y="0"/>
-          <a:ext cx="0" cy="0"/>
-          <a:chOff x="0" y="0"/>
-          <a:chExt cx="0" cy="0"/>
-        </a:xfrm>
-      </p:grpSpPr>
-      <p:sp>
-        <p:nvSpPr>
-          <p:cNvPr id="10" name="Down Arrow 7">
-            <a:extLst>
-              <a:ext uri="{FF2B5EF4-FFF2-40B4-BE49-F238E27FC236}">
-                <a16:creationId xmlns:a16="http://schemas.microsoft.com/office/drawing/2014/main" id="{D4771268-CB57-404A-9271-370EB28F6090}"/>
-              </a:ext>
-              <a:ext uri="{C183D7F6-B498-43B3-948B-1728B52AA6E4}">
-                <adec:decorative xmlns:adec="http://schemas.microsoft.com/office/drawing/2017/decorative" val="1"/>
-              </a:ext>
-            </a:extLst>
-          </p:cNvPr>
-          <p:cNvSpPr>
-            <a:spLocks noGrp="1" noRot="1" noChangeAspect="1" noMove="1" noResize="1" noEditPoints="1" noAdjustHandles="1" noChangeArrowheads="1" noChangeShapeType="1" noTextEdit="1"/>
-          </p:cNvSpPr>
-          <p:nvPr>
-            <p:extLst>
-              <p:ext uri="{386F3935-93C4-4BCD-93E2-E3B085C9AB24}">
-                <p16:designElem xmlns:p16="http://schemas.microsoft.com/office/powerpoint/2015/main" val="1"/>
-              </p:ext>
-            </p:extLst>
-          </p:nvPr>
-        </p:nvSpPr>
-        <p:spPr>
-          <a:xfrm rot="16200000">
-            <a:off x="800100" y="1491343"/>
-            <a:ext cx="3333749" cy="3499103"/>
-          </a:xfrm>
-          <a:prstGeom prst="downArrow">
-            <a:avLst>
-              <a:gd name="adj1" fmla="val 100000"/>
-              <a:gd name="adj2" fmla="val 15788"/>
-            </a:avLst>
-          </a:prstGeom>
-          <a:solidFill>
-            <a:srgbClr val="404040"/>
-          </a:solidFill>
-          <a:ln w="53975">
-            <a:noFill/>
-          </a:ln>
-        </p:spPr>
-        <p:style>
-          <a:lnRef idx="2">
-            <a:schemeClr val="accent1">
-              <a:shade val="50000"/>
-            </a:schemeClr>
-          </a:lnRef>
-          <a:fillRef idx="1">
-            <a:schemeClr val="accent1"/>
-          </a:fillRef>
-          <a:effectRef idx="0">
-            <a:schemeClr val="accent1"/>
-          </a:effectRef>
-          <a:fontRef idx="minor">
-            <a:schemeClr val="lt1"/>
-          </a:fontRef>
-        </p:style>
-        <p:txBody>
-          <a:bodyPr rtlCol="0" anchor="ctr"/>
-          <a:lstStyle/>
-          <a:p>
-            <a:pPr marL="0" marR="0" lvl="0" indent="0" algn="ctr" defTabSz="914400" rtl="0" eaLnBrk="1" fontAlgn="auto" latinLnBrk="0" hangingPunct="1">
-              <a:lnSpc>
-                <a:spcPct val="100000"/>
-              </a:lnSpc>
-              <a:spcBef>
-                <a:spcPts val="0"/>
-              </a:spcBef>
-              <a:spcAft>
-                <a:spcPts val="0"/>
-              </a:spcAft>
-              <a:buClrTx/>
-              <a:buSzTx/>
-              <a:buFontTx/>
-              <a:buNone/>
-              <a:tabLst/>
-              <a:defRPr/>
-            </a:pPr>
-            <a:endParaRPr kumimoji="0" lang="en-US" sz="1800" b="0" i="0" u="none" strike="noStrike" kern="1200" cap="none" spc="0" normalizeH="0" baseline="0" noProof="0">
-              <a:ln>
-                <a:noFill/>
-              </a:ln>
-              <a:solidFill>
-                <a:prstClr val="white"/>
-              </a:solidFill>
-              <a:effectLst/>
-              <a:uLnTx/>
-              <a:uFillTx/>
-              <a:latin typeface="Calibri" panose="020F0502020204030204"/>
-              <a:ea typeface="+mn-ea"/>
-              <a:cs typeface="+mn-cs"/>
-            </a:endParaRPr>
-          </a:p>
-        </p:txBody>
-      </p:sp>
-      <p:sp>
-        <p:nvSpPr>
-          <p:cNvPr id="2" name="Title 1">
-            <a:extLst>
-              <a:ext uri="{FF2B5EF4-FFF2-40B4-BE49-F238E27FC236}">
-                <a16:creationId xmlns:a16="http://schemas.microsoft.com/office/drawing/2014/main" id="{3351F8E8-FA51-4855-908E-846E50BF4D8D}"/>
-              </a:ext>
-            </a:extLst>
-          </p:cNvPr>
-          <p:cNvSpPr>
-            <a:spLocks noGrp="1"/>
-          </p:cNvSpPr>
-          <p:nvPr>
-            <p:ph type="title"/>
-          </p:nvPr>
-        </p:nvSpPr>
-        <p:spPr>
-          <a:xfrm>
-            <a:off x="1028700" y="1967266"/>
-            <a:ext cx="2628900" cy="2547257"/>
-          </a:xfrm>
-          <a:noFill/>
-        </p:spPr>
-        <p:txBody>
-          <a:bodyPr vert="horz" lIns="91440" tIns="45720" rIns="91440" bIns="45720" rtlCol="0" anchor="ctr">
-            <a:normAutofit/>
-          </a:bodyPr>
-          <a:lstStyle/>
-          <a:p>
-            <a:pPr algn="ctr"/>
-            <a:r>
-              <a:rPr lang="en-US" sz="3600" dirty="0">
-                <a:solidFill>
-                  <a:srgbClr val="FFFFFF"/>
-                </a:solidFill>
-              </a:rPr>
-              <a:t>State Machine</a:t>
-            </a:r>
-            <a:r>
-              <a:rPr lang="en-US" sz="3600" kern="1200" dirty="0">
-                <a:solidFill>
-                  <a:srgbClr val="FFFFFF"/>
-                </a:solidFill>
-                <a:latin typeface="+mj-lt"/>
-                <a:ea typeface="+mj-ea"/>
-                <a:cs typeface="+mj-cs"/>
-              </a:rPr>
-              <a:t> Diagram</a:t>
-            </a:r>
-          </a:p>
-        </p:txBody>
-      </p:sp>
-      <p:sp>
-        <p:nvSpPr>
-          <p:cNvPr id="4" name="Content Placeholder 3">
-            <a:extLst>
-              <a:ext uri="{FF2B5EF4-FFF2-40B4-BE49-F238E27FC236}">
-                <a16:creationId xmlns:a16="http://schemas.microsoft.com/office/drawing/2014/main" id="{26BAFC59-BB2B-45FC-EB74-DA63DF1BEDA5}"/>
-              </a:ext>
-            </a:extLst>
-          </p:cNvPr>
-          <p:cNvSpPr>
-            <a:spLocks noGrp="1"/>
-          </p:cNvSpPr>
-          <p:nvPr>
-            <p:ph idx="1"/>
-          </p:nvPr>
-        </p:nvSpPr>
-        <p:spPr>
-          <a:xfrm>
-            <a:off x="5037220" y="1825625"/>
-            <a:ext cx="6316579" cy="4351338"/>
-          </a:xfrm>
-        </p:spPr>
-        <p:txBody>
-          <a:bodyPr/>
-          <a:lstStyle/>
-          <a:p>
-            <a:endParaRPr lang="en-DE" dirty="0"/>
-          </a:p>
-        </p:txBody>
-      </p:sp>
-    </p:spTree>
-    <p:extLst>
-      <p:ext uri="{BB962C8B-B14F-4D97-AF65-F5344CB8AC3E}">
-        <p14:creationId xmlns:p14="http://schemas.microsoft.com/office/powerpoint/2010/main" val="175119516"/>
       </p:ext>
     </p:extLst>
   </p:cSld>

--- a/AIM Autonomous Intersection Management.pptx
+++ b/AIM Autonomous Intersection Management.pptx
@@ -8286,7 +8286,7 @@
           <a:p>
             <a:fld id="{64ECE098-EFD0-4A62-9456-C803EB1DBA7A}" type="datetimeFigureOut">
               <a:rPr lang="en-DE" smtClean="0"/>
-              <a:t>05/02/2022</a:t>
+              <a:t>09/05/2022</a:t>
             </a:fld>
             <a:endParaRPr lang="en-DE"/>
           </a:p>
@@ -8486,7 +8486,7 @@
           <a:p>
             <a:fld id="{64ECE098-EFD0-4A62-9456-C803EB1DBA7A}" type="datetimeFigureOut">
               <a:rPr lang="en-DE" smtClean="0"/>
-              <a:t>05/02/2022</a:t>
+              <a:t>09/05/2022</a:t>
             </a:fld>
             <a:endParaRPr lang="en-DE"/>
           </a:p>
@@ -8696,7 +8696,7 @@
           <a:p>
             <a:fld id="{64ECE098-EFD0-4A62-9456-C803EB1DBA7A}" type="datetimeFigureOut">
               <a:rPr lang="en-DE" smtClean="0"/>
-              <a:t>05/02/2022</a:t>
+              <a:t>09/05/2022</a:t>
             </a:fld>
             <a:endParaRPr lang="en-DE"/>
           </a:p>
@@ -8896,7 +8896,7 @@
           <a:p>
             <a:fld id="{64ECE098-EFD0-4A62-9456-C803EB1DBA7A}" type="datetimeFigureOut">
               <a:rPr lang="en-DE" smtClean="0"/>
-              <a:t>05/02/2022</a:t>
+              <a:t>09/05/2022</a:t>
             </a:fld>
             <a:endParaRPr lang="en-DE"/>
           </a:p>
@@ -9172,7 +9172,7 @@
           <a:p>
             <a:fld id="{64ECE098-EFD0-4A62-9456-C803EB1DBA7A}" type="datetimeFigureOut">
               <a:rPr lang="en-DE" smtClean="0"/>
-              <a:t>05/02/2022</a:t>
+              <a:t>09/05/2022</a:t>
             </a:fld>
             <a:endParaRPr lang="en-DE"/>
           </a:p>
@@ -9440,7 +9440,7 @@
           <a:p>
             <a:fld id="{64ECE098-EFD0-4A62-9456-C803EB1DBA7A}" type="datetimeFigureOut">
               <a:rPr lang="en-DE" smtClean="0"/>
-              <a:t>05/02/2022</a:t>
+              <a:t>09/05/2022</a:t>
             </a:fld>
             <a:endParaRPr lang="en-DE"/>
           </a:p>
@@ -9855,7 +9855,7 @@
           <a:p>
             <a:fld id="{64ECE098-EFD0-4A62-9456-C803EB1DBA7A}" type="datetimeFigureOut">
               <a:rPr lang="en-DE" smtClean="0"/>
-              <a:t>05/02/2022</a:t>
+              <a:t>09/05/2022</a:t>
             </a:fld>
             <a:endParaRPr lang="en-DE"/>
           </a:p>
@@ -9997,7 +9997,7 @@
           <a:p>
             <a:fld id="{64ECE098-EFD0-4A62-9456-C803EB1DBA7A}" type="datetimeFigureOut">
               <a:rPr lang="en-DE" smtClean="0"/>
-              <a:t>05/02/2022</a:t>
+              <a:t>09/05/2022</a:t>
             </a:fld>
             <a:endParaRPr lang="en-DE"/>
           </a:p>
@@ -10110,7 +10110,7 @@
           <a:p>
             <a:fld id="{64ECE098-EFD0-4A62-9456-C803EB1DBA7A}" type="datetimeFigureOut">
               <a:rPr lang="en-DE" smtClean="0"/>
-              <a:t>05/02/2022</a:t>
+              <a:t>09/05/2022</a:t>
             </a:fld>
             <a:endParaRPr lang="en-DE"/>
           </a:p>
@@ -10423,7 +10423,7 @@
           <a:p>
             <a:fld id="{64ECE098-EFD0-4A62-9456-C803EB1DBA7A}" type="datetimeFigureOut">
               <a:rPr lang="en-DE" smtClean="0"/>
-              <a:t>05/02/2022</a:t>
+              <a:t>09/05/2022</a:t>
             </a:fld>
             <a:endParaRPr lang="en-DE"/>
           </a:p>
@@ -10712,7 +10712,7 @@
           <a:p>
             <a:fld id="{64ECE098-EFD0-4A62-9456-C803EB1DBA7A}" type="datetimeFigureOut">
               <a:rPr lang="en-DE" smtClean="0"/>
-              <a:t>05/02/2022</a:t>
+              <a:t>09/05/2022</a:t>
             </a:fld>
             <a:endParaRPr lang="en-DE"/>
           </a:p>
@@ -10955,7 +10955,7 @@
           <a:p>
             <a:fld id="{64ECE098-EFD0-4A62-9456-C803EB1DBA7A}" type="datetimeFigureOut">
               <a:rPr lang="en-DE" smtClean="0"/>
-              <a:t>05/02/2022</a:t>
+              <a:t>09/05/2022</a:t>
             </a:fld>
             <a:endParaRPr lang="en-DE"/>
           </a:p>
@@ -16839,7 +16839,7 @@
       </p:grpSpPr>
       <p:sp>
         <p:nvSpPr>
-          <p:cNvPr id="15" name="Down Arrow 7">
+          <p:cNvPr id="20" name="Down Arrow 7">
             <a:extLst>
               <a:ext uri="{FF2B5EF4-FFF2-40B4-BE49-F238E27FC236}">
                 <a16:creationId xmlns:a16="http://schemas.microsoft.com/office/drawing/2014/main" id="{D4771268-CB57-404A-9271-370EB28F6090}"/>
@@ -16967,10 +16967,10 @@
       </p:sp>
       <p:pic>
         <p:nvPicPr>
-          <p:cNvPr id="9" name="Content Placeholder 8" descr="Diagram&#10;&#10;Description automatically generated with medium confidence">
+          <p:cNvPr id="6" name="Content Placeholder 5" descr="Diagram&#10;&#10;Description automatically generated">
             <a:extLst>
               <a:ext uri="{FF2B5EF4-FFF2-40B4-BE49-F238E27FC236}">
-                <a16:creationId xmlns:a16="http://schemas.microsoft.com/office/drawing/2014/main" id="{4B92FDB8-2D32-EBCA-43E9-33779886016C}"/>
+                <a16:creationId xmlns:a16="http://schemas.microsoft.com/office/drawing/2014/main" id="{0A4A76F8-A74A-5DD2-571B-E932ECB01CA3}"/>
               </a:ext>
             </a:extLst>
           </p:cNvPr>
@@ -16995,8 +16995,8 @@
         </p:blipFill>
         <p:spPr>
           <a:xfrm>
-            <a:off x="5213427" y="643466"/>
-            <a:ext cx="5908477" cy="5568739"/>
+            <a:off x="5213428" y="643466"/>
+            <a:ext cx="5908476" cy="5568739"/>
           </a:xfrm>
           <a:prstGeom prst="rect">
             <a:avLst/>

--- a/AIM Autonomous Intersection Management.pptx
+++ b/AIM Autonomous Intersection Management.pptx
@@ -15,6 +15,7 @@
     <p:sldId id="262" r:id="rId9"/>
     <p:sldId id="263" r:id="rId10"/>
     <p:sldId id="265" r:id="rId11"/>
+    <p:sldId id="268" r:id="rId12"/>
   </p:sldIdLst>
   <p:sldSz cx="12192000" cy="6858000"/>
   <p:notesSz cx="6858000" cy="9144000"/>
@@ -11991,6 +11992,182 @@
     <p:extLst>
       <p:ext uri="{BB962C8B-B14F-4D97-AF65-F5344CB8AC3E}">
         <p14:creationId xmlns:p14="http://schemas.microsoft.com/office/powerpoint/2010/main" val="175119516"/>
+      </p:ext>
+    </p:extLst>
+  </p:cSld>
+  <p:clrMapOvr>
+    <a:masterClrMapping/>
+  </p:clrMapOvr>
+</p:sld>
+</file>
+
+<file path=ppt/slides/slide11.xml><?xml version="1.0" encoding="utf-8"?>
+<p:sld xmlns:a="http://schemas.openxmlformats.org/drawingml/2006/main" xmlns:r="http://schemas.openxmlformats.org/officeDocument/2006/relationships" xmlns:p="http://schemas.openxmlformats.org/presentationml/2006/main">
+  <p:cSld>
+    <p:bg>
+      <p:bgPr>
+        <a:solidFill>
+          <a:schemeClr val="bg1"/>
+        </a:solidFill>
+        <a:effectLst/>
+      </p:bgPr>
+    </p:bg>
+    <p:spTree>
+      <p:nvGrpSpPr>
+        <p:cNvPr id="1" name=""/>
+        <p:cNvGrpSpPr/>
+        <p:nvPr/>
+      </p:nvGrpSpPr>
+      <p:grpSpPr>
+        <a:xfrm>
+          <a:off x="0" y="0"/>
+          <a:ext cx="0" cy="0"/>
+          <a:chOff x="0" y="0"/>
+          <a:chExt cx="0" cy="0"/>
+        </a:xfrm>
+      </p:grpSpPr>
+      <p:sp>
+        <p:nvSpPr>
+          <p:cNvPr id="10" name="Rectangle 9">
+            <a:extLst>
+              <a:ext uri="{FF2B5EF4-FFF2-40B4-BE49-F238E27FC236}">
+                <a16:creationId xmlns:a16="http://schemas.microsoft.com/office/drawing/2014/main" id="{A4AC5506-6312-4701-8D3C-40187889A947}"/>
+              </a:ext>
+              <a:ext uri="{C183D7F6-B498-43B3-948B-1728B52AA6E4}">
+                <adec:decorative xmlns:adec="http://schemas.microsoft.com/office/drawing/2017/decorative" val="1"/>
+              </a:ext>
+            </a:extLst>
+          </p:cNvPr>
+          <p:cNvSpPr>
+            <a:spLocks noGrp="1" noRot="1" noChangeAspect="1" noMove="1" noResize="1" noEditPoints="1" noAdjustHandles="1" noChangeArrowheads="1" noChangeShapeType="1" noTextEdit="1"/>
+          </p:cNvSpPr>
+          <p:nvPr>
+            <p:extLst>
+              <p:ext uri="{386F3935-93C4-4BCD-93E2-E3B085C9AB24}">
+                <p16:designElem xmlns:p16="http://schemas.microsoft.com/office/powerpoint/2015/main" val="1"/>
+              </p:ext>
+            </p:extLst>
+          </p:nvPr>
+        </p:nvSpPr>
+        <p:spPr>
+          <a:xfrm>
+            <a:off x="0" y="651752"/>
+            <a:ext cx="12192000" cy="736551"/>
+          </a:xfrm>
+          <a:prstGeom prst="rect">
+            <a:avLst/>
+          </a:prstGeom>
+          <a:solidFill>
+            <a:schemeClr val="tx1"/>
+          </a:solidFill>
+          <a:ln>
+            <a:noFill/>
+          </a:ln>
+        </p:spPr>
+        <p:style>
+          <a:lnRef idx="2">
+            <a:schemeClr val="accent1">
+              <a:shade val="50000"/>
+            </a:schemeClr>
+          </a:lnRef>
+          <a:fillRef idx="1">
+            <a:schemeClr val="accent1"/>
+          </a:fillRef>
+          <a:effectRef idx="0">
+            <a:schemeClr val="accent1"/>
+          </a:effectRef>
+          <a:fontRef idx="minor">
+            <a:schemeClr val="lt1"/>
+          </a:fontRef>
+        </p:style>
+        <p:txBody>
+          <a:bodyPr rtlCol="0" anchor="ctr"/>
+          <a:lstStyle/>
+          <a:p>
+            <a:pPr algn="ctr"/>
+            <a:endParaRPr lang="en-US"/>
+          </a:p>
+        </p:txBody>
+      </p:sp>
+      <p:sp>
+        <p:nvSpPr>
+          <p:cNvPr id="2" name="Title 1">
+            <a:extLst>
+              <a:ext uri="{FF2B5EF4-FFF2-40B4-BE49-F238E27FC236}">
+                <a16:creationId xmlns:a16="http://schemas.microsoft.com/office/drawing/2014/main" id="{1EB81E64-34E7-920F-3A73-C5CC1FEAFA95}"/>
+              </a:ext>
+            </a:extLst>
+          </p:cNvPr>
+          <p:cNvSpPr>
+            <a:spLocks noGrp="1"/>
+          </p:cNvSpPr>
+          <p:nvPr>
+            <p:ph type="title"/>
+          </p:nvPr>
+        </p:nvSpPr>
+        <p:spPr>
+          <a:xfrm>
+            <a:off x="556532" y="643467"/>
+            <a:ext cx="11210925" cy="744836"/>
+          </a:xfrm>
+        </p:spPr>
+        <p:txBody>
+          <a:bodyPr vert="horz" lIns="91440" tIns="45720" rIns="91440" bIns="45720" rtlCol="0" anchor="ctr">
+            <a:normAutofit/>
+          </a:bodyPr>
+          <a:lstStyle/>
+          <a:p>
+            <a:pPr algn="ctr"/>
+            <a:r>
+              <a:rPr lang="en-US" sz="3200" kern="1200" dirty="0">
+                <a:solidFill>
+                  <a:schemeClr val="bg1"/>
+                </a:solidFill>
+                <a:latin typeface="+mj-lt"/>
+                <a:ea typeface="+mj-ea"/>
+                <a:cs typeface="+mj-cs"/>
+              </a:rPr>
+              <a:t>Idea of Path Blocks at 4 junctions</a:t>
+            </a:r>
+          </a:p>
+        </p:txBody>
+      </p:sp>
+      <p:pic>
+        <p:nvPicPr>
+          <p:cNvPr id="5" name="Content Placeholder 4">
+            <a:extLst>
+              <a:ext uri="{FF2B5EF4-FFF2-40B4-BE49-F238E27FC236}">
+                <a16:creationId xmlns:a16="http://schemas.microsoft.com/office/drawing/2014/main" id="{2EAC0B26-204B-0A35-CE56-87D9A7CAEC51}"/>
+              </a:ext>
+            </a:extLst>
+          </p:cNvPr>
+          <p:cNvPicPr>
+            <a:picLocks noGrp="1" noChangeAspect="1"/>
+          </p:cNvPicPr>
+          <p:nvPr>
+            <p:ph idx="1"/>
+          </p:nvPr>
+        </p:nvPicPr>
+        <p:blipFill>
+          <a:blip r:embed="rId2"/>
+          <a:stretch>
+            <a:fillRect/>
+          </a:stretch>
+        </p:blipFill>
+        <p:spPr>
+          <a:xfrm>
+            <a:off x="1542425" y="1675227"/>
+            <a:ext cx="9107150" cy="4394199"/>
+          </a:xfrm>
+          <a:prstGeom prst="rect">
+            <a:avLst/>
+          </a:prstGeom>
+        </p:spPr>
+      </p:pic>
+    </p:spTree>
+    <p:extLst>
+      <p:ext uri="{BB962C8B-B14F-4D97-AF65-F5344CB8AC3E}">
+        <p14:creationId xmlns:p14="http://schemas.microsoft.com/office/powerpoint/2010/main" val="615340732"/>
       </p:ext>
     </p:extLst>
   </p:cSld>
